--- a/Group Project_ Letter Data Mining.pptx
+++ b/Group Project_ Letter Data Mining.pptx
@@ -15,21 +15,39 @@
     <p:sldId id="260" r:id="rId9"/>
     <p:sldId id="261" r:id="rId10"/>
     <p:sldId id="262" r:id="rId11"/>
+    <p:sldId id="263" r:id="rId12"/>
+    <p:sldId id="264" r:id="rId13"/>
+    <p:sldId id="265" r:id="rId14"/>
+    <p:sldId id="266" r:id="rId15"/>
+    <p:sldId id="267" r:id="rId16"/>
+    <p:sldId id="268" r:id="rId17"/>
+    <p:sldId id="269" r:id="rId18"/>
+    <p:sldId id="270" r:id="rId19"/>
+    <p:sldId id="271" r:id="rId20"/>
+    <p:sldId id="272" r:id="rId21"/>
+    <p:sldId id="273" r:id="rId22"/>
   </p:sldIdLst>
   <p:sldSz cy="5143500" cx="9144000"/>
   <p:notesSz cx="6858000" cy="9144000"/>
   <p:embeddedFontLst>
     <p:embeddedFont>
+      <p:font typeface="Roboto"/>
+      <p:regular r:id="rId23"/>
+      <p:bold r:id="rId24"/>
+      <p:italic r:id="rId25"/>
+      <p:boldItalic r:id="rId26"/>
+    </p:embeddedFont>
+    <p:embeddedFont>
       <p:font typeface="Nunito"/>
-      <p:regular r:id="rId12"/>
-      <p:bold r:id="rId13"/>
-      <p:italic r:id="rId14"/>
-      <p:boldItalic r:id="rId15"/>
+      <p:regular r:id="rId27"/>
+      <p:bold r:id="rId28"/>
+      <p:italic r:id="rId29"/>
+      <p:boldItalic r:id="rId30"/>
     </p:embeddedFont>
     <p:embeddedFont>
       <p:font typeface="Maven Pro"/>
-      <p:regular r:id="rId16"/>
-      <p:bold r:id="rId17"/>
+      <p:regular r:id="rId31"/>
+      <p:bold r:id="rId32"/>
     </p:embeddedFont>
   </p:embeddedFontLst>
   <p:defaultTextStyle>
@@ -499,12 +517,12 @@
 </p:notes>
 </file>
 
-<file path=ppt/notesSlides/notesSlide2.xml><?xml version="1.0" encoding="utf-8"?>
+<file path=ppt/notesSlides/notesSlide10.xml><?xml version="1.0" encoding="utf-8"?>
 <p:notes xmlns:a="http://schemas.openxmlformats.org/drawingml/2006/main" xmlns:r="http://schemas.openxmlformats.org/officeDocument/2006/relationships" xmlns:mc="http://schemas.openxmlformats.org/markup-compatibility/2006" xmlns:mv="urn:schemas-microsoft-com:mac:vml" xmlns:p="http://schemas.openxmlformats.org/presentationml/2006/main" xmlns:c="http://schemas.openxmlformats.org/drawingml/2006/chart" xmlns:dgm="http://schemas.openxmlformats.org/drawingml/2006/diagram" xmlns:o="urn:schemas-microsoft-com:office:office" xmlns:v="urn:schemas-microsoft-com:vml" xmlns:pvml="urn:schemas-microsoft-com:office:powerpoint" xmlns:com="http://schemas.openxmlformats.org/drawingml/2006/compatibility" xmlns:p14="http://schemas.microsoft.com/office/powerpoint/2010/main" xmlns:p15="http://schemas.microsoft.com/office/powerpoint/2012/main" showMasterPhAnim="0" showMasterSp="0">
   <p:cSld>
     <p:spTree>
       <p:nvGrpSpPr>
-        <p:cNvPr id="279" name="Shape 279"/>
+        <p:cNvPr id="332" name="Shape 332"/>
         <p:cNvGrpSpPr/>
         <p:nvPr/>
       </p:nvGrpSpPr>
@@ -518,7 +536,7 @@
       </p:grpSpPr>
       <p:sp>
         <p:nvSpPr>
-          <p:cNvPr id="280" name="Shape 280"/>
+          <p:cNvPr id="333" name="Shape 333"/>
           <p:cNvSpPr/>
           <p:nvPr>
             <p:ph idx="2" type="sldImg"/>
@@ -552,7 +570,7 @@
       </p:sp>
       <p:sp>
         <p:nvSpPr>
-          <p:cNvPr id="281" name="Shape 281"/>
+          <p:cNvPr id="334" name="Shape 334"/>
           <p:cNvSpPr txBox="1"/>
           <p:nvPr>
             <p:ph idx="1" type="body"/>
@@ -594,12 +612,12 @@
 </p:notes>
 </file>
 
-<file path=ppt/notesSlides/notesSlide3.xml><?xml version="1.0" encoding="utf-8"?>
+<file path=ppt/notesSlides/notesSlide11.xml><?xml version="1.0" encoding="utf-8"?>
 <p:notes xmlns:a="http://schemas.openxmlformats.org/drawingml/2006/main" xmlns:r="http://schemas.openxmlformats.org/officeDocument/2006/relationships" xmlns:mc="http://schemas.openxmlformats.org/markup-compatibility/2006" xmlns:mv="urn:schemas-microsoft-com:mac:vml" xmlns:p="http://schemas.openxmlformats.org/presentationml/2006/main" xmlns:c="http://schemas.openxmlformats.org/drawingml/2006/chart" xmlns:dgm="http://schemas.openxmlformats.org/drawingml/2006/diagram" xmlns:o="urn:schemas-microsoft-com:office:office" xmlns:v="urn:schemas-microsoft-com:vml" xmlns:pvml="urn:schemas-microsoft-com:office:powerpoint" xmlns:com="http://schemas.openxmlformats.org/drawingml/2006/compatibility" xmlns:p14="http://schemas.microsoft.com/office/powerpoint/2010/main" xmlns:p15="http://schemas.microsoft.com/office/powerpoint/2012/main" showMasterPhAnim="0" showMasterSp="0">
   <p:cSld>
     <p:spTree>
       <p:nvGrpSpPr>
-        <p:cNvPr id="285" name="Shape 285"/>
+        <p:cNvPr id="339" name="Shape 339"/>
         <p:cNvGrpSpPr/>
         <p:nvPr/>
       </p:nvGrpSpPr>
@@ -613,7 +631,7 @@
       </p:grpSpPr>
       <p:sp>
         <p:nvSpPr>
-          <p:cNvPr id="286" name="Shape 286"/>
+          <p:cNvPr id="340" name="Shape 340"/>
           <p:cNvSpPr/>
           <p:nvPr>
             <p:ph idx="2" type="sldImg"/>
@@ -647,7 +665,7 @@
       </p:sp>
       <p:sp>
         <p:nvSpPr>
-          <p:cNvPr id="287" name="Shape 287"/>
+          <p:cNvPr id="341" name="Shape 341"/>
           <p:cNvSpPr txBox="1"/>
           <p:nvPr>
             <p:ph idx="1" type="body"/>
@@ -689,12 +707,12 @@
 </p:notes>
 </file>
 
-<file path=ppt/notesSlides/notesSlide4.xml><?xml version="1.0" encoding="utf-8"?>
+<file path=ppt/notesSlides/notesSlide12.xml><?xml version="1.0" encoding="utf-8"?>
 <p:notes xmlns:a="http://schemas.openxmlformats.org/drawingml/2006/main" xmlns:r="http://schemas.openxmlformats.org/officeDocument/2006/relationships" xmlns:mc="http://schemas.openxmlformats.org/markup-compatibility/2006" xmlns:mv="urn:schemas-microsoft-com:mac:vml" xmlns:p="http://schemas.openxmlformats.org/presentationml/2006/main" xmlns:c="http://schemas.openxmlformats.org/drawingml/2006/chart" xmlns:dgm="http://schemas.openxmlformats.org/drawingml/2006/diagram" xmlns:o="urn:schemas-microsoft-com:office:office" xmlns:v="urn:schemas-microsoft-com:vml" xmlns:pvml="urn:schemas-microsoft-com:office:powerpoint" xmlns:com="http://schemas.openxmlformats.org/drawingml/2006/compatibility" xmlns:p14="http://schemas.microsoft.com/office/powerpoint/2010/main" xmlns:p15="http://schemas.microsoft.com/office/powerpoint/2012/main" showMasterPhAnim="0" showMasterSp="0">
   <p:cSld>
     <p:spTree>
       <p:nvGrpSpPr>
-        <p:cNvPr id="291" name="Shape 291"/>
+        <p:cNvPr id="346" name="Shape 346"/>
         <p:cNvGrpSpPr/>
         <p:nvPr/>
       </p:nvGrpSpPr>
@@ -708,7 +726,7 @@
       </p:grpSpPr>
       <p:sp>
         <p:nvSpPr>
-          <p:cNvPr id="292" name="Shape 292"/>
+          <p:cNvPr id="347" name="Shape 347"/>
           <p:cNvSpPr/>
           <p:nvPr>
             <p:ph idx="2" type="sldImg"/>
@@ -742,7 +760,7 @@
       </p:sp>
       <p:sp>
         <p:nvSpPr>
-          <p:cNvPr id="293" name="Shape 293"/>
+          <p:cNvPr id="348" name="Shape 348"/>
           <p:cNvSpPr txBox="1"/>
           <p:nvPr>
             <p:ph idx="1" type="body"/>
@@ -784,12 +802,12 @@
 </p:notes>
 </file>
 
-<file path=ppt/notesSlides/notesSlide5.xml><?xml version="1.0" encoding="utf-8"?>
+<file path=ppt/notesSlides/notesSlide13.xml><?xml version="1.0" encoding="utf-8"?>
 <p:notes xmlns:a="http://schemas.openxmlformats.org/drawingml/2006/main" xmlns:r="http://schemas.openxmlformats.org/officeDocument/2006/relationships" xmlns:mc="http://schemas.openxmlformats.org/markup-compatibility/2006" xmlns:mv="urn:schemas-microsoft-com:mac:vml" xmlns:p="http://schemas.openxmlformats.org/presentationml/2006/main" xmlns:c="http://schemas.openxmlformats.org/drawingml/2006/chart" xmlns:dgm="http://schemas.openxmlformats.org/drawingml/2006/diagram" xmlns:o="urn:schemas-microsoft-com:office:office" xmlns:v="urn:schemas-microsoft-com:vml" xmlns:pvml="urn:schemas-microsoft-com:office:powerpoint" xmlns:com="http://schemas.openxmlformats.org/drawingml/2006/compatibility" xmlns:p14="http://schemas.microsoft.com/office/powerpoint/2010/main" xmlns:p15="http://schemas.microsoft.com/office/powerpoint/2012/main" showMasterPhAnim="0" showMasterSp="0">
   <p:cSld>
     <p:spTree>
       <p:nvGrpSpPr>
-        <p:cNvPr id="297" name="Shape 297"/>
+        <p:cNvPr id="352" name="Shape 352"/>
         <p:cNvGrpSpPr/>
         <p:nvPr/>
       </p:nvGrpSpPr>
@@ -803,7 +821,7 @@
       </p:grpSpPr>
       <p:sp>
         <p:nvSpPr>
-          <p:cNvPr id="298" name="Shape 298"/>
+          <p:cNvPr id="353" name="Shape 353"/>
           <p:cNvSpPr/>
           <p:nvPr>
             <p:ph idx="2" type="sldImg"/>
@@ -837,7 +855,7 @@
       </p:sp>
       <p:sp>
         <p:nvSpPr>
-          <p:cNvPr id="299" name="Shape 299"/>
+          <p:cNvPr id="354" name="Shape 354"/>
           <p:cNvSpPr txBox="1"/>
           <p:nvPr>
             <p:ph idx="1" type="body"/>
@@ -879,12 +897,12 @@
 </p:notes>
 </file>
 
-<file path=ppt/notesSlides/notesSlide6.xml><?xml version="1.0" encoding="utf-8"?>
+<file path=ppt/notesSlides/notesSlide14.xml><?xml version="1.0" encoding="utf-8"?>
 <p:notes xmlns:a="http://schemas.openxmlformats.org/drawingml/2006/main" xmlns:r="http://schemas.openxmlformats.org/officeDocument/2006/relationships" xmlns:mc="http://schemas.openxmlformats.org/markup-compatibility/2006" xmlns:mv="urn:schemas-microsoft-com:mac:vml" xmlns:p="http://schemas.openxmlformats.org/presentationml/2006/main" xmlns:c="http://schemas.openxmlformats.org/drawingml/2006/chart" xmlns:dgm="http://schemas.openxmlformats.org/drawingml/2006/diagram" xmlns:o="urn:schemas-microsoft-com:office:office" xmlns:v="urn:schemas-microsoft-com:vml" xmlns:pvml="urn:schemas-microsoft-com:office:powerpoint" xmlns:com="http://schemas.openxmlformats.org/drawingml/2006/compatibility" xmlns:p14="http://schemas.microsoft.com/office/powerpoint/2010/main" xmlns:p15="http://schemas.microsoft.com/office/powerpoint/2012/main" showMasterPhAnim="0" showMasterSp="0">
   <p:cSld>
     <p:spTree>
       <p:nvGrpSpPr>
-        <p:cNvPr id="303" name="Shape 303"/>
+        <p:cNvPr id="358" name="Shape 358"/>
         <p:cNvGrpSpPr/>
         <p:nvPr/>
       </p:nvGrpSpPr>
@@ -898,7 +916,7 @@
       </p:grpSpPr>
       <p:sp>
         <p:nvSpPr>
-          <p:cNvPr id="304" name="Shape 304"/>
+          <p:cNvPr id="359" name="Shape 359"/>
           <p:cNvSpPr/>
           <p:nvPr>
             <p:ph idx="2" type="sldImg"/>
@@ -932,7 +950,7 @@
       </p:sp>
       <p:sp>
         <p:nvSpPr>
-          <p:cNvPr id="305" name="Shape 305"/>
+          <p:cNvPr id="360" name="Shape 360"/>
           <p:cNvSpPr txBox="1"/>
           <p:nvPr>
             <p:ph idx="1" type="body"/>
@@ -974,12 +992,12 @@
 </p:notes>
 </file>
 
-<file path=ppt/notesSlides/notesSlide7.xml><?xml version="1.0" encoding="utf-8"?>
+<file path=ppt/notesSlides/notesSlide15.xml><?xml version="1.0" encoding="utf-8"?>
 <p:notes xmlns:a="http://schemas.openxmlformats.org/drawingml/2006/main" xmlns:r="http://schemas.openxmlformats.org/officeDocument/2006/relationships" xmlns:mc="http://schemas.openxmlformats.org/markup-compatibility/2006" xmlns:mv="urn:schemas-microsoft-com:mac:vml" xmlns:p="http://schemas.openxmlformats.org/presentationml/2006/main" xmlns:c="http://schemas.openxmlformats.org/drawingml/2006/chart" xmlns:dgm="http://schemas.openxmlformats.org/drawingml/2006/diagram" xmlns:o="urn:schemas-microsoft-com:office:office" xmlns:v="urn:schemas-microsoft-com:vml" xmlns:pvml="urn:schemas-microsoft-com:office:powerpoint" xmlns:com="http://schemas.openxmlformats.org/drawingml/2006/compatibility" xmlns:p14="http://schemas.microsoft.com/office/powerpoint/2010/main" xmlns:p15="http://schemas.microsoft.com/office/powerpoint/2012/main" showMasterPhAnim="0" showMasterSp="0">
   <p:cSld>
     <p:spTree>
       <p:nvGrpSpPr>
-        <p:cNvPr id="309" name="Shape 309"/>
+        <p:cNvPr id="365" name="Shape 365"/>
         <p:cNvGrpSpPr/>
         <p:nvPr/>
       </p:nvGrpSpPr>
@@ -993,7 +1011,7 @@
       </p:grpSpPr>
       <p:sp>
         <p:nvSpPr>
-          <p:cNvPr id="310" name="Shape 310"/>
+          <p:cNvPr id="366" name="Shape 366"/>
           <p:cNvSpPr/>
           <p:nvPr>
             <p:ph idx="2" type="sldImg"/>
@@ -1027,7 +1045,1188 @@
       </p:sp>
       <p:sp>
         <p:nvSpPr>
-          <p:cNvPr id="311" name="Shape 311"/>
+          <p:cNvPr id="367" name="Shape 367"/>
+          <p:cNvSpPr txBox="1"/>
+          <p:nvPr>
+            <p:ph idx="1" type="body"/>
+          </p:nvPr>
+        </p:nvSpPr>
+        <p:spPr>
+          <a:xfrm>
+            <a:off x="685800" y="4343400"/>
+            <a:ext cx="5486400" cy="4114800"/>
+          </a:xfrm>
+          <a:prstGeom prst="rect">
+            <a:avLst/>
+          </a:prstGeom>
+        </p:spPr>
+        <p:txBody>
+          <a:bodyPr anchorCtr="0" anchor="t" bIns="91425" lIns="91425" rIns="91425" wrap="square" tIns="91425">
+            <a:noAutofit/>
+          </a:bodyPr>
+          <a:lstStyle/>
+          <a:p>
+            <a:pPr indent="-298450" lvl="0" marL="457200" rtl="0">
+              <a:spcBef>
+                <a:spcPts val="0"/>
+              </a:spcBef>
+              <a:buSzPts val="1100"/>
+              <a:buChar char="●"/>
+            </a:pPr>
+            <a:r>
+              <a:rPr lang="en"/>
+              <a:t>For the over fitting problem we </a:t>
+            </a:r>
+            <a:r>
+              <a:rPr lang="en"/>
+              <a:t>continuously</a:t>
+            </a:r>
+            <a:r>
+              <a:rPr lang="en"/>
+              <a:t> removed more and more of our dataset and trained our model on less and less data, and used more of the data for testing.  We found that the lowest we could get our accuracy was 93% after training the model on half the data, and testing on the rest. Therefore we know that our data isn’t overfit.  </a:t>
+            </a:r>
+          </a:p>
+          <a:p>
+            <a:pPr indent="0" lvl="0" marL="0">
+              <a:spcBef>
+                <a:spcPts val="0"/>
+              </a:spcBef>
+              <a:buNone/>
+            </a:pPr>
+            <a:r>
+              <a:t/>
+            </a:r>
+            <a:endParaRPr/>
+          </a:p>
+          <a:p>
+            <a:pPr indent="-298450" lvl="0" marL="457200">
+              <a:spcBef>
+                <a:spcPts val="0"/>
+              </a:spcBef>
+              <a:buSzPts val="1100"/>
+              <a:buChar char="●"/>
+            </a:pPr>
+            <a:r>
+              <a:rPr lang="en"/>
+              <a:t>We changed our confusion matrix from 26 letters down to the 10 most common letters which made it easier to read, and with these changes it showed that our data wasn’t over fit.</a:t>
+            </a:r>
+          </a:p>
+          <a:p>
+            <a:pPr indent="0" lvl="0" marL="0">
+              <a:spcBef>
+                <a:spcPts val="0"/>
+              </a:spcBef>
+              <a:buNone/>
+            </a:pPr>
+            <a:r>
+              <a:t/>
+            </a:r>
+            <a:endParaRPr/>
+          </a:p>
+        </p:txBody>
+      </p:sp>
+    </p:spTree>
+  </p:cSld>
+  <p:clrMapOvr>
+    <a:masterClrMapping/>
+  </p:clrMapOvr>
+</p:notes>
+</file>
+
+<file path=ppt/notesSlides/notesSlide16.xml><?xml version="1.0" encoding="utf-8"?>
+<p:notes xmlns:a="http://schemas.openxmlformats.org/drawingml/2006/main" xmlns:r="http://schemas.openxmlformats.org/officeDocument/2006/relationships" xmlns:mc="http://schemas.openxmlformats.org/markup-compatibility/2006" xmlns:mv="urn:schemas-microsoft-com:mac:vml" xmlns:p="http://schemas.openxmlformats.org/presentationml/2006/main" xmlns:c="http://schemas.openxmlformats.org/drawingml/2006/chart" xmlns:dgm="http://schemas.openxmlformats.org/drawingml/2006/diagram" xmlns:o="urn:schemas-microsoft-com:office:office" xmlns:v="urn:schemas-microsoft-com:vml" xmlns:pvml="urn:schemas-microsoft-com:office:powerpoint" xmlns:com="http://schemas.openxmlformats.org/drawingml/2006/compatibility" xmlns:p14="http://schemas.microsoft.com/office/powerpoint/2010/main" xmlns:p15="http://schemas.microsoft.com/office/powerpoint/2012/main" showMasterPhAnim="0" showMasterSp="0">
+  <p:cSld>
+    <p:spTree>
+      <p:nvGrpSpPr>
+        <p:cNvPr id="371" name="Shape 371"/>
+        <p:cNvGrpSpPr/>
+        <p:nvPr/>
+      </p:nvGrpSpPr>
+      <p:grpSpPr>
+        <a:xfrm>
+          <a:off x="0" y="0"/>
+          <a:ext cx="0" cy="0"/>
+          <a:chOff x="0" y="0"/>
+          <a:chExt cx="0" cy="0"/>
+        </a:xfrm>
+      </p:grpSpPr>
+      <p:sp>
+        <p:nvSpPr>
+          <p:cNvPr id="372" name="Shape 372"/>
+          <p:cNvSpPr/>
+          <p:nvPr>
+            <p:ph idx="2" type="sldImg"/>
+          </p:nvPr>
+        </p:nvSpPr>
+        <p:spPr>
+          <a:xfrm>
+            <a:off x="381300" y="685800"/>
+            <a:ext cx="6096000" cy="3429000"/>
+          </a:xfrm>
+          <a:custGeom>
+            <a:pathLst>
+              <a:path extrusionOk="0" h="120000" w="120000">
+                <a:moveTo>
+                  <a:pt x="0" y="0"/>
+                </a:moveTo>
+                <a:lnTo>
+                  <a:pt x="120000" y="0"/>
+                </a:lnTo>
+                <a:lnTo>
+                  <a:pt x="120000" y="120000"/>
+                </a:lnTo>
+                <a:lnTo>
+                  <a:pt x="0" y="120000"/>
+                </a:lnTo>
+                <a:close/>
+              </a:path>
+            </a:pathLst>
+          </a:custGeom>
+        </p:spPr>
+      </p:sp>
+      <p:sp>
+        <p:nvSpPr>
+          <p:cNvPr id="373" name="Shape 373"/>
+          <p:cNvSpPr txBox="1"/>
+          <p:nvPr>
+            <p:ph idx="1" type="body"/>
+          </p:nvPr>
+        </p:nvSpPr>
+        <p:spPr>
+          <a:xfrm>
+            <a:off x="685800" y="4343400"/>
+            <a:ext cx="5486400" cy="4114800"/>
+          </a:xfrm>
+          <a:prstGeom prst="rect">
+            <a:avLst/>
+          </a:prstGeom>
+        </p:spPr>
+        <p:txBody>
+          <a:bodyPr anchorCtr="0" anchor="t" bIns="91425" lIns="91425" rIns="91425" wrap="square" tIns="91425">
+            <a:noAutofit/>
+          </a:bodyPr>
+          <a:lstStyle/>
+          <a:p>
+            <a:pPr indent="0" lvl="0" marL="0">
+              <a:spcBef>
+                <a:spcPts val="0"/>
+              </a:spcBef>
+              <a:buNone/>
+            </a:pPr>
+            <a:r>
+              <a:t/>
+            </a:r>
+            <a:endParaRPr/>
+          </a:p>
+        </p:txBody>
+      </p:sp>
+    </p:spTree>
+  </p:cSld>
+  <p:clrMapOvr>
+    <a:masterClrMapping/>
+  </p:clrMapOvr>
+</p:notes>
+</file>
+
+<file path=ppt/notesSlides/notesSlide17.xml><?xml version="1.0" encoding="utf-8"?>
+<p:notes xmlns:a="http://schemas.openxmlformats.org/drawingml/2006/main" xmlns:r="http://schemas.openxmlformats.org/officeDocument/2006/relationships" xmlns:mc="http://schemas.openxmlformats.org/markup-compatibility/2006" xmlns:mv="urn:schemas-microsoft-com:mac:vml" xmlns:p="http://schemas.openxmlformats.org/presentationml/2006/main" xmlns:c="http://schemas.openxmlformats.org/drawingml/2006/chart" xmlns:dgm="http://schemas.openxmlformats.org/drawingml/2006/diagram" xmlns:o="urn:schemas-microsoft-com:office:office" xmlns:v="urn:schemas-microsoft-com:vml" xmlns:pvml="urn:schemas-microsoft-com:office:powerpoint" xmlns:com="http://schemas.openxmlformats.org/drawingml/2006/compatibility" xmlns:p14="http://schemas.microsoft.com/office/powerpoint/2010/main" xmlns:p15="http://schemas.microsoft.com/office/powerpoint/2012/main" showMasterPhAnim="0" showMasterSp="0">
+  <p:cSld>
+    <p:spTree>
+      <p:nvGrpSpPr>
+        <p:cNvPr id="377" name="Shape 377"/>
+        <p:cNvGrpSpPr/>
+        <p:nvPr/>
+      </p:nvGrpSpPr>
+      <p:grpSpPr>
+        <a:xfrm>
+          <a:off x="0" y="0"/>
+          <a:ext cx="0" cy="0"/>
+          <a:chOff x="0" y="0"/>
+          <a:chExt cx="0" cy="0"/>
+        </a:xfrm>
+      </p:grpSpPr>
+      <p:sp>
+        <p:nvSpPr>
+          <p:cNvPr id="378" name="Shape 378"/>
+          <p:cNvSpPr/>
+          <p:nvPr>
+            <p:ph idx="2" type="sldImg"/>
+          </p:nvPr>
+        </p:nvSpPr>
+        <p:spPr>
+          <a:xfrm>
+            <a:off x="381300" y="685800"/>
+            <a:ext cx="6096000" cy="3429000"/>
+          </a:xfrm>
+          <a:custGeom>
+            <a:pathLst>
+              <a:path extrusionOk="0" h="120000" w="120000">
+                <a:moveTo>
+                  <a:pt x="0" y="0"/>
+                </a:moveTo>
+                <a:lnTo>
+                  <a:pt x="120000" y="0"/>
+                </a:lnTo>
+                <a:lnTo>
+                  <a:pt x="120000" y="120000"/>
+                </a:lnTo>
+                <a:lnTo>
+                  <a:pt x="0" y="120000"/>
+                </a:lnTo>
+                <a:close/>
+              </a:path>
+            </a:pathLst>
+          </a:custGeom>
+        </p:spPr>
+      </p:sp>
+      <p:sp>
+        <p:nvSpPr>
+          <p:cNvPr id="379" name="Shape 379"/>
+          <p:cNvSpPr txBox="1"/>
+          <p:nvPr>
+            <p:ph idx="1" type="body"/>
+          </p:nvPr>
+        </p:nvSpPr>
+        <p:spPr>
+          <a:xfrm>
+            <a:off x="685800" y="4343400"/>
+            <a:ext cx="5486400" cy="4114800"/>
+          </a:xfrm>
+          <a:prstGeom prst="rect">
+            <a:avLst/>
+          </a:prstGeom>
+        </p:spPr>
+        <p:txBody>
+          <a:bodyPr anchorCtr="0" anchor="t" bIns="91425" lIns="91425" rIns="91425" wrap="square" tIns="91425">
+            <a:noAutofit/>
+          </a:bodyPr>
+          <a:lstStyle/>
+          <a:p>
+            <a:pPr indent="0" lvl="0" marL="0" rtl="0">
+              <a:lnSpc>
+                <a:spcPct val="115000"/>
+              </a:lnSpc>
+              <a:spcBef>
+                <a:spcPts val="0"/>
+              </a:spcBef>
+              <a:spcAft>
+                <a:spcPts val="1600"/>
+              </a:spcAft>
+              <a:buNone/>
+            </a:pPr>
+            <a:r>
+              <a:t/>
+            </a:r>
+            <a:endParaRPr/>
+          </a:p>
+        </p:txBody>
+      </p:sp>
+    </p:spTree>
+  </p:cSld>
+  <p:clrMapOvr>
+    <a:masterClrMapping/>
+  </p:clrMapOvr>
+</p:notes>
+</file>
+
+<file path=ppt/notesSlides/notesSlide18.xml><?xml version="1.0" encoding="utf-8"?>
+<p:notes xmlns:a="http://schemas.openxmlformats.org/drawingml/2006/main" xmlns:r="http://schemas.openxmlformats.org/officeDocument/2006/relationships" xmlns:mc="http://schemas.openxmlformats.org/markup-compatibility/2006" xmlns:mv="urn:schemas-microsoft-com:mac:vml" xmlns:p="http://schemas.openxmlformats.org/presentationml/2006/main" xmlns:c="http://schemas.openxmlformats.org/drawingml/2006/chart" xmlns:dgm="http://schemas.openxmlformats.org/drawingml/2006/diagram" xmlns:o="urn:schemas-microsoft-com:office:office" xmlns:v="urn:schemas-microsoft-com:vml" xmlns:pvml="urn:schemas-microsoft-com:office:powerpoint" xmlns:com="http://schemas.openxmlformats.org/drawingml/2006/compatibility" xmlns:p14="http://schemas.microsoft.com/office/powerpoint/2010/main" xmlns:p15="http://schemas.microsoft.com/office/powerpoint/2012/main" showMasterPhAnim="0" showMasterSp="0">
+  <p:cSld>
+    <p:spTree>
+      <p:nvGrpSpPr>
+        <p:cNvPr id="383" name="Shape 383"/>
+        <p:cNvGrpSpPr/>
+        <p:nvPr/>
+      </p:nvGrpSpPr>
+      <p:grpSpPr>
+        <a:xfrm>
+          <a:off x="0" y="0"/>
+          <a:ext cx="0" cy="0"/>
+          <a:chOff x="0" y="0"/>
+          <a:chExt cx="0" cy="0"/>
+        </a:xfrm>
+      </p:grpSpPr>
+      <p:sp>
+        <p:nvSpPr>
+          <p:cNvPr id="384" name="Shape 384"/>
+          <p:cNvSpPr/>
+          <p:nvPr>
+            <p:ph idx="2" type="sldImg"/>
+          </p:nvPr>
+        </p:nvSpPr>
+        <p:spPr>
+          <a:xfrm>
+            <a:off x="381300" y="685800"/>
+            <a:ext cx="6096000" cy="3429000"/>
+          </a:xfrm>
+          <a:custGeom>
+            <a:pathLst>
+              <a:path extrusionOk="0" h="120000" w="120000">
+                <a:moveTo>
+                  <a:pt x="0" y="0"/>
+                </a:moveTo>
+                <a:lnTo>
+                  <a:pt x="120000" y="0"/>
+                </a:lnTo>
+                <a:lnTo>
+                  <a:pt x="120000" y="120000"/>
+                </a:lnTo>
+                <a:lnTo>
+                  <a:pt x="0" y="120000"/>
+                </a:lnTo>
+                <a:close/>
+              </a:path>
+            </a:pathLst>
+          </a:custGeom>
+        </p:spPr>
+      </p:sp>
+      <p:sp>
+        <p:nvSpPr>
+          <p:cNvPr id="385" name="Shape 385"/>
+          <p:cNvSpPr txBox="1"/>
+          <p:nvPr>
+            <p:ph idx="1" type="body"/>
+          </p:nvPr>
+        </p:nvSpPr>
+        <p:spPr>
+          <a:xfrm>
+            <a:off x="685800" y="4343400"/>
+            <a:ext cx="5486400" cy="4114800"/>
+          </a:xfrm>
+          <a:prstGeom prst="rect">
+            <a:avLst/>
+          </a:prstGeom>
+        </p:spPr>
+        <p:txBody>
+          <a:bodyPr anchorCtr="0" anchor="t" bIns="91425" lIns="91425" rIns="91425" wrap="square" tIns="91425">
+            <a:noAutofit/>
+          </a:bodyPr>
+          <a:lstStyle/>
+          <a:p>
+            <a:pPr indent="0" lvl="0" marL="0">
+              <a:spcBef>
+                <a:spcPts val="0"/>
+              </a:spcBef>
+              <a:buNone/>
+            </a:pPr>
+            <a:r>
+              <a:t/>
+            </a:r>
+            <a:endParaRPr/>
+          </a:p>
+        </p:txBody>
+      </p:sp>
+    </p:spTree>
+  </p:cSld>
+  <p:clrMapOvr>
+    <a:masterClrMapping/>
+  </p:clrMapOvr>
+</p:notes>
+</file>
+
+<file path=ppt/notesSlides/notesSlide2.xml><?xml version="1.0" encoding="utf-8"?>
+<p:notes xmlns:a="http://schemas.openxmlformats.org/drawingml/2006/main" xmlns:r="http://schemas.openxmlformats.org/officeDocument/2006/relationships" xmlns:mc="http://schemas.openxmlformats.org/markup-compatibility/2006" xmlns:mv="urn:schemas-microsoft-com:mac:vml" xmlns:p="http://schemas.openxmlformats.org/presentationml/2006/main" xmlns:c="http://schemas.openxmlformats.org/drawingml/2006/chart" xmlns:dgm="http://schemas.openxmlformats.org/drawingml/2006/diagram" xmlns:o="urn:schemas-microsoft-com:office:office" xmlns:v="urn:schemas-microsoft-com:vml" xmlns:pvml="urn:schemas-microsoft-com:office:powerpoint" xmlns:com="http://schemas.openxmlformats.org/drawingml/2006/compatibility" xmlns:p14="http://schemas.microsoft.com/office/powerpoint/2010/main" xmlns:p15="http://schemas.microsoft.com/office/powerpoint/2012/main" showMasterPhAnim="0" showMasterSp="0">
+  <p:cSld>
+    <p:spTree>
+      <p:nvGrpSpPr>
+        <p:cNvPr id="280" name="Shape 280"/>
+        <p:cNvGrpSpPr/>
+        <p:nvPr/>
+      </p:nvGrpSpPr>
+      <p:grpSpPr>
+        <a:xfrm>
+          <a:off x="0" y="0"/>
+          <a:ext cx="0" cy="0"/>
+          <a:chOff x="0" y="0"/>
+          <a:chExt cx="0" cy="0"/>
+        </a:xfrm>
+      </p:grpSpPr>
+      <p:sp>
+        <p:nvSpPr>
+          <p:cNvPr id="281" name="Shape 281"/>
+          <p:cNvSpPr/>
+          <p:nvPr>
+            <p:ph idx="2" type="sldImg"/>
+          </p:nvPr>
+        </p:nvSpPr>
+        <p:spPr>
+          <a:xfrm>
+            <a:off x="381300" y="685800"/>
+            <a:ext cx="6096000" cy="3429000"/>
+          </a:xfrm>
+          <a:custGeom>
+            <a:pathLst>
+              <a:path extrusionOk="0" h="120000" w="120000">
+                <a:moveTo>
+                  <a:pt x="0" y="0"/>
+                </a:moveTo>
+                <a:lnTo>
+                  <a:pt x="120000" y="0"/>
+                </a:lnTo>
+                <a:lnTo>
+                  <a:pt x="120000" y="120000"/>
+                </a:lnTo>
+                <a:lnTo>
+                  <a:pt x="0" y="120000"/>
+                </a:lnTo>
+                <a:close/>
+              </a:path>
+            </a:pathLst>
+          </a:custGeom>
+        </p:spPr>
+      </p:sp>
+      <p:sp>
+        <p:nvSpPr>
+          <p:cNvPr id="282" name="Shape 282"/>
+          <p:cNvSpPr txBox="1"/>
+          <p:nvPr>
+            <p:ph idx="1" type="body"/>
+          </p:nvPr>
+        </p:nvSpPr>
+        <p:spPr>
+          <a:xfrm>
+            <a:off x="685800" y="4343400"/>
+            <a:ext cx="5486400" cy="4114800"/>
+          </a:xfrm>
+          <a:prstGeom prst="rect">
+            <a:avLst/>
+          </a:prstGeom>
+        </p:spPr>
+        <p:txBody>
+          <a:bodyPr anchorCtr="0" anchor="t" bIns="91425" lIns="91425" rIns="91425" wrap="square" tIns="91425">
+            <a:noAutofit/>
+          </a:bodyPr>
+          <a:lstStyle/>
+          <a:p>
+            <a:pPr indent="0" lvl="0" marL="0" rtl="0">
+              <a:lnSpc>
+                <a:spcPct val="115000"/>
+              </a:lnSpc>
+              <a:spcBef>
+                <a:spcPts val="0"/>
+              </a:spcBef>
+              <a:buNone/>
+            </a:pPr>
+            <a:r>
+              <a:rPr b="1" lang="en"/>
+              <a:t>logan</a:t>
+            </a:r>
+          </a:p>
+          <a:p>
+            <a:pPr indent="457200" lvl="0" marL="0" rtl="0">
+              <a:lnSpc>
+                <a:spcPct val="115000"/>
+              </a:lnSpc>
+              <a:spcBef>
+                <a:spcPts val="0"/>
+              </a:spcBef>
+              <a:buNone/>
+            </a:pPr>
+            <a:r>
+              <a:rPr lang="en"/>
+              <a:t>letter classification problem, using black and white images that represent pixelated letters. The process of image classification is taking data points derived from many different images of letters and breaking all the data into 16 different features. Some of the features that the dataset measures are the average number of horizontal edges in the image, and the average number of vertical edges, height of the image, and things of that sort. Once these features have been established, the data must be then cleaned and outliers removed, and the data trained. The data are then fit using a Random Forest Classifier. New data can be tested against the model and can be classified into what letter it most closely represents. </a:t>
+            </a:r>
+          </a:p>
+        </p:txBody>
+      </p:sp>
+    </p:spTree>
+  </p:cSld>
+  <p:clrMapOvr>
+    <a:masterClrMapping/>
+  </p:clrMapOvr>
+</p:notes>
+</file>
+
+<file path=ppt/notesSlides/notesSlide3.xml><?xml version="1.0" encoding="utf-8"?>
+<p:notes xmlns:a="http://schemas.openxmlformats.org/drawingml/2006/main" xmlns:r="http://schemas.openxmlformats.org/officeDocument/2006/relationships" xmlns:mc="http://schemas.openxmlformats.org/markup-compatibility/2006" xmlns:mv="urn:schemas-microsoft-com:mac:vml" xmlns:p="http://schemas.openxmlformats.org/presentationml/2006/main" xmlns:c="http://schemas.openxmlformats.org/drawingml/2006/chart" xmlns:dgm="http://schemas.openxmlformats.org/drawingml/2006/diagram" xmlns:o="urn:schemas-microsoft-com:office:office" xmlns:v="urn:schemas-microsoft-com:vml" xmlns:pvml="urn:schemas-microsoft-com:office:powerpoint" xmlns:com="http://schemas.openxmlformats.org/drawingml/2006/compatibility" xmlns:p14="http://schemas.microsoft.com/office/powerpoint/2010/main" xmlns:p15="http://schemas.microsoft.com/office/powerpoint/2012/main" showMasterPhAnim="0" showMasterSp="0">
+  <p:cSld>
+    <p:spTree>
+      <p:nvGrpSpPr>
+        <p:cNvPr id="286" name="Shape 286"/>
+        <p:cNvGrpSpPr/>
+        <p:nvPr/>
+      </p:nvGrpSpPr>
+      <p:grpSpPr>
+        <a:xfrm>
+          <a:off x="0" y="0"/>
+          <a:ext cx="0" cy="0"/>
+          <a:chOff x="0" y="0"/>
+          <a:chExt cx="0" cy="0"/>
+        </a:xfrm>
+      </p:grpSpPr>
+      <p:sp>
+        <p:nvSpPr>
+          <p:cNvPr id="287" name="Shape 287"/>
+          <p:cNvSpPr/>
+          <p:nvPr>
+            <p:ph idx="2" type="sldImg"/>
+          </p:nvPr>
+        </p:nvSpPr>
+        <p:spPr>
+          <a:xfrm>
+            <a:off x="381300" y="685800"/>
+            <a:ext cx="6096000" cy="3429000"/>
+          </a:xfrm>
+          <a:custGeom>
+            <a:pathLst>
+              <a:path extrusionOk="0" h="120000" w="120000">
+                <a:moveTo>
+                  <a:pt x="0" y="0"/>
+                </a:moveTo>
+                <a:lnTo>
+                  <a:pt x="120000" y="0"/>
+                </a:lnTo>
+                <a:lnTo>
+                  <a:pt x="120000" y="120000"/>
+                </a:lnTo>
+                <a:lnTo>
+                  <a:pt x="0" y="120000"/>
+                </a:lnTo>
+                <a:close/>
+              </a:path>
+            </a:pathLst>
+          </a:custGeom>
+        </p:spPr>
+      </p:sp>
+      <p:sp>
+        <p:nvSpPr>
+          <p:cNvPr id="288" name="Shape 288"/>
+          <p:cNvSpPr txBox="1"/>
+          <p:nvPr>
+            <p:ph idx="1" type="body"/>
+          </p:nvPr>
+        </p:nvSpPr>
+        <p:spPr>
+          <a:xfrm>
+            <a:off x="685800" y="4343400"/>
+            <a:ext cx="5486400" cy="4114800"/>
+          </a:xfrm>
+          <a:prstGeom prst="rect">
+            <a:avLst/>
+          </a:prstGeom>
+        </p:spPr>
+        <p:txBody>
+          <a:bodyPr anchorCtr="0" anchor="t" bIns="91425" lIns="91425" rIns="91425" wrap="square" tIns="91425">
+            <a:noAutofit/>
+          </a:bodyPr>
+          <a:lstStyle/>
+          <a:p>
+            <a:pPr indent="0" lvl="0" marL="0" rtl="0">
+              <a:lnSpc>
+                <a:spcPct val="115000"/>
+              </a:lnSpc>
+              <a:spcBef>
+                <a:spcPts val="0"/>
+              </a:spcBef>
+              <a:buNone/>
+            </a:pPr>
+            <a:r>
+              <a:rPr lang="en"/>
+              <a:t>logan</a:t>
+            </a:r>
+          </a:p>
+          <a:p>
+            <a:pPr indent="0" lvl="0" marL="0" rtl="0">
+              <a:lnSpc>
+                <a:spcPct val="115000"/>
+              </a:lnSpc>
+              <a:spcBef>
+                <a:spcPts val="0"/>
+              </a:spcBef>
+              <a:buNone/>
+            </a:pPr>
+            <a:r>
+              <a:rPr lang="en"/>
+              <a:t>We determined that our dataset would be best explained by using multi class classification to better understand the meaning of the data. The task involved classification of the letters based off of the 16 attributes to obtain the best possible accuracy for each letter classification. Separating the letters is the data mining task, and visualizing the data to better explain the results of our findings. We discovered information about each feature using the confusion matrix and feature importance plots. Determining the best algorithm is achieved by Cross Validation. Based on our dataset we determined that certain algorithms worked better than others for the Classification task because of their ability to use each feature independently. The classification is superior in the random forest model because the large number of features for each data point are best utilized to classify each data point. </a:t>
+            </a:r>
+          </a:p>
+          <a:p>
+            <a:pPr indent="0" lvl="0" marL="0">
+              <a:spcBef>
+                <a:spcPts val="0"/>
+              </a:spcBef>
+              <a:buNone/>
+            </a:pPr>
+            <a:r>
+              <a:t/>
+            </a:r>
+            <a:endParaRPr/>
+          </a:p>
+        </p:txBody>
+      </p:sp>
+    </p:spTree>
+  </p:cSld>
+  <p:clrMapOvr>
+    <a:masterClrMapping/>
+  </p:clrMapOvr>
+</p:notes>
+</file>
+
+<file path=ppt/notesSlides/notesSlide4.xml><?xml version="1.0" encoding="utf-8"?>
+<p:notes xmlns:a="http://schemas.openxmlformats.org/drawingml/2006/main" xmlns:r="http://schemas.openxmlformats.org/officeDocument/2006/relationships" xmlns:mc="http://schemas.openxmlformats.org/markup-compatibility/2006" xmlns:mv="urn:schemas-microsoft-com:mac:vml" xmlns:p="http://schemas.openxmlformats.org/presentationml/2006/main" xmlns:c="http://schemas.openxmlformats.org/drawingml/2006/chart" xmlns:dgm="http://schemas.openxmlformats.org/drawingml/2006/diagram" xmlns:o="urn:schemas-microsoft-com:office:office" xmlns:v="urn:schemas-microsoft-com:vml" xmlns:pvml="urn:schemas-microsoft-com:office:powerpoint" xmlns:com="http://schemas.openxmlformats.org/drawingml/2006/compatibility" xmlns:p14="http://schemas.microsoft.com/office/powerpoint/2010/main" xmlns:p15="http://schemas.microsoft.com/office/powerpoint/2012/main" showMasterPhAnim="0" showMasterSp="0">
+  <p:cSld>
+    <p:spTree>
+      <p:nvGrpSpPr>
+        <p:cNvPr id="292" name="Shape 292"/>
+        <p:cNvGrpSpPr/>
+        <p:nvPr/>
+      </p:nvGrpSpPr>
+      <p:grpSpPr>
+        <a:xfrm>
+          <a:off x="0" y="0"/>
+          <a:ext cx="0" cy="0"/>
+          <a:chOff x="0" y="0"/>
+          <a:chExt cx="0" cy="0"/>
+        </a:xfrm>
+      </p:grpSpPr>
+      <p:sp>
+        <p:nvSpPr>
+          <p:cNvPr id="293" name="Shape 293"/>
+          <p:cNvSpPr/>
+          <p:nvPr>
+            <p:ph idx="2" type="sldImg"/>
+          </p:nvPr>
+        </p:nvSpPr>
+        <p:spPr>
+          <a:xfrm>
+            <a:off x="381300" y="685800"/>
+            <a:ext cx="6096000" cy="3429000"/>
+          </a:xfrm>
+          <a:custGeom>
+            <a:pathLst>
+              <a:path extrusionOk="0" h="120000" w="120000">
+                <a:moveTo>
+                  <a:pt x="0" y="0"/>
+                </a:moveTo>
+                <a:lnTo>
+                  <a:pt x="120000" y="0"/>
+                </a:lnTo>
+                <a:lnTo>
+                  <a:pt x="120000" y="120000"/>
+                </a:lnTo>
+                <a:lnTo>
+                  <a:pt x="0" y="120000"/>
+                </a:lnTo>
+                <a:close/>
+              </a:path>
+            </a:pathLst>
+          </a:custGeom>
+        </p:spPr>
+      </p:sp>
+      <p:sp>
+        <p:nvSpPr>
+          <p:cNvPr id="294" name="Shape 294"/>
+          <p:cNvSpPr txBox="1"/>
+          <p:nvPr>
+            <p:ph idx="1" type="body"/>
+          </p:nvPr>
+        </p:nvSpPr>
+        <p:spPr>
+          <a:xfrm>
+            <a:off x="685800" y="4343400"/>
+            <a:ext cx="5486400" cy="4114800"/>
+          </a:xfrm>
+          <a:prstGeom prst="rect">
+            <a:avLst/>
+          </a:prstGeom>
+        </p:spPr>
+        <p:txBody>
+          <a:bodyPr anchorCtr="0" anchor="t" bIns="91425" lIns="91425" rIns="91425" wrap="square" tIns="91425">
+            <a:noAutofit/>
+          </a:bodyPr>
+          <a:lstStyle/>
+          <a:p>
+            <a:pPr indent="0" lvl="0" marL="0" rtl="0">
+              <a:lnSpc>
+                <a:spcPct val="115000"/>
+              </a:lnSpc>
+              <a:spcBef>
+                <a:spcPts val="0"/>
+              </a:spcBef>
+              <a:buNone/>
+            </a:pPr>
+            <a:r>
+              <a:rPr lang="en"/>
+              <a:t>logan</a:t>
+            </a:r>
+          </a:p>
+          <a:p>
+            <a:pPr indent="0" lvl="0" marL="0" rtl="0">
+              <a:lnSpc>
+                <a:spcPct val="115000"/>
+              </a:lnSpc>
+              <a:spcBef>
+                <a:spcPts val="0"/>
+              </a:spcBef>
+              <a:buNone/>
+            </a:pPr>
+            <a:r>
+              <a:rPr lang="en"/>
+              <a:t>The data consist of 26 capital letters from the English language that are based on 20 different fonts. Each letter within these fonts was randomly distorted to produce 20,000 unique stimuli. Each stimulus was then converted into 16 primitive attributes that are normalized between 0 and 15. There are no missing attribute values in this dataset as we removed the outliers of the dataset by removing values that were further than 3 standard deviations away from the mean. </a:t>
+            </a:r>
+          </a:p>
+        </p:txBody>
+      </p:sp>
+    </p:spTree>
+  </p:cSld>
+  <p:clrMapOvr>
+    <a:masterClrMapping/>
+  </p:clrMapOvr>
+</p:notes>
+</file>
+
+<file path=ppt/notesSlides/notesSlide5.xml><?xml version="1.0" encoding="utf-8"?>
+<p:notes xmlns:a="http://schemas.openxmlformats.org/drawingml/2006/main" xmlns:r="http://schemas.openxmlformats.org/officeDocument/2006/relationships" xmlns:mc="http://schemas.openxmlformats.org/markup-compatibility/2006" xmlns:mv="urn:schemas-microsoft-com:mac:vml" xmlns:p="http://schemas.openxmlformats.org/presentationml/2006/main" xmlns:c="http://schemas.openxmlformats.org/drawingml/2006/chart" xmlns:dgm="http://schemas.openxmlformats.org/drawingml/2006/diagram" xmlns:o="urn:schemas-microsoft-com:office:office" xmlns:v="urn:schemas-microsoft-com:vml" xmlns:pvml="urn:schemas-microsoft-com:office:powerpoint" xmlns:com="http://schemas.openxmlformats.org/drawingml/2006/compatibility" xmlns:p14="http://schemas.microsoft.com/office/powerpoint/2010/main" xmlns:p15="http://schemas.microsoft.com/office/powerpoint/2012/main" showMasterPhAnim="0" showMasterSp="0">
+  <p:cSld>
+    <p:spTree>
+      <p:nvGrpSpPr>
+        <p:cNvPr id="298" name="Shape 298"/>
+        <p:cNvGrpSpPr/>
+        <p:nvPr/>
+      </p:nvGrpSpPr>
+      <p:grpSpPr>
+        <a:xfrm>
+          <a:off x="0" y="0"/>
+          <a:ext cx="0" cy="0"/>
+          <a:chOff x="0" y="0"/>
+          <a:chExt cx="0" cy="0"/>
+        </a:xfrm>
+      </p:grpSpPr>
+      <p:sp>
+        <p:nvSpPr>
+          <p:cNvPr id="299" name="Shape 299"/>
+          <p:cNvSpPr/>
+          <p:nvPr>
+            <p:ph idx="2" type="sldImg"/>
+          </p:nvPr>
+        </p:nvSpPr>
+        <p:spPr>
+          <a:xfrm>
+            <a:off x="381300" y="685800"/>
+            <a:ext cx="6096000" cy="3429000"/>
+          </a:xfrm>
+          <a:custGeom>
+            <a:pathLst>
+              <a:path extrusionOk="0" h="120000" w="120000">
+                <a:moveTo>
+                  <a:pt x="0" y="0"/>
+                </a:moveTo>
+                <a:lnTo>
+                  <a:pt x="120000" y="0"/>
+                </a:lnTo>
+                <a:lnTo>
+                  <a:pt x="120000" y="120000"/>
+                </a:lnTo>
+                <a:lnTo>
+                  <a:pt x="0" y="120000"/>
+                </a:lnTo>
+                <a:close/>
+              </a:path>
+            </a:pathLst>
+          </a:custGeom>
+        </p:spPr>
+      </p:sp>
+      <p:sp>
+        <p:nvSpPr>
+          <p:cNvPr id="300" name="Shape 300"/>
+          <p:cNvSpPr txBox="1"/>
+          <p:nvPr>
+            <p:ph idx="1" type="body"/>
+          </p:nvPr>
+        </p:nvSpPr>
+        <p:spPr>
+          <a:xfrm>
+            <a:off x="685800" y="4343400"/>
+            <a:ext cx="5486400" cy="4114800"/>
+          </a:xfrm>
+          <a:prstGeom prst="rect">
+            <a:avLst/>
+          </a:prstGeom>
+        </p:spPr>
+        <p:txBody>
+          <a:bodyPr anchorCtr="0" anchor="t" bIns="91425" lIns="91425" rIns="91425" wrap="square" tIns="91425">
+            <a:noAutofit/>
+          </a:bodyPr>
+          <a:lstStyle/>
+          <a:p>
+            <a:pPr indent="0" lvl="0" marL="0">
+              <a:spcBef>
+                <a:spcPts val="0"/>
+              </a:spcBef>
+              <a:buNone/>
+            </a:pPr>
+            <a:r>
+              <a:rPr lang="en"/>
+              <a:t>logan</a:t>
+            </a:r>
+          </a:p>
+        </p:txBody>
+      </p:sp>
+    </p:spTree>
+  </p:cSld>
+  <p:clrMapOvr>
+    <a:masterClrMapping/>
+  </p:clrMapOvr>
+</p:notes>
+</file>
+
+<file path=ppt/notesSlides/notesSlide6.xml><?xml version="1.0" encoding="utf-8"?>
+<p:notes xmlns:a="http://schemas.openxmlformats.org/drawingml/2006/main" xmlns:r="http://schemas.openxmlformats.org/officeDocument/2006/relationships" xmlns:mc="http://schemas.openxmlformats.org/markup-compatibility/2006" xmlns:mv="urn:schemas-microsoft-com:mac:vml" xmlns:p="http://schemas.openxmlformats.org/presentationml/2006/main" xmlns:c="http://schemas.openxmlformats.org/drawingml/2006/chart" xmlns:dgm="http://schemas.openxmlformats.org/drawingml/2006/diagram" xmlns:o="urn:schemas-microsoft-com:office:office" xmlns:v="urn:schemas-microsoft-com:vml" xmlns:pvml="urn:schemas-microsoft-com:office:powerpoint" xmlns:com="http://schemas.openxmlformats.org/drawingml/2006/compatibility" xmlns:p14="http://schemas.microsoft.com/office/powerpoint/2010/main" xmlns:p15="http://schemas.microsoft.com/office/powerpoint/2012/main" showMasterPhAnim="0" showMasterSp="0">
+  <p:cSld>
+    <p:spTree>
+      <p:nvGrpSpPr>
+        <p:cNvPr id="305" name="Shape 305"/>
+        <p:cNvGrpSpPr/>
+        <p:nvPr/>
+      </p:nvGrpSpPr>
+      <p:grpSpPr>
+        <a:xfrm>
+          <a:off x="0" y="0"/>
+          <a:ext cx="0" cy="0"/>
+          <a:chOff x="0" y="0"/>
+          <a:chExt cx="0" cy="0"/>
+        </a:xfrm>
+      </p:grpSpPr>
+      <p:sp>
+        <p:nvSpPr>
+          <p:cNvPr id="306" name="Shape 306"/>
+          <p:cNvSpPr/>
+          <p:nvPr>
+            <p:ph idx="2" type="sldImg"/>
+          </p:nvPr>
+        </p:nvSpPr>
+        <p:spPr>
+          <a:xfrm>
+            <a:off x="381300" y="685800"/>
+            <a:ext cx="6096000" cy="3429000"/>
+          </a:xfrm>
+          <a:custGeom>
+            <a:pathLst>
+              <a:path extrusionOk="0" h="120000" w="120000">
+                <a:moveTo>
+                  <a:pt x="0" y="0"/>
+                </a:moveTo>
+                <a:lnTo>
+                  <a:pt x="120000" y="0"/>
+                </a:lnTo>
+                <a:lnTo>
+                  <a:pt x="120000" y="120000"/>
+                </a:lnTo>
+                <a:lnTo>
+                  <a:pt x="0" y="120000"/>
+                </a:lnTo>
+                <a:close/>
+              </a:path>
+            </a:pathLst>
+          </a:custGeom>
+        </p:spPr>
+      </p:sp>
+      <p:sp>
+        <p:nvSpPr>
+          <p:cNvPr id="307" name="Shape 307"/>
+          <p:cNvSpPr txBox="1"/>
+          <p:nvPr>
+            <p:ph idx="1" type="body"/>
+          </p:nvPr>
+        </p:nvSpPr>
+        <p:spPr>
+          <a:xfrm>
+            <a:off x="685800" y="4343400"/>
+            <a:ext cx="5486400" cy="4114800"/>
+          </a:xfrm>
+          <a:prstGeom prst="rect">
+            <a:avLst/>
+          </a:prstGeom>
+        </p:spPr>
+        <p:txBody>
+          <a:bodyPr anchorCtr="0" anchor="t" bIns="91425" lIns="91425" rIns="91425" wrap="square" tIns="91425">
+            <a:noAutofit/>
+          </a:bodyPr>
+          <a:lstStyle/>
+          <a:p>
+            <a:pPr indent="0" lvl="0" marL="0">
+              <a:spcBef>
+                <a:spcPts val="0"/>
+              </a:spcBef>
+              <a:buNone/>
+            </a:pPr>
+            <a:r>
+              <a:t/>
+            </a:r>
+            <a:endParaRPr/>
+          </a:p>
+        </p:txBody>
+      </p:sp>
+    </p:spTree>
+  </p:cSld>
+  <p:clrMapOvr>
+    <a:masterClrMapping/>
+  </p:clrMapOvr>
+</p:notes>
+</file>
+
+<file path=ppt/notesSlides/notesSlide7.xml><?xml version="1.0" encoding="utf-8"?>
+<p:notes xmlns:a="http://schemas.openxmlformats.org/drawingml/2006/main" xmlns:r="http://schemas.openxmlformats.org/officeDocument/2006/relationships" xmlns:mc="http://schemas.openxmlformats.org/markup-compatibility/2006" xmlns:mv="urn:schemas-microsoft-com:mac:vml" xmlns:p="http://schemas.openxmlformats.org/presentationml/2006/main" xmlns:c="http://schemas.openxmlformats.org/drawingml/2006/chart" xmlns:dgm="http://schemas.openxmlformats.org/drawingml/2006/diagram" xmlns:o="urn:schemas-microsoft-com:office:office" xmlns:v="urn:schemas-microsoft-com:vml" xmlns:pvml="urn:schemas-microsoft-com:office:powerpoint" xmlns:com="http://schemas.openxmlformats.org/drawingml/2006/compatibility" xmlns:p14="http://schemas.microsoft.com/office/powerpoint/2010/main" xmlns:p15="http://schemas.microsoft.com/office/powerpoint/2012/main" showMasterPhAnim="0" showMasterSp="0">
+  <p:cSld>
+    <p:spTree>
+      <p:nvGrpSpPr>
+        <p:cNvPr id="311" name="Shape 311"/>
+        <p:cNvGrpSpPr/>
+        <p:nvPr/>
+      </p:nvGrpSpPr>
+      <p:grpSpPr>
+        <a:xfrm>
+          <a:off x="0" y="0"/>
+          <a:ext cx="0" cy="0"/>
+          <a:chOff x="0" y="0"/>
+          <a:chExt cx="0" cy="0"/>
+        </a:xfrm>
+      </p:grpSpPr>
+      <p:sp>
+        <p:nvSpPr>
+          <p:cNvPr id="312" name="Shape 312"/>
+          <p:cNvSpPr/>
+          <p:nvPr>
+            <p:ph idx="2" type="sldImg"/>
+          </p:nvPr>
+        </p:nvSpPr>
+        <p:spPr>
+          <a:xfrm>
+            <a:off x="381300" y="685800"/>
+            <a:ext cx="6096000" cy="3429000"/>
+          </a:xfrm>
+          <a:custGeom>
+            <a:pathLst>
+              <a:path extrusionOk="0" h="120000" w="120000">
+                <a:moveTo>
+                  <a:pt x="0" y="0"/>
+                </a:moveTo>
+                <a:lnTo>
+                  <a:pt x="120000" y="0"/>
+                </a:lnTo>
+                <a:lnTo>
+                  <a:pt x="120000" y="120000"/>
+                </a:lnTo>
+                <a:lnTo>
+                  <a:pt x="0" y="120000"/>
+                </a:lnTo>
+                <a:close/>
+              </a:path>
+            </a:pathLst>
+          </a:custGeom>
+        </p:spPr>
+      </p:sp>
+      <p:sp>
+        <p:nvSpPr>
+          <p:cNvPr id="313" name="Shape 313"/>
+          <p:cNvSpPr txBox="1"/>
+          <p:nvPr>
+            <p:ph idx="1" type="body"/>
+          </p:nvPr>
+        </p:nvSpPr>
+        <p:spPr>
+          <a:xfrm>
+            <a:off x="685800" y="4343400"/>
+            <a:ext cx="5486400" cy="4114800"/>
+          </a:xfrm>
+          <a:prstGeom prst="rect">
+            <a:avLst/>
+          </a:prstGeom>
+        </p:spPr>
+        <p:txBody>
+          <a:bodyPr anchorCtr="0" anchor="t" bIns="91425" lIns="91425" rIns="91425" wrap="square" tIns="91425">
+            <a:noAutofit/>
+          </a:bodyPr>
+          <a:lstStyle/>
+          <a:p>
+            <a:pPr indent="0" lvl="0" marL="0" rtl="0">
+              <a:lnSpc>
+                <a:spcPct val="115000"/>
+              </a:lnSpc>
+              <a:spcBef>
+                <a:spcPts val="0"/>
+              </a:spcBef>
+              <a:buNone/>
+            </a:pPr>
+            <a:r>
+              <a:rPr lang="en"/>
+              <a:t>We chose the Decision Tree model, the Gradient Boosting Classifier, Random Forest, Logistic Regression, and K-Neighbors to build the model. After running Grid-search and cross validation on each model, we found that a Random Forest Classifier was our best model, narrowly beating out the K-nearest neighbors classifier. The best parameters for the random forest classifier were n_estimators = 30, criterion = ‘gini’ and max_depth = none. In other words, the number of trees that your model used was 30. The model used the gini index of the data to build the trees and the trees had no max depth. </a:t>
+            </a:r>
+          </a:p>
+          <a:p>
+            <a:pPr indent="0" lvl="0" marL="0" rtl="0">
+              <a:lnSpc>
+                <a:spcPct val="115000"/>
+              </a:lnSpc>
+              <a:spcBef>
+                <a:spcPts val="0"/>
+              </a:spcBef>
+              <a:buNone/>
+            </a:pPr>
+            <a:r>
+              <a:rPr lang="en"/>
+              <a:t>Random forests perform better than binary trees as a general rule and since we have so many classes, having many different trees allows us to calculate a better answer. The random forest classifies the data as the mode of whatever the trees return. Since we have so many classes, the random forest is the most robust of the models we ran.</a:t>
+            </a:r>
+          </a:p>
+        </p:txBody>
+      </p:sp>
+    </p:spTree>
+  </p:cSld>
+  <p:clrMapOvr>
+    <a:masterClrMapping/>
+  </p:clrMapOvr>
+</p:notes>
+</file>
+
+<file path=ppt/notesSlides/notesSlide8.xml><?xml version="1.0" encoding="utf-8"?>
+<p:notes xmlns:a="http://schemas.openxmlformats.org/drawingml/2006/main" xmlns:r="http://schemas.openxmlformats.org/officeDocument/2006/relationships" xmlns:mc="http://schemas.openxmlformats.org/markup-compatibility/2006" xmlns:mv="urn:schemas-microsoft-com:mac:vml" xmlns:p="http://schemas.openxmlformats.org/presentationml/2006/main" xmlns:c="http://schemas.openxmlformats.org/drawingml/2006/chart" xmlns:dgm="http://schemas.openxmlformats.org/drawingml/2006/diagram" xmlns:o="urn:schemas-microsoft-com:office:office" xmlns:v="urn:schemas-microsoft-com:vml" xmlns:pvml="urn:schemas-microsoft-com:office:powerpoint" xmlns:com="http://schemas.openxmlformats.org/drawingml/2006/compatibility" xmlns:p14="http://schemas.microsoft.com/office/powerpoint/2010/main" xmlns:p15="http://schemas.microsoft.com/office/powerpoint/2012/main" showMasterPhAnim="0" showMasterSp="0">
+  <p:cSld>
+    <p:spTree>
+      <p:nvGrpSpPr>
+        <p:cNvPr id="317" name="Shape 317"/>
+        <p:cNvGrpSpPr/>
+        <p:nvPr/>
+      </p:nvGrpSpPr>
+      <p:grpSpPr>
+        <a:xfrm>
+          <a:off x="0" y="0"/>
+          <a:ext cx="0" cy="0"/>
+          <a:chOff x="0" y="0"/>
+          <a:chExt cx="0" cy="0"/>
+        </a:xfrm>
+      </p:grpSpPr>
+      <p:sp>
+        <p:nvSpPr>
+          <p:cNvPr id="318" name="Shape 318"/>
+          <p:cNvSpPr/>
+          <p:nvPr>
+            <p:ph idx="2" type="sldImg"/>
+          </p:nvPr>
+        </p:nvSpPr>
+        <p:spPr>
+          <a:xfrm>
+            <a:off x="381300" y="685800"/>
+            <a:ext cx="6096000" cy="3429000"/>
+          </a:xfrm>
+          <a:custGeom>
+            <a:pathLst>
+              <a:path extrusionOk="0" h="120000" w="120000">
+                <a:moveTo>
+                  <a:pt x="0" y="0"/>
+                </a:moveTo>
+                <a:lnTo>
+                  <a:pt x="120000" y="0"/>
+                </a:lnTo>
+                <a:lnTo>
+                  <a:pt x="120000" y="120000"/>
+                </a:lnTo>
+                <a:lnTo>
+                  <a:pt x="0" y="120000"/>
+                </a:lnTo>
+                <a:close/>
+              </a:path>
+            </a:pathLst>
+          </a:custGeom>
+        </p:spPr>
+      </p:sp>
+      <p:sp>
+        <p:nvSpPr>
+          <p:cNvPr id="319" name="Shape 319"/>
+          <p:cNvSpPr txBox="1"/>
+          <p:nvPr>
+            <p:ph idx="1" type="body"/>
+          </p:nvPr>
+        </p:nvSpPr>
+        <p:spPr>
+          <a:xfrm>
+            <a:off x="685800" y="4343400"/>
+            <a:ext cx="5486400" cy="4114800"/>
+          </a:xfrm>
+          <a:prstGeom prst="rect">
+            <a:avLst/>
+          </a:prstGeom>
+        </p:spPr>
+        <p:txBody>
+          <a:bodyPr anchorCtr="0" anchor="t" bIns="91425" lIns="91425" rIns="91425" wrap="square" tIns="91425">
+            <a:noAutofit/>
+          </a:bodyPr>
+          <a:lstStyle/>
+          <a:p>
+            <a:pPr indent="0" lvl="0" marL="0">
+              <a:spcBef>
+                <a:spcPts val="0"/>
+              </a:spcBef>
+              <a:buNone/>
+            </a:pPr>
+            <a:r>
+              <a:t/>
+            </a:r>
+            <a:endParaRPr/>
+          </a:p>
+        </p:txBody>
+      </p:sp>
+    </p:spTree>
+  </p:cSld>
+  <p:clrMapOvr>
+    <a:masterClrMapping/>
+  </p:clrMapOvr>
+</p:notes>
+</file>
+
+<file path=ppt/notesSlides/notesSlide9.xml><?xml version="1.0" encoding="utf-8"?>
+<p:notes xmlns:a="http://schemas.openxmlformats.org/drawingml/2006/main" xmlns:r="http://schemas.openxmlformats.org/officeDocument/2006/relationships" xmlns:mc="http://schemas.openxmlformats.org/markup-compatibility/2006" xmlns:mv="urn:schemas-microsoft-com:mac:vml" xmlns:p="http://schemas.openxmlformats.org/presentationml/2006/main" xmlns:c="http://schemas.openxmlformats.org/drawingml/2006/chart" xmlns:dgm="http://schemas.openxmlformats.org/drawingml/2006/diagram" xmlns:o="urn:schemas-microsoft-com:office:office" xmlns:v="urn:schemas-microsoft-com:vml" xmlns:pvml="urn:schemas-microsoft-com:office:powerpoint" xmlns:com="http://schemas.openxmlformats.org/drawingml/2006/compatibility" xmlns:p14="http://schemas.microsoft.com/office/powerpoint/2010/main" xmlns:p15="http://schemas.microsoft.com/office/powerpoint/2012/main" showMasterPhAnim="0" showMasterSp="0">
+  <p:cSld>
+    <p:spTree>
+      <p:nvGrpSpPr>
+        <p:cNvPr id="325" name="Shape 325"/>
+        <p:cNvGrpSpPr/>
+        <p:nvPr/>
+      </p:nvGrpSpPr>
+      <p:grpSpPr>
+        <a:xfrm>
+          <a:off x="0" y="0"/>
+          <a:ext cx="0" cy="0"/>
+          <a:chOff x="0" y="0"/>
+          <a:chExt cx="0" cy="0"/>
+        </a:xfrm>
+      </p:grpSpPr>
+      <p:sp>
+        <p:nvSpPr>
+          <p:cNvPr id="326" name="Shape 326"/>
+          <p:cNvSpPr/>
+          <p:nvPr>
+            <p:ph idx="2" type="sldImg"/>
+          </p:nvPr>
+        </p:nvSpPr>
+        <p:spPr>
+          <a:xfrm>
+            <a:off x="381300" y="685800"/>
+            <a:ext cx="6096000" cy="3429000"/>
+          </a:xfrm>
+          <a:custGeom>
+            <a:pathLst>
+              <a:path extrusionOk="0" h="120000" w="120000">
+                <a:moveTo>
+                  <a:pt x="0" y="0"/>
+                </a:moveTo>
+                <a:lnTo>
+                  <a:pt x="120000" y="0"/>
+                </a:lnTo>
+                <a:lnTo>
+                  <a:pt x="120000" y="120000"/>
+                </a:lnTo>
+                <a:lnTo>
+                  <a:pt x="0" y="120000"/>
+                </a:lnTo>
+                <a:close/>
+              </a:path>
+            </a:pathLst>
+          </a:custGeom>
+        </p:spPr>
+      </p:sp>
+      <p:sp>
+        <p:nvSpPr>
+          <p:cNvPr id="327" name="Shape 327"/>
           <p:cNvSpPr txBox="1"/>
           <p:nvPr>
             <p:ph idx="1" type="body"/>
@@ -2467,7 +3666,7 @@
         <p:txBody>
           <a:bodyPr anchorCtr="0" anchor="ctr" bIns="91425" lIns="91425" rIns="91425" wrap="square" tIns="91425"/>
           <a:lstStyle>
-            <a:lvl1pPr lvl="0">
+            <a:lvl1pPr lvl="0" rtl="0">
               <a:spcBef>
                 <a:spcPts val="0"/>
               </a:spcBef>
@@ -2482,7 +3681,7 @@
                 </a:solidFill>
               </a:defRPr>
             </a:lvl1pPr>
-            <a:lvl2pPr lvl="1">
+            <a:lvl2pPr lvl="1" rtl="0">
               <a:spcBef>
                 <a:spcPts val="0"/>
               </a:spcBef>
@@ -2497,7 +3696,7 @@
                 </a:solidFill>
               </a:defRPr>
             </a:lvl2pPr>
-            <a:lvl3pPr lvl="2">
+            <a:lvl3pPr lvl="2" rtl="0">
               <a:spcBef>
                 <a:spcPts val="0"/>
               </a:spcBef>
@@ -2512,7 +3711,7 @@
                 </a:solidFill>
               </a:defRPr>
             </a:lvl3pPr>
-            <a:lvl4pPr lvl="3">
+            <a:lvl4pPr lvl="3" rtl="0">
               <a:spcBef>
                 <a:spcPts val="0"/>
               </a:spcBef>
@@ -2527,7 +3726,7 @@
                 </a:solidFill>
               </a:defRPr>
             </a:lvl4pPr>
-            <a:lvl5pPr lvl="4">
+            <a:lvl5pPr lvl="4" rtl="0">
               <a:spcBef>
                 <a:spcPts val="0"/>
               </a:spcBef>
@@ -2542,7 +3741,7 @@
                 </a:solidFill>
               </a:defRPr>
             </a:lvl5pPr>
-            <a:lvl6pPr lvl="5">
+            <a:lvl6pPr lvl="5" rtl="0">
               <a:spcBef>
                 <a:spcPts val="0"/>
               </a:spcBef>
@@ -2557,7 +3756,7 @@
                 </a:solidFill>
               </a:defRPr>
             </a:lvl6pPr>
-            <a:lvl7pPr lvl="6">
+            <a:lvl7pPr lvl="6" rtl="0">
               <a:spcBef>
                 <a:spcPts val="0"/>
               </a:spcBef>
@@ -2572,7 +3771,7 @@
                 </a:solidFill>
               </a:defRPr>
             </a:lvl7pPr>
-            <a:lvl8pPr lvl="7">
+            <a:lvl8pPr lvl="7" rtl="0">
               <a:spcBef>
                 <a:spcPts val="0"/>
               </a:spcBef>
@@ -2587,7 +3786,7 @@
                 </a:solidFill>
               </a:defRPr>
             </a:lvl8pPr>
-            <a:lvl9pPr lvl="8">
+            <a:lvl9pPr lvl="8" rtl="0">
               <a:spcBef>
                 <a:spcPts val="0"/>
               </a:spcBef>
@@ -2626,7 +3825,7 @@
         <p:txBody>
           <a:bodyPr anchorCtr="0" anchor="t" bIns="91425" lIns="91425" rIns="91425" wrap="square" tIns="91425"/>
           <a:lstStyle>
-            <a:lvl1pPr lvl="0">
+            <a:lvl1pPr lvl="0" rtl="0">
               <a:lnSpc>
                 <a:spcPct val="100000"/>
               </a:lnSpc>
@@ -2647,7 +3846,7 @@
                 </a:solidFill>
               </a:defRPr>
             </a:lvl1pPr>
-            <a:lvl2pPr lvl="1">
+            <a:lvl2pPr lvl="1" rtl="0">
               <a:lnSpc>
                 <a:spcPct val="100000"/>
               </a:lnSpc>
@@ -2668,7 +3867,7 @@
                 </a:solidFill>
               </a:defRPr>
             </a:lvl2pPr>
-            <a:lvl3pPr lvl="2">
+            <a:lvl3pPr lvl="2" rtl="0">
               <a:lnSpc>
                 <a:spcPct val="100000"/>
               </a:lnSpc>
@@ -2689,7 +3888,7 @@
                 </a:solidFill>
               </a:defRPr>
             </a:lvl3pPr>
-            <a:lvl4pPr lvl="3">
+            <a:lvl4pPr lvl="3" rtl="0">
               <a:lnSpc>
                 <a:spcPct val="100000"/>
               </a:lnSpc>
@@ -2710,7 +3909,7 @@
                 </a:solidFill>
               </a:defRPr>
             </a:lvl4pPr>
-            <a:lvl5pPr lvl="4">
+            <a:lvl5pPr lvl="4" rtl="0">
               <a:lnSpc>
                 <a:spcPct val="100000"/>
               </a:lnSpc>
@@ -2731,7 +3930,7 @@
                 </a:solidFill>
               </a:defRPr>
             </a:lvl5pPr>
-            <a:lvl6pPr lvl="5">
+            <a:lvl6pPr lvl="5" rtl="0">
               <a:lnSpc>
                 <a:spcPct val="100000"/>
               </a:lnSpc>
@@ -2752,7 +3951,7 @@
                 </a:solidFill>
               </a:defRPr>
             </a:lvl6pPr>
-            <a:lvl7pPr lvl="6">
+            <a:lvl7pPr lvl="6" rtl="0">
               <a:lnSpc>
                 <a:spcPct val="100000"/>
               </a:lnSpc>
@@ -2773,7 +3972,7 @@
                 </a:solidFill>
               </a:defRPr>
             </a:lvl7pPr>
-            <a:lvl8pPr lvl="7">
+            <a:lvl8pPr lvl="7" rtl="0">
               <a:lnSpc>
                 <a:spcPct val="100000"/>
               </a:lnSpc>
@@ -2794,7 +3993,7 @@
                 </a:solidFill>
               </a:defRPr>
             </a:lvl8pPr>
-            <a:lvl9pPr lvl="8">
+            <a:lvl9pPr lvl="8" rtl="0">
               <a:lnSpc>
                 <a:spcPct val="100000"/>
               </a:lnSpc>
@@ -2842,7 +4041,7 @@
           </a:bodyPr>
           <a:lstStyle/>
           <a:p>
-            <a:pPr indent="0" lvl="0" marL="0">
+            <a:pPr indent="0" lvl="0" marL="0" rtl="0">
               <a:spcBef>
                 <a:spcPts val="0"/>
               </a:spcBef>
@@ -7801,7 +9000,7 @@
         <p:txBody>
           <a:bodyPr anchorCtr="0" anchor="ctr" bIns="91425" lIns="91425" rIns="91425" wrap="square" tIns="91425"/>
           <a:lstStyle>
-            <a:lvl1pPr lvl="0" algn="ctr">
+            <a:lvl1pPr lvl="0" rtl="0" algn="ctr">
               <a:spcBef>
                 <a:spcPts val="0"/>
               </a:spcBef>
@@ -7816,7 +9015,7 @@
                 </a:solidFill>
               </a:defRPr>
             </a:lvl1pPr>
-            <a:lvl2pPr lvl="1" algn="ctr">
+            <a:lvl2pPr lvl="1" rtl="0" algn="ctr">
               <a:spcBef>
                 <a:spcPts val="0"/>
               </a:spcBef>
@@ -7831,7 +9030,7 @@
                 </a:solidFill>
               </a:defRPr>
             </a:lvl2pPr>
-            <a:lvl3pPr lvl="2" algn="ctr">
+            <a:lvl3pPr lvl="2" rtl="0" algn="ctr">
               <a:spcBef>
                 <a:spcPts val="0"/>
               </a:spcBef>
@@ -7846,7 +9045,7 @@
                 </a:solidFill>
               </a:defRPr>
             </a:lvl3pPr>
-            <a:lvl4pPr lvl="3" algn="ctr">
+            <a:lvl4pPr lvl="3" rtl="0" algn="ctr">
               <a:spcBef>
                 <a:spcPts val="0"/>
               </a:spcBef>
@@ -7861,7 +9060,7 @@
                 </a:solidFill>
               </a:defRPr>
             </a:lvl4pPr>
-            <a:lvl5pPr lvl="4" algn="ctr">
+            <a:lvl5pPr lvl="4" rtl="0" algn="ctr">
               <a:spcBef>
                 <a:spcPts val="0"/>
               </a:spcBef>
@@ -7876,7 +9075,7 @@
                 </a:solidFill>
               </a:defRPr>
             </a:lvl5pPr>
-            <a:lvl6pPr lvl="5" algn="ctr">
+            <a:lvl6pPr lvl="5" rtl="0" algn="ctr">
               <a:spcBef>
                 <a:spcPts val="0"/>
               </a:spcBef>
@@ -7891,7 +9090,7 @@
                 </a:solidFill>
               </a:defRPr>
             </a:lvl6pPr>
-            <a:lvl7pPr lvl="6" algn="ctr">
+            <a:lvl7pPr lvl="6" rtl="0" algn="ctr">
               <a:spcBef>
                 <a:spcPts val="0"/>
               </a:spcBef>
@@ -7906,7 +9105,7 @@
                 </a:solidFill>
               </a:defRPr>
             </a:lvl7pPr>
-            <a:lvl8pPr lvl="7" algn="ctr">
+            <a:lvl8pPr lvl="7" rtl="0" algn="ctr">
               <a:spcBef>
                 <a:spcPts val="0"/>
               </a:spcBef>
@@ -7921,7 +9120,7 @@
                 </a:solidFill>
               </a:defRPr>
             </a:lvl8pPr>
-            <a:lvl9pPr lvl="8" algn="ctr">
+            <a:lvl9pPr lvl="8" rtl="0" algn="ctr">
               <a:spcBef>
                 <a:spcPts val="0"/>
               </a:spcBef>
@@ -7960,7 +9159,7 @@
         <p:txBody>
           <a:bodyPr anchorCtr="0" anchor="t" bIns="91425" lIns="91425" rIns="91425" wrap="square" tIns="91425"/>
           <a:lstStyle>
-            <a:lvl1pPr lvl="0" algn="ctr">
+            <a:lvl1pPr lvl="0" rtl="0" algn="ctr">
               <a:spcBef>
                 <a:spcPts val="0"/>
               </a:spcBef>
@@ -7975,7 +9174,7 @@
                 </a:solidFill>
               </a:defRPr>
             </a:lvl1pPr>
-            <a:lvl2pPr lvl="1" algn="ctr">
+            <a:lvl2pPr lvl="1" rtl="0" algn="ctr">
               <a:spcBef>
                 <a:spcPts val="0"/>
               </a:spcBef>
@@ -7990,7 +9189,7 @@
                 </a:solidFill>
               </a:defRPr>
             </a:lvl2pPr>
-            <a:lvl3pPr lvl="2" algn="ctr">
+            <a:lvl3pPr lvl="2" rtl="0" algn="ctr">
               <a:spcBef>
                 <a:spcPts val="0"/>
               </a:spcBef>
@@ -8005,7 +9204,7 @@
                 </a:solidFill>
               </a:defRPr>
             </a:lvl3pPr>
-            <a:lvl4pPr lvl="3" algn="ctr">
+            <a:lvl4pPr lvl="3" rtl="0" algn="ctr">
               <a:spcBef>
                 <a:spcPts val="0"/>
               </a:spcBef>
@@ -8020,7 +9219,7 @@
                 </a:solidFill>
               </a:defRPr>
             </a:lvl4pPr>
-            <a:lvl5pPr lvl="4" algn="ctr">
+            <a:lvl5pPr lvl="4" rtl="0" algn="ctr">
               <a:spcBef>
                 <a:spcPts val="0"/>
               </a:spcBef>
@@ -8035,7 +9234,7 @@
                 </a:solidFill>
               </a:defRPr>
             </a:lvl5pPr>
-            <a:lvl6pPr lvl="5" algn="ctr">
+            <a:lvl6pPr lvl="5" rtl="0" algn="ctr">
               <a:spcBef>
                 <a:spcPts val="0"/>
               </a:spcBef>
@@ -8050,7 +9249,7 @@
                 </a:solidFill>
               </a:defRPr>
             </a:lvl6pPr>
-            <a:lvl7pPr lvl="6" algn="ctr">
+            <a:lvl7pPr lvl="6" rtl="0" algn="ctr">
               <a:spcBef>
                 <a:spcPts val="0"/>
               </a:spcBef>
@@ -8065,7 +9264,7 @@
                 </a:solidFill>
               </a:defRPr>
             </a:lvl7pPr>
-            <a:lvl8pPr lvl="7" algn="ctr">
+            <a:lvl8pPr lvl="7" rtl="0" algn="ctr">
               <a:spcBef>
                 <a:spcPts val="0"/>
               </a:spcBef>
@@ -8080,7 +9279,7 @@
                 </a:solidFill>
               </a:defRPr>
             </a:lvl8pPr>
-            <a:lvl9pPr lvl="8" algn="ctr">
+            <a:lvl9pPr lvl="8" rtl="0" algn="ctr">
               <a:spcBef>
                 <a:spcPts val="0"/>
               </a:spcBef>
@@ -8122,7 +9321,7 @@
           </a:bodyPr>
           <a:lstStyle/>
           <a:p>
-            <a:pPr indent="0" lvl="0" marL="0">
+            <a:pPr indent="0" lvl="0" marL="0" rtl="0">
               <a:spcBef>
                 <a:spcPts val="0"/>
               </a:spcBef>
@@ -8187,7 +9386,7 @@
           </a:bodyPr>
           <a:lstStyle/>
           <a:p>
-            <a:pPr indent="0" lvl="0" marL="0">
+            <a:pPr indent="0" lvl="0" marL="0" rtl="0">
               <a:spcBef>
                 <a:spcPts val="0"/>
               </a:spcBef>
@@ -9422,7 +10621,7 @@
         <p:txBody>
           <a:bodyPr anchorCtr="0" anchor="ctr" bIns="91425" lIns="91425" rIns="91425" wrap="square" tIns="91425"/>
           <a:lstStyle>
-            <a:lvl1pPr lvl="0">
+            <a:lvl1pPr lvl="0" rtl="0">
               <a:spcBef>
                 <a:spcPts val="0"/>
               </a:spcBef>
@@ -9437,7 +10636,7 @@
                 </a:solidFill>
               </a:defRPr>
             </a:lvl1pPr>
-            <a:lvl2pPr lvl="1">
+            <a:lvl2pPr lvl="1" rtl="0">
               <a:spcBef>
                 <a:spcPts val="0"/>
               </a:spcBef>
@@ -9452,7 +10651,7 @@
                 </a:solidFill>
               </a:defRPr>
             </a:lvl2pPr>
-            <a:lvl3pPr lvl="2">
+            <a:lvl3pPr lvl="2" rtl="0">
               <a:spcBef>
                 <a:spcPts val="0"/>
               </a:spcBef>
@@ -9467,7 +10666,7 @@
                 </a:solidFill>
               </a:defRPr>
             </a:lvl3pPr>
-            <a:lvl4pPr lvl="3">
+            <a:lvl4pPr lvl="3" rtl="0">
               <a:spcBef>
                 <a:spcPts val="0"/>
               </a:spcBef>
@@ -9482,7 +10681,7 @@
                 </a:solidFill>
               </a:defRPr>
             </a:lvl4pPr>
-            <a:lvl5pPr lvl="4">
+            <a:lvl5pPr lvl="4" rtl="0">
               <a:spcBef>
                 <a:spcPts val="0"/>
               </a:spcBef>
@@ -9497,7 +10696,7 @@
                 </a:solidFill>
               </a:defRPr>
             </a:lvl5pPr>
-            <a:lvl6pPr lvl="5">
+            <a:lvl6pPr lvl="5" rtl="0">
               <a:spcBef>
                 <a:spcPts val="0"/>
               </a:spcBef>
@@ -9512,7 +10711,7 @@
                 </a:solidFill>
               </a:defRPr>
             </a:lvl6pPr>
-            <a:lvl7pPr lvl="6">
+            <a:lvl7pPr lvl="6" rtl="0">
               <a:spcBef>
                 <a:spcPts val="0"/>
               </a:spcBef>
@@ -9527,7 +10726,7 @@
                 </a:solidFill>
               </a:defRPr>
             </a:lvl7pPr>
-            <a:lvl8pPr lvl="7">
+            <a:lvl8pPr lvl="7" rtl="0">
               <a:spcBef>
                 <a:spcPts val="0"/>
               </a:spcBef>
@@ -9542,7 +10741,7 @@
                 </a:solidFill>
               </a:defRPr>
             </a:lvl8pPr>
-            <a:lvl9pPr lvl="8">
+            <a:lvl9pPr lvl="8" rtl="0">
               <a:spcBef>
                 <a:spcPts val="0"/>
               </a:spcBef>
@@ -9584,7 +10783,7 @@
           </a:bodyPr>
           <a:lstStyle/>
           <a:p>
-            <a:pPr indent="0" lvl="0" marL="0">
+            <a:pPr indent="0" lvl="0" marL="0" rtl="0">
               <a:spcBef>
                 <a:spcPts val="0"/>
               </a:spcBef>
@@ -9751,7 +10950,7 @@
         <p:txBody>
           <a:bodyPr anchorCtr="0" anchor="t" bIns="91425" lIns="91425" rIns="91425" wrap="square" tIns="91425"/>
           <a:lstStyle>
-            <a:lvl1pPr lvl="0">
+            <a:lvl1pPr lvl="0" rtl="0">
               <a:spcBef>
                 <a:spcPts val="0"/>
               </a:spcBef>
@@ -9759,7 +10958,7 @@
               <a:buNone/>
               <a:defRPr/>
             </a:lvl1pPr>
-            <a:lvl2pPr lvl="1">
+            <a:lvl2pPr lvl="1" rtl="0">
               <a:spcBef>
                 <a:spcPts val="0"/>
               </a:spcBef>
@@ -9767,7 +10966,7 @@
               <a:buNone/>
               <a:defRPr/>
             </a:lvl2pPr>
-            <a:lvl3pPr lvl="2">
+            <a:lvl3pPr lvl="2" rtl="0">
               <a:spcBef>
                 <a:spcPts val="0"/>
               </a:spcBef>
@@ -9775,7 +10974,7 @@
               <a:buNone/>
               <a:defRPr/>
             </a:lvl3pPr>
-            <a:lvl4pPr lvl="3">
+            <a:lvl4pPr lvl="3" rtl="0">
               <a:spcBef>
                 <a:spcPts val="0"/>
               </a:spcBef>
@@ -9783,7 +10982,7 @@
               <a:buNone/>
               <a:defRPr/>
             </a:lvl4pPr>
-            <a:lvl5pPr lvl="4">
+            <a:lvl5pPr lvl="4" rtl="0">
               <a:spcBef>
                 <a:spcPts val="0"/>
               </a:spcBef>
@@ -9791,7 +10990,7 @@
               <a:buNone/>
               <a:defRPr/>
             </a:lvl5pPr>
-            <a:lvl6pPr lvl="5">
+            <a:lvl6pPr lvl="5" rtl="0">
               <a:spcBef>
                 <a:spcPts val="0"/>
               </a:spcBef>
@@ -9799,7 +10998,7 @@
               <a:buNone/>
               <a:defRPr/>
             </a:lvl6pPr>
-            <a:lvl7pPr lvl="6">
+            <a:lvl7pPr lvl="6" rtl="0">
               <a:spcBef>
                 <a:spcPts val="0"/>
               </a:spcBef>
@@ -9807,7 +11006,7 @@
               <a:buNone/>
               <a:defRPr/>
             </a:lvl7pPr>
-            <a:lvl8pPr lvl="7">
+            <a:lvl8pPr lvl="7" rtl="0">
               <a:spcBef>
                 <a:spcPts val="0"/>
               </a:spcBef>
@@ -9815,7 +11014,7 @@
               <a:buNone/>
               <a:defRPr/>
             </a:lvl8pPr>
-            <a:lvl9pPr lvl="8">
+            <a:lvl9pPr lvl="8" rtl="0">
               <a:spcBef>
                 <a:spcPts val="0"/>
               </a:spcBef>
@@ -9847,7 +11046,7 @@
         <p:txBody>
           <a:bodyPr anchorCtr="0" anchor="t" bIns="91425" lIns="91425" rIns="91425" wrap="square" tIns="91425"/>
           <a:lstStyle>
-            <a:lvl1pPr lvl="0">
+            <a:lvl1pPr lvl="0" rtl="0">
               <a:spcBef>
                 <a:spcPts val="0"/>
               </a:spcBef>
@@ -9855,7 +11054,7 @@
               <a:buChar char="●"/>
               <a:defRPr/>
             </a:lvl1pPr>
-            <a:lvl2pPr lvl="1">
+            <a:lvl2pPr lvl="1" rtl="0">
               <a:spcBef>
                 <a:spcPts val="0"/>
               </a:spcBef>
@@ -9863,7 +11062,7 @@
               <a:buChar char="○"/>
               <a:defRPr/>
             </a:lvl2pPr>
-            <a:lvl3pPr lvl="2">
+            <a:lvl3pPr lvl="2" rtl="0">
               <a:spcBef>
                 <a:spcPts val="0"/>
               </a:spcBef>
@@ -9871,7 +11070,7 @@
               <a:buChar char="■"/>
               <a:defRPr/>
             </a:lvl3pPr>
-            <a:lvl4pPr lvl="3">
+            <a:lvl4pPr lvl="3" rtl="0">
               <a:spcBef>
                 <a:spcPts val="0"/>
               </a:spcBef>
@@ -9879,7 +11078,7 @@
               <a:buChar char="●"/>
               <a:defRPr/>
             </a:lvl4pPr>
-            <a:lvl5pPr lvl="4">
+            <a:lvl5pPr lvl="4" rtl="0">
               <a:spcBef>
                 <a:spcPts val="0"/>
               </a:spcBef>
@@ -9887,7 +11086,7 @@
               <a:buChar char="○"/>
               <a:defRPr/>
             </a:lvl5pPr>
-            <a:lvl6pPr lvl="5">
+            <a:lvl6pPr lvl="5" rtl="0">
               <a:spcBef>
                 <a:spcPts val="0"/>
               </a:spcBef>
@@ -9895,7 +11094,7 @@
               <a:buChar char="■"/>
               <a:defRPr/>
             </a:lvl6pPr>
-            <a:lvl7pPr lvl="6">
+            <a:lvl7pPr lvl="6" rtl="0">
               <a:spcBef>
                 <a:spcPts val="0"/>
               </a:spcBef>
@@ -9903,7 +11102,7 @@
               <a:buChar char="●"/>
               <a:defRPr/>
             </a:lvl7pPr>
-            <a:lvl8pPr lvl="7">
+            <a:lvl8pPr lvl="7" rtl="0">
               <a:spcBef>
                 <a:spcPts val="0"/>
               </a:spcBef>
@@ -9911,7 +11110,7 @@
               <a:buChar char="○"/>
               <a:defRPr/>
             </a:lvl8pPr>
-            <a:lvl9pPr lvl="8">
+            <a:lvl9pPr lvl="8" rtl="0">
               <a:spcBef>
                 <a:spcPts val="0"/>
               </a:spcBef>
@@ -9946,7 +11145,7 @@
           </a:bodyPr>
           <a:lstStyle/>
           <a:p>
-            <a:pPr indent="0" lvl="0" marL="0">
+            <a:pPr indent="0" lvl="0" marL="0" rtl="0">
               <a:spcBef>
                 <a:spcPts val="0"/>
               </a:spcBef>
@@ -10109,7 +11308,7 @@
         <p:txBody>
           <a:bodyPr anchorCtr="0" anchor="t" bIns="91425" lIns="91425" rIns="91425" wrap="square" tIns="91425"/>
           <a:lstStyle>
-            <a:lvl1pPr lvl="0">
+            <a:lvl1pPr lvl="0" rtl="0">
               <a:spcBef>
                 <a:spcPts val="0"/>
               </a:spcBef>
@@ -10117,7 +11316,7 @@
               <a:buNone/>
               <a:defRPr/>
             </a:lvl1pPr>
-            <a:lvl2pPr lvl="1">
+            <a:lvl2pPr lvl="1" rtl="0">
               <a:spcBef>
                 <a:spcPts val="0"/>
               </a:spcBef>
@@ -10125,7 +11324,7 @@
               <a:buNone/>
               <a:defRPr/>
             </a:lvl2pPr>
-            <a:lvl3pPr lvl="2">
+            <a:lvl3pPr lvl="2" rtl="0">
               <a:spcBef>
                 <a:spcPts val="0"/>
               </a:spcBef>
@@ -10133,7 +11332,7 @@
               <a:buNone/>
               <a:defRPr/>
             </a:lvl3pPr>
-            <a:lvl4pPr lvl="3">
+            <a:lvl4pPr lvl="3" rtl="0">
               <a:spcBef>
                 <a:spcPts val="0"/>
               </a:spcBef>
@@ -10141,7 +11340,7 @@
               <a:buNone/>
               <a:defRPr/>
             </a:lvl4pPr>
-            <a:lvl5pPr lvl="4">
+            <a:lvl5pPr lvl="4" rtl="0">
               <a:spcBef>
                 <a:spcPts val="0"/>
               </a:spcBef>
@@ -10149,7 +11348,7 @@
               <a:buNone/>
               <a:defRPr/>
             </a:lvl5pPr>
-            <a:lvl6pPr lvl="5">
+            <a:lvl6pPr lvl="5" rtl="0">
               <a:spcBef>
                 <a:spcPts val="0"/>
               </a:spcBef>
@@ -10157,7 +11356,7 @@
               <a:buNone/>
               <a:defRPr/>
             </a:lvl6pPr>
-            <a:lvl7pPr lvl="6">
+            <a:lvl7pPr lvl="6" rtl="0">
               <a:spcBef>
                 <a:spcPts val="0"/>
               </a:spcBef>
@@ -10165,7 +11364,7 @@
               <a:buNone/>
               <a:defRPr/>
             </a:lvl7pPr>
-            <a:lvl8pPr lvl="7">
+            <a:lvl8pPr lvl="7" rtl="0">
               <a:spcBef>
                 <a:spcPts val="0"/>
               </a:spcBef>
@@ -10173,7 +11372,7 @@
               <a:buNone/>
               <a:defRPr/>
             </a:lvl8pPr>
-            <a:lvl9pPr lvl="8">
+            <a:lvl9pPr lvl="8" rtl="0">
               <a:spcBef>
                 <a:spcPts val="0"/>
               </a:spcBef>
@@ -10205,7 +11404,7 @@
         <p:txBody>
           <a:bodyPr anchorCtr="0" anchor="t" bIns="91425" lIns="91425" rIns="91425" wrap="square" tIns="91425"/>
           <a:lstStyle>
-            <a:lvl1pPr lvl="0">
+            <a:lvl1pPr lvl="0" rtl="0">
               <a:spcBef>
                 <a:spcPts val="0"/>
               </a:spcBef>
@@ -10213,7 +11412,7 @@
               <a:buChar char="●"/>
               <a:defRPr/>
             </a:lvl1pPr>
-            <a:lvl2pPr lvl="1">
+            <a:lvl2pPr lvl="1" rtl="0">
               <a:spcBef>
                 <a:spcPts val="0"/>
               </a:spcBef>
@@ -10221,7 +11420,7 @@
               <a:buChar char="○"/>
               <a:defRPr/>
             </a:lvl2pPr>
-            <a:lvl3pPr lvl="2">
+            <a:lvl3pPr lvl="2" rtl="0">
               <a:spcBef>
                 <a:spcPts val="0"/>
               </a:spcBef>
@@ -10229,7 +11428,7 @@
               <a:buChar char="■"/>
               <a:defRPr/>
             </a:lvl3pPr>
-            <a:lvl4pPr lvl="3">
+            <a:lvl4pPr lvl="3" rtl="0">
               <a:spcBef>
                 <a:spcPts val="0"/>
               </a:spcBef>
@@ -10237,7 +11436,7 @@
               <a:buChar char="●"/>
               <a:defRPr/>
             </a:lvl4pPr>
-            <a:lvl5pPr lvl="4">
+            <a:lvl5pPr lvl="4" rtl="0">
               <a:spcBef>
                 <a:spcPts val="0"/>
               </a:spcBef>
@@ -10245,7 +11444,7 @@
               <a:buChar char="○"/>
               <a:defRPr/>
             </a:lvl5pPr>
-            <a:lvl6pPr lvl="5">
+            <a:lvl6pPr lvl="5" rtl="0">
               <a:spcBef>
                 <a:spcPts val="0"/>
               </a:spcBef>
@@ -10253,7 +11452,7 @@
               <a:buChar char="■"/>
               <a:defRPr/>
             </a:lvl6pPr>
-            <a:lvl7pPr lvl="6">
+            <a:lvl7pPr lvl="6" rtl="0">
               <a:spcBef>
                 <a:spcPts val="0"/>
               </a:spcBef>
@@ -10261,7 +11460,7 @@
               <a:buChar char="●"/>
               <a:defRPr/>
             </a:lvl7pPr>
-            <a:lvl8pPr lvl="7">
+            <a:lvl8pPr lvl="7" rtl="0">
               <a:spcBef>
                 <a:spcPts val="0"/>
               </a:spcBef>
@@ -10269,7 +11468,7 @@
               <a:buChar char="○"/>
               <a:defRPr/>
             </a:lvl8pPr>
-            <a:lvl9pPr lvl="8">
+            <a:lvl9pPr lvl="8" rtl="0">
               <a:spcBef>
                 <a:spcPts val="0"/>
               </a:spcBef>
@@ -10301,7 +11500,7 @@
         <p:txBody>
           <a:bodyPr anchorCtr="0" anchor="t" bIns="91425" lIns="91425" rIns="91425" wrap="square" tIns="91425"/>
           <a:lstStyle>
-            <a:lvl1pPr lvl="0">
+            <a:lvl1pPr lvl="0" rtl="0">
               <a:spcBef>
                 <a:spcPts val="0"/>
               </a:spcBef>
@@ -10309,7 +11508,7 @@
               <a:buChar char="●"/>
               <a:defRPr/>
             </a:lvl1pPr>
-            <a:lvl2pPr lvl="1">
+            <a:lvl2pPr lvl="1" rtl="0">
               <a:spcBef>
                 <a:spcPts val="0"/>
               </a:spcBef>
@@ -10317,7 +11516,7 @@
               <a:buChar char="○"/>
               <a:defRPr/>
             </a:lvl2pPr>
-            <a:lvl3pPr lvl="2">
+            <a:lvl3pPr lvl="2" rtl="0">
               <a:spcBef>
                 <a:spcPts val="0"/>
               </a:spcBef>
@@ -10325,7 +11524,7 @@
               <a:buChar char="■"/>
               <a:defRPr/>
             </a:lvl3pPr>
-            <a:lvl4pPr lvl="3">
+            <a:lvl4pPr lvl="3" rtl="0">
               <a:spcBef>
                 <a:spcPts val="0"/>
               </a:spcBef>
@@ -10333,7 +11532,7 @@
               <a:buChar char="●"/>
               <a:defRPr/>
             </a:lvl4pPr>
-            <a:lvl5pPr lvl="4">
+            <a:lvl5pPr lvl="4" rtl="0">
               <a:spcBef>
                 <a:spcPts val="0"/>
               </a:spcBef>
@@ -10341,7 +11540,7 @@
               <a:buChar char="○"/>
               <a:defRPr/>
             </a:lvl5pPr>
-            <a:lvl6pPr lvl="5">
+            <a:lvl6pPr lvl="5" rtl="0">
               <a:spcBef>
                 <a:spcPts val="0"/>
               </a:spcBef>
@@ -10349,7 +11548,7 @@
               <a:buChar char="■"/>
               <a:defRPr/>
             </a:lvl6pPr>
-            <a:lvl7pPr lvl="6">
+            <a:lvl7pPr lvl="6" rtl="0">
               <a:spcBef>
                 <a:spcPts val="0"/>
               </a:spcBef>
@@ -10357,7 +11556,7 @@
               <a:buChar char="●"/>
               <a:defRPr/>
             </a:lvl7pPr>
-            <a:lvl8pPr lvl="7">
+            <a:lvl8pPr lvl="7" rtl="0">
               <a:spcBef>
                 <a:spcPts val="0"/>
               </a:spcBef>
@@ -10365,7 +11564,7 @@
               <a:buChar char="○"/>
               <a:defRPr/>
             </a:lvl8pPr>
-            <a:lvl9pPr lvl="8">
+            <a:lvl9pPr lvl="8" rtl="0">
               <a:spcBef>
                 <a:spcPts val="0"/>
               </a:spcBef>
@@ -10400,7 +11599,7 @@
           </a:bodyPr>
           <a:lstStyle/>
           <a:p>
-            <a:pPr indent="0" lvl="0" marL="0">
+            <a:pPr indent="0" lvl="0" marL="0" rtl="0">
               <a:spcBef>
                 <a:spcPts val="0"/>
               </a:spcBef>
@@ -10563,7 +11762,7 @@
         <p:txBody>
           <a:bodyPr anchorCtr="0" anchor="t" bIns="91425" lIns="91425" rIns="91425" wrap="square" tIns="91425"/>
           <a:lstStyle>
-            <a:lvl1pPr lvl="0">
+            <a:lvl1pPr lvl="0" rtl="0">
               <a:spcBef>
                 <a:spcPts val="0"/>
               </a:spcBef>
@@ -10571,7 +11770,7 @@
               <a:buNone/>
               <a:defRPr/>
             </a:lvl1pPr>
-            <a:lvl2pPr lvl="1">
+            <a:lvl2pPr lvl="1" rtl="0">
               <a:spcBef>
                 <a:spcPts val="0"/>
               </a:spcBef>
@@ -10579,7 +11778,7 @@
               <a:buNone/>
               <a:defRPr/>
             </a:lvl2pPr>
-            <a:lvl3pPr lvl="2">
+            <a:lvl3pPr lvl="2" rtl="0">
               <a:spcBef>
                 <a:spcPts val="0"/>
               </a:spcBef>
@@ -10587,7 +11786,7 @@
               <a:buNone/>
               <a:defRPr/>
             </a:lvl3pPr>
-            <a:lvl4pPr lvl="3">
+            <a:lvl4pPr lvl="3" rtl="0">
               <a:spcBef>
                 <a:spcPts val="0"/>
               </a:spcBef>
@@ -10595,7 +11794,7 @@
               <a:buNone/>
               <a:defRPr/>
             </a:lvl4pPr>
-            <a:lvl5pPr lvl="4">
+            <a:lvl5pPr lvl="4" rtl="0">
               <a:spcBef>
                 <a:spcPts val="0"/>
               </a:spcBef>
@@ -10603,7 +11802,7 @@
               <a:buNone/>
               <a:defRPr/>
             </a:lvl5pPr>
-            <a:lvl6pPr lvl="5">
+            <a:lvl6pPr lvl="5" rtl="0">
               <a:spcBef>
                 <a:spcPts val="0"/>
               </a:spcBef>
@@ -10611,7 +11810,7 @@
               <a:buNone/>
               <a:defRPr/>
             </a:lvl6pPr>
-            <a:lvl7pPr lvl="6">
+            <a:lvl7pPr lvl="6" rtl="0">
               <a:spcBef>
                 <a:spcPts val="0"/>
               </a:spcBef>
@@ -10619,7 +11818,7 @@
               <a:buNone/>
               <a:defRPr/>
             </a:lvl7pPr>
-            <a:lvl8pPr lvl="7">
+            <a:lvl8pPr lvl="7" rtl="0">
               <a:spcBef>
                 <a:spcPts val="0"/>
               </a:spcBef>
@@ -10627,7 +11826,7 @@
               <a:buNone/>
               <a:defRPr/>
             </a:lvl8pPr>
-            <a:lvl9pPr lvl="8">
+            <a:lvl9pPr lvl="8" rtl="0">
               <a:spcBef>
                 <a:spcPts val="0"/>
               </a:spcBef>
@@ -10662,7 +11861,7 @@
           </a:bodyPr>
           <a:lstStyle/>
           <a:p>
-            <a:pPr indent="0" lvl="0" marL="0">
+            <a:pPr indent="0" lvl="0" marL="0" rtl="0">
               <a:spcBef>
                 <a:spcPts val="0"/>
               </a:spcBef>
@@ -10825,7 +12024,7 @@
         <p:txBody>
           <a:bodyPr anchorCtr="0" anchor="t" bIns="91425" lIns="91425" rIns="91425" wrap="square" tIns="91425"/>
           <a:lstStyle>
-            <a:lvl1pPr lvl="0">
+            <a:lvl1pPr lvl="0" rtl="0">
               <a:spcBef>
                 <a:spcPts val="0"/>
               </a:spcBef>
@@ -10833,7 +12032,7 @@
               <a:buNone/>
               <a:defRPr/>
             </a:lvl1pPr>
-            <a:lvl2pPr lvl="1">
+            <a:lvl2pPr lvl="1" rtl="0">
               <a:spcBef>
                 <a:spcPts val="0"/>
               </a:spcBef>
@@ -10841,7 +12040,7 @@
               <a:buNone/>
               <a:defRPr/>
             </a:lvl2pPr>
-            <a:lvl3pPr lvl="2">
+            <a:lvl3pPr lvl="2" rtl="0">
               <a:spcBef>
                 <a:spcPts val="0"/>
               </a:spcBef>
@@ -10849,7 +12048,7 @@
               <a:buNone/>
               <a:defRPr/>
             </a:lvl3pPr>
-            <a:lvl4pPr lvl="3">
+            <a:lvl4pPr lvl="3" rtl="0">
               <a:spcBef>
                 <a:spcPts val="0"/>
               </a:spcBef>
@@ -10857,7 +12056,7 @@
               <a:buNone/>
               <a:defRPr/>
             </a:lvl4pPr>
-            <a:lvl5pPr lvl="4">
+            <a:lvl5pPr lvl="4" rtl="0">
               <a:spcBef>
                 <a:spcPts val="0"/>
               </a:spcBef>
@@ -10865,7 +12064,7 @@
               <a:buNone/>
               <a:defRPr/>
             </a:lvl5pPr>
-            <a:lvl6pPr lvl="5">
+            <a:lvl6pPr lvl="5" rtl="0">
               <a:spcBef>
                 <a:spcPts val="0"/>
               </a:spcBef>
@@ -10873,7 +12072,7 @@
               <a:buNone/>
               <a:defRPr/>
             </a:lvl6pPr>
-            <a:lvl7pPr lvl="6">
+            <a:lvl7pPr lvl="6" rtl="0">
               <a:spcBef>
                 <a:spcPts val="0"/>
               </a:spcBef>
@@ -10881,7 +12080,7 @@
               <a:buNone/>
               <a:defRPr/>
             </a:lvl7pPr>
-            <a:lvl8pPr lvl="7">
+            <a:lvl8pPr lvl="7" rtl="0">
               <a:spcBef>
                 <a:spcPts val="0"/>
               </a:spcBef>
@@ -10889,7 +12088,7 @@
               <a:buNone/>
               <a:defRPr/>
             </a:lvl8pPr>
-            <a:lvl9pPr lvl="8">
+            <a:lvl9pPr lvl="8" rtl="0">
               <a:spcBef>
                 <a:spcPts val="0"/>
               </a:spcBef>
@@ -10921,7 +12120,7 @@
         <p:txBody>
           <a:bodyPr anchorCtr="0" anchor="t" bIns="91425" lIns="91425" rIns="91425" wrap="square" tIns="91425"/>
           <a:lstStyle>
-            <a:lvl1pPr lvl="0">
+            <a:lvl1pPr lvl="0" rtl="0">
               <a:spcBef>
                 <a:spcPts val="0"/>
               </a:spcBef>
@@ -10929,7 +12128,7 @@
               <a:buChar char="●"/>
               <a:defRPr/>
             </a:lvl1pPr>
-            <a:lvl2pPr lvl="1">
+            <a:lvl2pPr lvl="1" rtl="0">
               <a:spcBef>
                 <a:spcPts val="0"/>
               </a:spcBef>
@@ -10937,7 +12136,7 @@
               <a:buChar char="○"/>
               <a:defRPr/>
             </a:lvl2pPr>
-            <a:lvl3pPr lvl="2">
+            <a:lvl3pPr lvl="2" rtl="0">
               <a:spcBef>
                 <a:spcPts val="0"/>
               </a:spcBef>
@@ -10945,7 +12144,7 @@
               <a:buChar char="■"/>
               <a:defRPr/>
             </a:lvl3pPr>
-            <a:lvl4pPr lvl="3">
+            <a:lvl4pPr lvl="3" rtl="0">
               <a:spcBef>
                 <a:spcPts val="0"/>
               </a:spcBef>
@@ -10953,7 +12152,7 @@
               <a:buChar char="●"/>
               <a:defRPr/>
             </a:lvl4pPr>
-            <a:lvl5pPr lvl="4">
+            <a:lvl5pPr lvl="4" rtl="0">
               <a:spcBef>
                 <a:spcPts val="0"/>
               </a:spcBef>
@@ -10961,7 +12160,7 @@
               <a:buChar char="○"/>
               <a:defRPr/>
             </a:lvl5pPr>
-            <a:lvl6pPr lvl="5">
+            <a:lvl6pPr lvl="5" rtl="0">
               <a:spcBef>
                 <a:spcPts val="0"/>
               </a:spcBef>
@@ -10969,7 +12168,7 @@
               <a:buChar char="■"/>
               <a:defRPr/>
             </a:lvl6pPr>
-            <a:lvl7pPr lvl="6">
+            <a:lvl7pPr lvl="6" rtl="0">
               <a:spcBef>
                 <a:spcPts val="0"/>
               </a:spcBef>
@@ -10977,7 +12176,7 @@
               <a:buChar char="●"/>
               <a:defRPr/>
             </a:lvl7pPr>
-            <a:lvl8pPr lvl="7">
+            <a:lvl8pPr lvl="7" rtl="0">
               <a:spcBef>
                 <a:spcPts val="0"/>
               </a:spcBef>
@@ -10985,7 +12184,7 @@
               <a:buChar char="○"/>
               <a:defRPr/>
             </a:lvl8pPr>
-            <a:lvl9pPr lvl="8">
+            <a:lvl9pPr lvl="8" rtl="0">
               <a:spcBef>
                 <a:spcPts val="0"/>
               </a:spcBef>
@@ -11020,7 +12219,7 @@
           </a:bodyPr>
           <a:lstStyle/>
           <a:p>
-            <a:pPr indent="0" lvl="0" marL="0">
+            <a:pPr indent="0" lvl="0" marL="0" rtl="0">
               <a:spcBef>
                 <a:spcPts val="0"/>
               </a:spcBef>
@@ -11490,7 +12689,7 @@
         <p:txBody>
           <a:bodyPr anchorCtr="0" anchor="ctr" bIns="91425" lIns="91425" rIns="91425" wrap="square" tIns="91425"/>
           <a:lstStyle>
-            <a:lvl1pPr lvl="0">
+            <a:lvl1pPr lvl="0" rtl="0">
               <a:spcBef>
                 <a:spcPts val="0"/>
               </a:spcBef>
@@ -11505,7 +12704,7 @@
                 </a:solidFill>
               </a:defRPr>
             </a:lvl1pPr>
-            <a:lvl2pPr lvl="1">
+            <a:lvl2pPr lvl="1" rtl="0">
               <a:spcBef>
                 <a:spcPts val="0"/>
               </a:spcBef>
@@ -11520,7 +12719,7 @@
                 </a:solidFill>
               </a:defRPr>
             </a:lvl2pPr>
-            <a:lvl3pPr lvl="2">
+            <a:lvl3pPr lvl="2" rtl="0">
               <a:spcBef>
                 <a:spcPts val="0"/>
               </a:spcBef>
@@ -11535,7 +12734,7 @@
                 </a:solidFill>
               </a:defRPr>
             </a:lvl3pPr>
-            <a:lvl4pPr lvl="3">
+            <a:lvl4pPr lvl="3" rtl="0">
               <a:spcBef>
                 <a:spcPts val="0"/>
               </a:spcBef>
@@ -11550,7 +12749,7 @@
                 </a:solidFill>
               </a:defRPr>
             </a:lvl4pPr>
-            <a:lvl5pPr lvl="4">
+            <a:lvl5pPr lvl="4" rtl="0">
               <a:spcBef>
                 <a:spcPts val="0"/>
               </a:spcBef>
@@ -11565,7 +12764,7 @@
                 </a:solidFill>
               </a:defRPr>
             </a:lvl5pPr>
-            <a:lvl6pPr lvl="5">
+            <a:lvl6pPr lvl="5" rtl="0">
               <a:spcBef>
                 <a:spcPts val="0"/>
               </a:spcBef>
@@ -11580,7 +12779,7 @@
                 </a:solidFill>
               </a:defRPr>
             </a:lvl6pPr>
-            <a:lvl7pPr lvl="6">
+            <a:lvl7pPr lvl="6" rtl="0">
               <a:spcBef>
                 <a:spcPts val="0"/>
               </a:spcBef>
@@ -11595,7 +12794,7 @@
                 </a:solidFill>
               </a:defRPr>
             </a:lvl7pPr>
-            <a:lvl8pPr lvl="7">
+            <a:lvl8pPr lvl="7" rtl="0">
               <a:spcBef>
                 <a:spcPts val="0"/>
               </a:spcBef>
@@ -11610,7 +12809,7 @@
                 </a:solidFill>
               </a:defRPr>
             </a:lvl8pPr>
-            <a:lvl9pPr lvl="8">
+            <a:lvl9pPr lvl="8" rtl="0">
               <a:spcBef>
                 <a:spcPts val="0"/>
               </a:spcBef>
@@ -11652,7 +12851,7 @@
           </a:bodyPr>
           <a:lstStyle/>
           <a:p>
-            <a:pPr indent="0" lvl="0" marL="0">
+            <a:pPr indent="0" lvl="0" marL="0" rtl="0">
               <a:spcBef>
                 <a:spcPts val="0"/>
               </a:spcBef>
@@ -11828,7 +13027,7 @@
         <p:txBody>
           <a:bodyPr anchorCtr="0" anchor="t" bIns="91425" lIns="91425" rIns="91425" wrap="square" tIns="91425"/>
           <a:lstStyle>
-            <a:lvl1pPr lvl="0">
+            <a:lvl1pPr lvl="0" rtl="0">
               <a:spcBef>
                 <a:spcPts val="0"/>
               </a:spcBef>
@@ -11836,7 +13035,7 @@
               <a:buNone/>
               <a:defRPr/>
             </a:lvl1pPr>
-            <a:lvl2pPr lvl="1">
+            <a:lvl2pPr lvl="1" rtl="0">
               <a:spcBef>
                 <a:spcPts val="0"/>
               </a:spcBef>
@@ -11844,7 +13043,7 @@
               <a:buNone/>
               <a:defRPr/>
             </a:lvl2pPr>
-            <a:lvl3pPr lvl="2">
+            <a:lvl3pPr lvl="2" rtl="0">
               <a:spcBef>
                 <a:spcPts val="0"/>
               </a:spcBef>
@@ -11852,7 +13051,7 @@
               <a:buNone/>
               <a:defRPr/>
             </a:lvl3pPr>
-            <a:lvl4pPr lvl="3">
+            <a:lvl4pPr lvl="3" rtl="0">
               <a:spcBef>
                 <a:spcPts val="0"/>
               </a:spcBef>
@@ -11860,7 +13059,7 @@
               <a:buNone/>
               <a:defRPr/>
             </a:lvl4pPr>
-            <a:lvl5pPr lvl="4">
+            <a:lvl5pPr lvl="4" rtl="0">
               <a:spcBef>
                 <a:spcPts val="0"/>
               </a:spcBef>
@@ -11868,7 +13067,7 @@
               <a:buNone/>
               <a:defRPr/>
             </a:lvl5pPr>
-            <a:lvl6pPr lvl="5">
+            <a:lvl6pPr lvl="5" rtl="0">
               <a:spcBef>
                 <a:spcPts val="0"/>
               </a:spcBef>
@@ -11876,7 +13075,7 @@
               <a:buNone/>
               <a:defRPr/>
             </a:lvl6pPr>
-            <a:lvl7pPr lvl="6">
+            <a:lvl7pPr lvl="6" rtl="0">
               <a:spcBef>
                 <a:spcPts val="0"/>
               </a:spcBef>
@@ -11884,7 +13083,7 @@
               <a:buNone/>
               <a:defRPr/>
             </a:lvl7pPr>
-            <a:lvl8pPr lvl="7">
+            <a:lvl8pPr lvl="7" rtl="0">
               <a:spcBef>
                 <a:spcPts val="0"/>
               </a:spcBef>
@@ -11892,7 +13091,7 @@
               <a:buNone/>
               <a:defRPr/>
             </a:lvl8pPr>
-            <a:lvl9pPr lvl="8">
+            <a:lvl9pPr lvl="8" rtl="0">
               <a:spcBef>
                 <a:spcPts val="0"/>
               </a:spcBef>
@@ -11933,7 +13132,7 @@
         <p:txBody>
           <a:bodyPr anchorCtr="0" anchor="t" bIns="91425" lIns="91425" rIns="91425" wrap="square" tIns="91425"/>
           <a:lstStyle>
-            <a:lvl1pPr lvl="0">
+            <a:lvl1pPr lvl="0" rtl="0">
               <a:lnSpc>
                 <a:spcPct val="100000"/>
               </a:lnSpc>
@@ -11947,7 +13146,7 @@
               <a:buNone/>
               <a:defRPr sz="1600"/>
             </a:lvl1pPr>
-            <a:lvl2pPr lvl="1">
+            <a:lvl2pPr lvl="1" rtl="0">
               <a:lnSpc>
                 <a:spcPct val="100000"/>
               </a:lnSpc>
@@ -11961,7 +13160,7 @@
               <a:buNone/>
               <a:defRPr sz="1600"/>
             </a:lvl2pPr>
-            <a:lvl3pPr lvl="2">
+            <a:lvl3pPr lvl="2" rtl="0">
               <a:lnSpc>
                 <a:spcPct val="100000"/>
               </a:lnSpc>
@@ -11975,7 +13174,7 @@
               <a:buNone/>
               <a:defRPr sz="1600"/>
             </a:lvl3pPr>
-            <a:lvl4pPr lvl="3">
+            <a:lvl4pPr lvl="3" rtl="0">
               <a:lnSpc>
                 <a:spcPct val="100000"/>
               </a:lnSpc>
@@ -11989,7 +13188,7 @@
               <a:buNone/>
               <a:defRPr sz="1600"/>
             </a:lvl4pPr>
-            <a:lvl5pPr lvl="4">
+            <a:lvl5pPr lvl="4" rtl="0">
               <a:lnSpc>
                 <a:spcPct val="100000"/>
               </a:lnSpc>
@@ -12003,7 +13202,7 @@
               <a:buNone/>
               <a:defRPr sz="1600"/>
             </a:lvl5pPr>
-            <a:lvl6pPr lvl="5">
+            <a:lvl6pPr lvl="5" rtl="0">
               <a:lnSpc>
                 <a:spcPct val="100000"/>
               </a:lnSpc>
@@ -12017,7 +13216,7 @@
               <a:buNone/>
               <a:defRPr sz="1600"/>
             </a:lvl6pPr>
-            <a:lvl7pPr lvl="6">
+            <a:lvl7pPr lvl="6" rtl="0">
               <a:lnSpc>
                 <a:spcPct val="100000"/>
               </a:lnSpc>
@@ -12031,7 +13230,7 @@
               <a:buNone/>
               <a:defRPr sz="1600"/>
             </a:lvl7pPr>
-            <a:lvl8pPr lvl="7">
+            <a:lvl8pPr lvl="7" rtl="0">
               <a:lnSpc>
                 <a:spcPct val="100000"/>
               </a:lnSpc>
@@ -12045,7 +13244,7 @@
               <a:buNone/>
               <a:defRPr sz="1600"/>
             </a:lvl8pPr>
-            <a:lvl9pPr lvl="8">
+            <a:lvl9pPr lvl="8" rtl="0">
               <a:lnSpc>
                 <a:spcPct val="100000"/>
               </a:lnSpc>
@@ -12092,7 +13291,7 @@
         <p:txBody>
           <a:bodyPr anchorCtr="0" anchor="t" bIns="91425" lIns="91425" rIns="91425" wrap="square" tIns="91425"/>
           <a:lstStyle>
-            <a:lvl1pPr lvl="0">
+            <a:lvl1pPr lvl="0" rtl="0">
               <a:spcBef>
                 <a:spcPts val="0"/>
               </a:spcBef>
@@ -12100,7 +13299,7 @@
               <a:buChar char="●"/>
               <a:defRPr/>
             </a:lvl1pPr>
-            <a:lvl2pPr lvl="1">
+            <a:lvl2pPr lvl="1" rtl="0">
               <a:spcBef>
                 <a:spcPts val="0"/>
               </a:spcBef>
@@ -12108,7 +13307,7 @@
               <a:buChar char="○"/>
               <a:defRPr/>
             </a:lvl2pPr>
-            <a:lvl3pPr lvl="2">
+            <a:lvl3pPr lvl="2" rtl="0">
               <a:spcBef>
                 <a:spcPts val="0"/>
               </a:spcBef>
@@ -12116,7 +13315,7 @@
               <a:buChar char="■"/>
               <a:defRPr/>
             </a:lvl3pPr>
-            <a:lvl4pPr lvl="3">
+            <a:lvl4pPr lvl="3" rtl="0">
               <a:spcBef>
                 <a:spcPts val="0"/>
               </a:spcBef>
@@ -12124,7 +13323,7 @@
               <a:buChar char="●"/>
               <a:defRPr/>
             </a:lvl4pPr>
-            <a:lvl5pPr lvl="4">
+            <a:lvl5pPr lvl="4" rtl="0">
               <a:spcBef>
                 <a:spcPts val="0"/>
               </a:spcBef>
@@ -12132,7 +13331,7 @@
               <a:buChar char="○"/>
               <a:defRPr/>
             </a:lvl5pPr>
-            <a:lvl6pPr lvl="5">
+            <a:lvl6pPr lvl="5" rtl="0">
               <a:spcBef>
                 <a:spcPts val="0"/>
               </a:spcBef>
@@ -12140,7 +13339,7 @@
               <a:buChar char="■"/>
               <a:defRPr/>
             </a:lvl6pPr>
-            <a:lvl7pPr lvl="6">
+            <a:lvl7pPr lvl="6" rtl="0">
               <a:spcBef>
                 <a:spcPts val="0"/>
               </a:spcBef>
@@ -12148,7 +13347,7 @@
               <a:buChar char="●"/>
               <a:defRPr/>
             </a:lvl7pPr>
-            <a:lvl8pPr lvl="7">
+            <a:lvl8pPr lvl="7" rtl="0">
               <a:spcBef>
                 <a:spcPts val="0"/>
               </a:spcBef>
@@ -12156,7 +13355,7 @@
               <a:buChar char="○"/>
               <a:defRPr/>
             </a:lvl8pPr>
-            <a:lvl9pPr lvl="8">
+            <a:lvl9pPr lvl="8" rtl="0">
               <a:spcBef>
                 <a:spcPts val="0"/>
               </a:spcBef>
@@ -12191,7 +13390,7 @@
           </a:bodyPr>
           <a:lstStyle/>
           <a:p>
-            <a:pPr indent="0" lvl="0" marL="0">
+            <a:pPr indent="0" lvl="0" marL="0" rtl="0">
               <a:spcBef>
                 <a:spcPts val="0"/>
               </a:spcBef>
@@ -12354,7 +13553,7 @@
         <p:txBody>
           <a:bodyPr anchorCtr="0" anchor="t" bIns="91425" lIns="91425" rIns="91425" wrap="square" tIns="91425"/>
           <a:lstStyle>
-            <a:lvl1pPr lvl="0">
+            <a:lvl1pPr lvl="0" rtl="0">
               <a:lnSpc>
                 <a:spcPct val="100000"/>
               </a:lnSpc>
@@ -12395,7 +13594,7 @@
           </a:bodyPr>
           <a:lstStyle/>
           <a:p>
-            <a:pPr indent="0" lvl="0" marL="0">
+            <a:pPr indent="0" lvl="0" marL="0" rtl="0">
               <a:spcBef>
                 <a:spcPts val="0"/>
               </a:spcBef>
@@ -12464,7 +13663,7 @@
         <p:txBody>
           <a:bodyPr anchorCtr="0" anchor="t" bIns="91425" lIns="91425" rIns="91425" wrap="square" tIns="91425"/>
           <a:lstStyle>
-            <a:lvl1pPr lvl="0">
+            <a:lvl1pPr lvl="0" rtl="0">
               <a:spcBef>
                 <a:spcPts val="0"/>
               </a:spcBef>
@@ -12484,7 +13683,7 @@
                 <a:sym typeface="Maven Pro"/>
               </a:defRPr>
             </a:lvl1pPr>
-            <a:lvl2pPr lvl="1">
+            <a:lvl2pPr lvl="1" rtl="0">
               <a:spcBef>
                 <a:spcPts val="0"/>
               </a:spcBef>
@@ -12504,7 +13703,7 @@
                 <a:sym typeface="Maven Pro"/>
               </a:defRPr>
             </a:lvl2pPr>
-            <a:lvl3pPr lvl="2">
+            <a:lvl3pPr lvl="2" rtl="0">
               <a:spcBef>
                 <a:spcPts val="0"/>
               </a:spcBef>
@@ -12524,7 +13723,7 @@
                 <a:sym typeface="Maven Pro"/>
               </a:defRPr>
             </a:lvl3pPr>
-            <a:lvl4pPr lvl="3">
+            <a:lvl4pPr lvl="3" rtl="0">
               <a:spcBef>
                 <a:spcPts val="0"/>
               </a:spcBef>
@@ -12544,7 +13743,7 @@
                 <a:sym typeface="Maven Pro"/>
               </a:defRPr>
             </a:lvl4pPr>
-            <a:lvl5pPr lvl="4">
+            <a:lvl5pPr lvl="4" rtl="0">
               <a:spcBef>
                 <a:spcPts val="0"/>
               </a:spcBef>
@@ -12564,7 +13763,7 @@
                 <a:sym typeface="Maven Pro"/>
               </a:defRPr>
             </a:lvl5pPr>
-            <a:lvl6pPr lvl="5">
+            <a:lvl6pPr lvl="5" rtl="0">
               <a:spcBef>
                 <a:spcPts val="0"/>
               </a:spcBef>
@@ -12584,7 +13783,7 @@
                 <a:sym typeface="Maven Pro"/>
               </a:defRPr>
             </a:lvl6pPr>
-            <a:lvl7pPr lvl="6">
+            <a:lvl7pPr lvl="6" rtl="0">
               <a:spcBef>
                 <a:spcPts val="0"/>
               </a:spcBef>
@@ -12604,7 +13803,7 @@
                 <a:sym typeface="Maven Pro"/>
               </a:defRPr>
             </a:lvl7pPr>
-            <a:lvl8pPr lvl="7">
+            <a:lvl8pPr lvl="7" rtl="0">
               <a:spcBef>
                 <a:spcPts val="0"/>
               </a:spcBef>
@@ -12624,7 +13823,7 @@
                 <a:sym typeface="Maven Pro"/>
               </a:defRPr>
             </a:lvl8pPr>
-            <a:lvl9pPr lvl="8">
+            <a:lvl9pPr lvl="8" rtl="0">
               <a:spcBef>
                 <a:spcPts val="0"/>
               </a:spcBef>
@@ -12672,7 +13871,7 @@
         <p:txBody>
           <a:bodyPr anchorCtr="0" anchor="t" bIns="91425" lIns="91425" rIns="91425" wrap="square" tIns="91425"/>
           <a:lstStyle>
-            <a:lvl1pPr lvl="0">
+            <a:lvl1pPr lvl="0" rtl="0">
               <a:lnSpc>
                 <a:spcPct val="115000"/>
               </a:lnSpc>
@@ -12698,7 +13897,7 @@
                 <a:sym typeface="Nunito"/>
               </a:defRPr>
             </a:lvl1pPr>
-            <a:lvl2pPr lvl="1">
+            <a:lvl2pPr lvl="1" rtl="0">
               <a:lnSpc>
                 <a:spcPct val="115000"/>
               </a:lnSpc>
@@ -12724,7 +13923,7 @@
                 <a:sym typeface="Nunito"/>
               </a:defRPr>
             </a:lvl2pPr>
-            <a:lvl3pPr lvl="2">
+            <a:lvl3pPr lvl="2" rtl="0">
               <a:lnSpc>
                 <a:spcPct val="115000"/>
               </a:lnSpc>
@@ -12750,7 +13949,7 @@
                 <a:sym typeface="Nunito"/>
               </a:defRPr>
             </a:lvl3pPr>
-            <a:lvl4pPr lvl="3">
+            <a:lvl4pPr lvl="3" rtl="0">
               <a:lnSpc>
                 <a:spcPct val="115000"/>
               </a:lnSpc>
@@ -12776,7 +13975,7 @@
                 <a:sym typeface="Nunito"/>
               </a:defRPr>
             </a:lvl4pPr>
-            <a:lvl5pPr lvl="4">
+            <a:lvl5pPr lvl="4" rtl="0">
               <a:lnSpc>
                 <a:spcPct val="115000"/>
               </a:lnSpc>
@@ -12802,7 +14001,7 @@
                 <a:sym typeface="Nunito"/>
               </a:defRPr>
             </a:lvl5pPr>
-            <a:lvl6pPr lvl="5">
+            <a:lvl6pPr lvl="5" rtl="0">
               <a:lnSpc>
                 <a:spcPct val="115000"/>
               </a:lnSpc>
@@ -12828,7 +14027,7 @@
                 <a:sym typeface="Nunito"/>
               </a:defRPr>
             </a:lvl6pPr>
-            <a:lvl7pPr lvl="6">
+            <a:lvl7pPr lvl="6" rtl="0">
               <a:lnSpc>
                 <a:spcPct val="115000"/>
               </a:lnSpc>
@@ -12854,7 +14053,7 @@
                 <a:sym typeface="Nunito"/>
               </a:defRPr>
             </a:lvl7pPr>
-            <a:lvl8pPr lvl="7">
+            <a:lvl8pPr lvl="7" rtl="0">
               <a:lnSpc>
                 <a:spcPct val="115000"/>
               </a:lnSpc>
@@ -12880,7 +14079,7 @@
                 <a:sym typeface="Nunito"/>
               </a:defRPr>
             </a:lvl8pPr>
-            <a:lvl9pPr lvl="8">
+            <a:lvl9pPr lvl="8" rtl="0">
               <a:lnSpc>
                 <a:spcPct val="115000"/>
               </a:lnSpc>
@@ -12937,7 +14136,7 @@
           </a:bodyPr>
           <a:lstStyle/>
           <a:p>
-            <a:pPr indent="0" lvl="0" marL="0" algn="r">
+            <a:pPr indent="0" lvl="0" marL="0" rtl="0" algn="r">
               <a:spcBef>
                 <a:spcPts val="0"/>
               </a:spcBef>
@@ -13445,8 +14644,8 @@
         </p:nvSpPr>
         <p:spPr>
           <a:xfrm>
-            <a:off x="824000" y="1613813"/>
-            <a:ext cx="4255500" cy="1872900"/>
+            <a:off x="176150" y="0"/>
+            <a:ext cx="4864200" cy="1965300"/>
           </a:xfrm>
           <a:prstGeom prst="rect">
             <a:avLst/>
@@ -13466,7 +14665,7 @@
             </a:pPr>
             <a:r>
               <a:rPr lang="en"/>
-              <a:t>Letter Data Mining</a:t>
+              <a:t>Letter Data Mining     The A Team</a:t>
             </a:r>
           </a:p>
         </p:txBody>
@@ -13481,7 +14680,7 @@
         </p:nvSpPr>
         <p:spPr>
           <a:xfrm>
-            <a:off x="824000" y="3596300"/>
+            <a:off x="246150" y="1596350"/>
             <a:ext cx="4255500" cy="695400"/>
           </a:xfrm>
           <a:prstGeom prst="rect">
@@ -13501,12 +14700,40 @@
               <a:buNone/>
             </a:pPr>
             <a:r>
-              <a:t/>
+              <a:rPr lang="en" sz="2000"/>
+              <a:t>Evan, Serena, Logan, Zach</a:t>
             </a:r>
-            <a:endParaRPr/>
           </a:p>
         </p:txBody>
       </p:sp>
+      <p:pic>
+        <p:nvPicPr>
+          <p:cNvPr id="279" name="Shape 279"/>
+          <p:cNvPicPr preferRelativeResize="0"/>
+          <p:nvPr/>
+        </p:nvPicPr>
+        <p:blipFill>
+          <a:blip r:embed="rId3">
+            <a:alphaModFix/>
+          </a:blip>
+          <a:stretch>
+            <a:fillRect/>
+          </a:stretch>
+        </p:blipFill>
+        <p:spPr>
+          <a:xfrm>
+            <a:off x="246150" y="2137875"/>
+            <a:ext cx="3394725" cy="3005626"/>
+          </a:xfrm>
+          <a:prstGeom prst="rect">
+            <a:avLst/>
+          </a:prstGeom>
+          <a:noFill/>
+          <a:ln>
+            <a:noFill/>
+          </a:ln>
+        </p:spPr>
+      </p:pic>
     </p:spTree>
   </p:cSld>
   <p:clrMapOvr>
@@ -13515,12 +14742,12 @@
 </p:sld>
 </file>
 
-<file path=ppt/slides/slide2.xml><?xml version="1.0" encoding="utf-8"?>
+<file path=ppt/slides/slide10.xml><?xml version="1.0" encoding="utf-8"?>
 <p:sld xmlns:a="http://schemas.openxmlformats.org/drawingml/2006/main" xmlns:r="http://schemas.openxmlformats.org/officeDocument/2006/relationships" xmlns:mc="http://schemas.openxmlformats.org/markup-compatibility/2006" xmlns:mv="urn:schemas-microsoft-com:mac:vml" xmlns:p="http://schemas.openxmlformats.org/presentationml/2006/main" xmlns:c="http://schemas.openxmlformats.org/drawingml/2006/chart" xmlns:dgm="http://schemas.openxmlformats.org/drawingml/2006/diagram" xmlns:o="urn:schemas-microsoft-com:office:office" xmlns:v="urn:schemas-microsoft-com:vml" xmlns:pvml="urn:schemas-microsoft-com:office:powerpoint" xmlns:com="http://schemas.openxmlformats.org/drawingml/2006/compatibility" xmlns:p14="http://schemas.microsoft.com/office/powerpoint/2010/main" xmlns:p15="http://schemas.microsoft.com/office/powerpoint/2012/main">
   <p:cSld>
     <p:spTree>
       <p:nvGrpSpPr>
-        <p:cNvPr id="282" name="Shape 282"/>
+        <p:cNvPr id="335" name="Shape 335"/>
         <p:cNvGrpSpPr/>
         <p:nvPr/>
       </p:nvGrpSpPr>
@@ -13534,7 +14761,7 @@
       </p:grpSpPr>
       <p:sp>
         <p:nvSpPr>
-          <p:cNvPr id="283" name="Shape 283"/>
+          <p:cNvPr id="336" name="Shape 336"/>
           <p:cNvSpPr txBox="1"/>
           <p:nvPr>
             <p:ph type="title"/>
@@ -13563,14 +14790,212 @@
             </a:pPr>
             <a:r>
               <a:rPr lang="en"/>
-              <a:t>Pre Processing Data</a:t>
+              <a:t>Feature Characteristics</a:t>
             </a:r>
           </a:p>
         </p:txBody>
       </p:sp>
       <p:sp>
         <p:nvSpPr>
-          <p:cNvPr id="284" name="Shape 284"/>
+          <p:cNvPr id="337" name="Shape 337"/>
+          <p:cNvSpPr txBox="1"/>
+          <p:nvPr>
+            <p:ph idx="1" type="body"/>
+          </p:nvPr>
+        </p:nvSpPr>
+        <p:spPr>
+          <a:xfrm>
+            <a:off x="176675" y="1734850"/>
+            <a:ext cx="5398500" cy="3269400"/>
+          </a:xfrm>
+          <a:prstGeom prst="rect">
+            <a:avLst/>
+          </a:prstGeom>
+        </p:spPr>
+        <p:txBody>
+          <a:bodyPr anchorCtr="0" anchor="t" bIns="91425" lIns="91425" rIns="91425" wrap="square" tIns="91425">
+            <a:noAutofit/>
+          </a:bodyPr>
+          <a:lstStyle/>
+          <a:p>
+            <a:pPr indent="-342900" lvl="0" marL="457200" rtl="0">
+              <a:spcBef>
+                <a:spcPts val="0"/>
+              </a:spcBef>
+              <a:spcAft>
+                <a:spcPts val="1000"/>
+              </a:spcAft>
+              <a:buClr>
+                <a:srgbClr val="000000"/>
+              </a:buClr>
+              <a:buSzPts val="1800"/>
+              <a:buChar char="●"/>
+            </a:pPr>
+            <a:r>
+              <a:rPr lang="en" sz="1800">
+                <a:solidFill>
+                  <a:srgbClr val="000000"/>
+                </a:solidFill>
+              </a:rPr>
+              <a:t>The most important feature is xedge which tells the user the </a:t>
+            </a:r>
+            <a:r>
+              <a:rPr lang="en" sz="1800">
+                <a:solidFill>
+                  <a:srgbClr val="000000"/>
+                </a:solidFill>
+              </a:rPr>
+              <a:t>horizontal</a:t>
+            </a:r>
+            <a:r>
+              <a:rPr lang="en" sz="1800">
+                <a:solidFill>
+                  <a:srgbClr val="000000"/>
+                </a:solidFill>
+              </a:rPr>
+              <a:t> length in pixels </a:t>
+            </a:r>
+          </a:p>
+          <a:p>
+            <a:pPr indent="-342900" lvl="0" marL="457200">
+              <a:spcBef>
+                <a:spcPts val="0"/>
+              </a:spcBef>
+              <a:spcAft>
+                <a:spcPts val="1000"/>
+              </a:spcAft>
+              <a:buClr>
+                <a:srgbClr val="000000"/>
+              </a:buClr>
+              <a:buSzPts val="1800"/>
+              <a:buChar char="●"/>
+            </a:pPr>
+            <a:r>
+              <a:rPr lang="en" sz="1800">
+                <a:solidFill>
+                  <a:srgbClr val="000000"/>
+                </a:solidFill>
+              </a:rPr>
+              <a:t>Very similar to the yedge that tells the user the vertical length in pixels</a:t>
+            </a:r>
+          </a:p>
+          <a:p>
+            <a:pPr indent="-342900" lvl="0" marL="457200">
+              <a:spcBef>
+                <a:spcPts val="0"/>
+              </a:spcBef>
+              <a:spcAft>
+                <a:spcPts val="1000"/>
+              </a:spcAft>
+              <a:buClr>
+                <a:srgbClr val="000000"/>
+              </a:buClr>
+              <a:buSzPts val="1800"/>
+              <a:buChar char="●"/>
+            </a:pPr>
+            <a:r>
+              <a:rPr lang="en" sz="1800">
+                <a:solidFill>
+                  <a:srgbClr val="000000"/>
+                </a:solidFill>
+              </a:rPr>
+              <a:t>These are the most important features as they are the most defining characteristics of a letter</a:t>
+            </a:r>
+          </a:p>
+        </p:txBody>
+      </p:sp>
+      <p:pic>
+        <p:nvPicPr>
+          <p:cNvPr id="338" name="Shape 338"/>
+          <p:cNvPicPr preferRelativeResize="0"/>
+          <p:nvPr/>
+        </p:nvPicPr>
+        <p:blipFill>
+          <a:blip r:embed="rId3">
+            <a:alphaModFix/>
+          </a:blip>
+          <a:stretch>
+            <a:fillRect/>
+          </a:stretch>
+        </p:blipFill>
+        <p:spPr>
+          <a:xfrm>
+            <a:off x="5622725" y="0"/>
+            <a:ext cx="3521275" cy="5143500"/>
+          </a:xfrm>
+          <a:prstGeom prst="rect">
+            <a:avLst/>
+          </a:prstGeom>
+          <a:noFill/>
+          <a:ln>
+            <a:noFill/>
+          </a:ln>
+        </p:spPr>
+      </p:pic>
+    </p:spTree>
+  </p:cSld>
+  <p:clrMapOvr>
+    <a:masterClrMapping/>
+  </p:clrMapOvr>
+</p:sld>
+</file>
+
+<file path=ppt/slides/slide11.xml><?xml version="1.0" encoding="utf-8"?>
+<p:sld xmlns:a="http://schemas.openxmlformats.org/drawingml/2006/main" xmlns:r="http://schemas.openxmlformats.org/officeDocument/2006/relationships" xmlns:mc="http://schemas.openxmlformats.org/markup-compatibility/2006" xmlns:mv="urn:schemas-microsoft-com:mac:vml" xmlns:p="http://schemas.openxmlformats.org/presentationml/2006/main" xmlns:c="http://schemas.openxmlformats.org/drawingml/2006/chart" xmlns:dgm="http://schemas.openxmlformats.org/drawingml/2006/diagram" xmlns:o="urn:schemas-microsoft-com:office:office" xmlns:v="urn:schemas-microsoft-com:vml" xmlns:pvml="urn:schemas-microsoft-com:office:powerpoint" xmlns:com="http://schemas.openxmlformats.org/drawingml/2006/compatibility" xmlns:p14="http://schemas.microsoft.com/office/powerpoint/2010/main" xmlns:p15="http://schemas.microsoft.com/office/powerpoint/2012/main">
+  <p:cSld>
+    <p:spTree>
+      <p:nvGrpSpPr>
+        <p:cNvPr id="342" name="Shape 342"/>
+        <p:cNvGrpSpPr/>
+        <p:nvPr/>
+      </p:nvGrpSpPr>
+      <p:grpSpPr>
+        <a:xfrm>
+          <a:off x="0" y="0"/>
+          <a:ext cx="0" cy="0"/>
+          <a:chOff x="0" y="0"/>
+          <a:chExt cx="0" cy="0"/>
+        </a:xfrm>
+      </p:grpSpPr>
+      <p:sp>
+        <p:nvSpPr>
+          <p:cNvPr id="343" name="Shape 343"/>
+          <p:cNvSpPr txBox="1"/>
+          <p:nvPr>
+            <p:ph type="title"/>
+          </p:nvPr>
+        </p:nvSpPr>
+        <p:spPr>
+          <a:xfrm>
+            <a:off x="1303800" y="598575"/>
+            <a:ext cx="7030500" cy="999300"/>
+          </a:xfrm>
+          <a:prstGeom prst="rect">
+            <a:avLst/>
+          </a:prstGeom>
+        </p:spPr>
+        <p:txBody>
+          <a:bodyPr anchorCtr="0" anchor="t" bIns="91425" lIns="91425" rIns="91425" wrap="square" tIns="91425">
+            <a:noAutofit/>
+          </a:bodyPr>
+          <a:lstStyle/>
+          <a:p>
+            <a:pPr indent="0" lvl="0" marL="0">
+              <a:spcBef>
+                <a:spcPts val="0"/>
+              </a:spcBef>
+              <a:buNone/>
+            </a:pPr>
+            <a:r>
+              <a:rPr lang="en"/>
+              <a:t>Bokeh Plot of Model Accuracies</a:t>
+            </a:r>
+          </a:p>
+        </p:txBody>
+      </p:sp>
+      <p:sp>
+        <p:nvSpPr>
+          <p:cNvPr id="344" name="Shape 344"/>
           <p:cNvSpPr txBox="1"/>
           <p:nvPr>
             <p:ph idx="1" type="body"/>
@@ -13591,13 +15016,1683 @@
           </a:bodyPr>
           <a:lstStyle/>
           <a:p>
+            <a:pPr indent="0" lvl="0" marL="0">
+              <a:spcBef>
+                <a:spcPts val="0"/>
+              </a:spcBef>
+              <a:buNone/>
+            </a:pPr>
+            <a:r>
+              <a:t/>
+            </a:r>
+            <a:endParaRPr/>
+          </a:p>
+        </p:txBody>
+      </p:sp>
+      <p:pic>
+        <p:nvPicPr>
+          <p:cNvPr id="345" name="Shape 345"/>
+          <p:cNvPicPr preferRelativeResize="0"/>
+          <p:nvPr/>
+        </p:nvPicPr>
+        <p:blipFill>
+          <a:blip r:embed="rId3">
+            <a:alphaModFix/>
+          </a:blip>
+          <a:stretch>
+            <a:fillRect/>
+          </a:stretch>
+        </p:blipFill>
+        <p:spPr>
+          <a:xfrm>
+            <a:off x="1247175" y="1990050"/>
+            <a:ext cx="7143750" cy="2971800"/>
+          </a:xfrm>
+          <a:prstGeom prst="rect">
+            <a:avLst/>
+          </a:prstGeom>
+          <a:noFill/>
+          <a:ln>
+            <a:noFill/>
+          </a:ln>
+        </p:spPr>
+      </p:pic>
+    </p:spTree>
+  </p:cSld>
+  <p:clrMapOvr>
+    <a:masterClrMapping/>
+  </p:clrMapOvr>
+</p:sld>
+</file>
+
+<file path=ppt/slides/slide12.xml><?xml version="1.0" encoding="utf-8"?>
+<p:sld xmlns:a="http://schemas.openxmlformats.org/drawingml/2006/main" xmlns:r="http://schemas.openxmlformats.org/officeDocument/2006/relationships" xmlns:mc="http://schemas.openxmlformats.org/markup-compatibility/2006" xmlns:mv="urn:schemas-microsoft-com:mac:vml" xmlns:p="http://schemas.openxmlformats.org/presentationml/2006/main" xmlns:c="http://schemas.openxmlformats.org/drawingml/2006/chart" xmlns:dgm="http://schemas.openxmlformats.org/drawingml/2006/diagram" xmlns:o="urn:schemas-microsoft-com:office:office" xmlns:v="urn:schemas-microsoft-com:vml" xmlns:pvml="urn:schemas-microsoft-com:office:powerpoint" xmlns:com="http://schemas.openxmlformats.org/drawingml/2006/compatibility" xmlns:p14="http://schemas.microsoft.com/office/powerpoint/2010/main" xmlns:p15="http://schemas.microsoft.com/office/powerpoint/2012/main">
+  <p:cSld>
+    <p:spTree>
+      <p:nvGrpSpPr>
+        <p:cNvPr id="349" name="Shape 349"/>
+        <p:cNvGrpSpPr/>
+        <p:nvPr/>
+      </p:nvGrpSpPr>
+      <p:grpSpPr>
+        <a:xfrm>
+          <a:off x="0" y="0"/>
+          <a:ext cx="0" cy="0"/>
+          <a:chOff x="0" y="0"/>
+          <a:chExt cx="0" cy="0"/>
+        </a:xfrm>
+      </p:grpSpPr>
+      <p:sp>
+        <p:nvSpPr>
+          <p:cNvPr id="350" name="Shape 350"/>
+          <p:cNvSpPr txBox="1"/>
+          <p:nvPr>
+            <p:ph idx="1" type="body"/>
+          </p:nvPr>
+        </p:nvSpPr>
+        <p:spPr>
+          <a:xfrm>
+            <a:off x="5457600" y="371050"/>
+            <a:ext cx="3494400" cy="4142400"/>
+          </a:xfrm>
+          <a:prstGeom prst="rect">
+            <a:avLst/>
+          </a:prstGeom>
+        </p:spPr>
+        <p:txBody>
+          <a:bodyPr anchorCtr="0" anchor="t" bIns="91425" lIns="91425" rIns="91425" wrap="square" tIns="91425">
+            <a:noAutofit/>
+          </a:bodyPr>
+          <a:lstStyle/>
+          <a:p>
+            <a:pPr indent="0" lvl="0" marL="0" rtl="0">
+              <a:spcBef>
+                <a:spcPts val="0"/>
+              </a:spcBef>
+              <a:buNone/>
+            </a:pPr>
+            <a:r>
+              <a:t/>
+            </a:r>
+            <a:endParaRPr sz="1800"/>
+          </a:p>
+          <a:p>
+            <a:pPr indent="-342900" lvl="0" marL="457200" rtl="0">
+              <a:spcBef>
+                <a:spcPts val="0"/>
+              </a:spcBef>
+              <a:buSzPts val="1800"/>
+              <a:buChar char="●"/>
+            </a:pPr>
+            <a:r>
+              <a:rPr lang="en" sz="1800"/>
+              <a:t>Receiver Operator Characteristic is based on our Random Forest Classifier</a:t>
+            </a:r>
+          </a:p>
+          <a:p>
+            <a:pPr indent="0" lvl="0" marL="0" rtl="0">
+              <a:spcBef>
+                <a:spcPts val="0"/>
+              </a:spcBef>
+              <a:buNone/>
+            </a:pPr>
+            <a:r>
+              <a:t/>
+            </a:r>
+            <a:endParaRPr sz="1800"/>
+          </a:p>
+          <a:p>
+            <a:pPr indent="-342900" lvl="0" marL="457200" rtl="0">
+              <a:spcBef>
+                <a:spcPts val="0"/>
+              </a:spcBef>
+              <a:buSzPts val="1800"/>
+              <a:buChar char="●"/>
+            </a:pPr>
+            <a:r>
+              <a:rPr lang="en" sz="1800"/>
+              <a:t>ROC plot of each feature shows the impact of each feature on our classification</a:t>
+            </a:r>
+          </a:p>
+        </p:txBody>
+      </p:sp>
+      <p:pic>
+        <p:nvPicPr>
+          <p:cNvPr id="351" name="Shape 351"/>
+          <p:cNvPicPr preferRelativeResize="0"/>
+          <p:nvPr/>
+        </p:nvPicPr>
+        <p:blipFill>
+          <a:blip r:embed="rId3">
+            <a:alphaModFix/>
+          </a:blip>
+          <a:stretch>
+            <a:fillRect/>
+          </a:stretch>
+        </p:blipFill>
+        <p:spPr>
+          <a:xfrm>
+            <a:off x="290550" y="246975"/>
+            <a:ext cx="5012005" cy="4896524"/>
+          </a:xfrm>
+          <a:prstGeom prst="rect">
+            <a:avLst/>
+          </a:prstGeom>
+          <a:noFill/>
+          <a:ln>
+            <a:noFill/>
+          </a:ln>
+        </p:spPr>
+      </p:pic>
+    </p:spTree>
+  </p:cSld>
+  <p:clrMapOvr>
+    <a:masterClrMapping/>
+  </p:clrMapOvr>
+</p:sld>
+</file>
+
+<file path=ppt/slides/slide13.xml><?xml version="1.0" encoding="utf-8"?>
+<p:sld xmlns:a="http://schemas.openxmlformats.org/drawingml/2006/main" xmlns:r="http://schemas.openxmlformats.org/officeDocument/2006/relationships" xmlns:mc="http://schemas.openxmlformats.org/markup-compatibility/2006" xmlns:mv="urn:schemas-microsoft-com:mac:vml" xmlns:p="http://schemas.openxmlformats.org/presentationml/2006/main" xmlns:c="http://schemas.openxmlformats.org/drawingml/2006/chart" xmlns:dgm="http://schemas.openxmlformats.org/drawingml/2006/diagram" xmlns:o="urn:schemas-microsoft-com:office:office" xmlns:v="urn:schemas-microsoft-com:vml" xmlns:pvml="urn:schemas-microsoft-com:office:powerpoint" xmlns:com="http://schemas.openxmlformats.org/drawingml/2006/compatibility" xmlns:p14="http://schemas.microsoft.com/office/powerpoint/2010/main" xmlns:p15="http://schemas.microsoft.com/office/powerpoint/2012/main">
+  <p:cSld>
+    <p:spTree>
+      <p:nvGrpSpPr>
+        <p:cNvPr id="355" name="Shape 355"/>
+        <p:cNvGrpSpPr/>
+        <p:nvPr/>
+      </p:nvGrpSpPr>
+      <p:grpSpPr>
+        <a:xfrm>
+          <a:off x="0" y="0"/>
+          <a:ext cx="0" cy="0"/>
+          <a:chOff x="0" y="0"/>
+          <a:chExt cx="0" cy="0"/>
+        </a:xfrm>
+      </p:grpSpPr>
+      <p:sp>
+        <p:nvSpPr>
+          <p:cNvPr id="356" name="Shape 356"/>
+          <p:cNvSpPr txBox="1"/>
+          <p:nvPr>
+            <p:ph idx="1" type="body"/>
+          </p:nvPr>
+        </p:nvSpPr>
+        <p:spPr>
+          <a:xfrm>
+            <a:off x="5163125" y="351400"/>
+            <a:ext cx="3651600" cy="4230600"/>
+          </a:xfrm>
+          <a:prstGeom prst="rect">
+            <a:avLst/>
+          </a:prstGeom>
+        </p:spPr>
+        <p:txBody>
+          <a:bodyPr anchorCtr="0" anchor="t" bIns="91425" lIns="91425" rIns="91425" wrap="square" tIns="91425">
+            <a:noAutofit/>
+          </a:bodyPr>
+          <a:lstStyle/>
+          <a:p>
+            <a:pPr indent="-342900" lvl="0" marL="457200" rtl="0">
+              <a:spcBef>
+                <a:spcPts val="0"/>
+              </a:spcBef>
+              <a:buSzPts val="1800"/>
+              <a:buChar char="●"/>
+            </a:pPr>
+            <a:r>
+              <a:rPr lang="en" sz="1800"/>
+              <a:t>Receiver Operator Characteristic of Micro and Macro averages of all the features</a:t>
+            </a:r>
+          </a:p>
+          <a:p>
+            <a:pPr indent="0" lvl="0" marL="0" rtl="0">
+              <a:spcBef>
+                <a:spcPts val="0"/>
+              </a:spcBef>
+              <a:buNone/>
+            </a:pPr>
+            <a:r>
+              <a:t/>
+            </a:r>
+            <a:endParaRPr sz="1800"/>
+          </a:p>
+          <a:p>
+            <a:pPr indent="-342900" lvl="0" marL="457200" rtl="0">
+              <a:spcBef>
+                <a:spcPts val="0"/>
+              </a:spcBef>
+              <a:buSzPts val="1800"/>
+              <a:buChar char="●"/>
+            </a:pPr>
+            <a:r>
+              <a:rPr lang="en" sz="1800"/>
+              <a:t>Macro is overestimate of for the areas under the curve for each feature</a:t>
+            </a:r>
+          </a:p>
+          <a:p>
+            <a:pPr indent="0" lvl="0" marL="0" rtl="0">
+              <a:spcBef>
+                <a:spcPts val="0"/>
+              </a:spcBef>
+              <a:buNone/>
+            </a:pPr>
+            <a:r>
+              <a:t/>
+            </a:r>
+            <a:endParaRPr sz="1800"/>
+          </a:p>
+          <a:p>
+            <a:pPr indent="-342900" lvl="0" marL="457200" rtl="0">
+              <a:spcBef>
+                <a:spcPts val="0"/>
+              </a:spcBef>
+              <a:buSzPts val="1800"/>
+              <a:buChar char="●"/>
+            </a:pPr>
+            <a:r>
+              <a:rPr lang="en" sz="1800"/>
+              <a:t>Micro is underestimate of all the areas under the curve for each feature</a:t>
+            </a:r>
+          </a:p>
+          <a:p>
+            <a:pPr indent="0" lvl="0" marL="0" rtl="0">
+              <a:spcBef>
+                <a:spcPts val="0"/>
+              </a:spcBef>
+              <a:buNone/>
+            </a:pPr>
+            <a:r>
+              <a:t/>
+            </a:r>
+            <a:endParaRPr sz="1800"/>
+          </a:p>
+          <a:p>
+            <a:pPr indent="0" lvl="0" marL="0" rtl="0">
+              <a:spcBef>
+                <a:spcPts val="0"/>
+              </a:spcBef>
+              <a:buNone/>
+            </a:pPr>
+            <a:r>
+              <a:t/>
+            </a:r>
+            <a:endParaRPr sz="1800"/>
+          </a:p>
+          <a:p>
+            <a:pPr indent="0" lvl="0" marL="0" rtl="0">
+              <a:spcBef>
+                <a:spcPts val="0"/>
+              </a:spcBef>
+              <a:buNone/>
+            </a:pPr>
+            <a:r>
+              <a:t/>
+            </a:r>
+            <a:endParaRPr sz="1800"/>
+          </a:p>
+          <a:p>
+            <a:pPr indent="0" lvl="0" marL="0">
+              <a:spcBef>
+                <a:spcPts val="0"/>
+              </a:spcBef>
+              <a:buNone/>
+            </a:pPr>
+            <a:r>
+              <a:t/>
+            </a:r>
+            <a:endParaRPr sz="1800"/>
+          </a:p>
+        </p:txBody>
+      </p:sp>
+      <p:pic>
+        <p:nvPicPr>
+          <p:cNvPr id="357" name="Shape 357"/>
+          <p:cNvPicPr preferRelativeResize="0"/>
+          <p:nvPr/>
+        </p:nvPicPr>
+        <p:blipFill>
+          <a:blip r:embed="rId3">
+            <a:alphaModFix/>
+          </a:blip>
+          <a:stretch>
+            <a:fillRect/>
+          </a:stretch>
+        </p:blipFill>
+        <p:spPr>
+          <a:xfrm>
+            <a:off x="225751" y="203237"/>
+            <a:ext cx="4848426" cy="4737024"/>
+          </a:xfrm>
+          <a:prstGeom prst="rect">
+            <a:avLst/>
+          </a:prstGeom>
+          <a:noFill/>
+          <a:ln>
+            <a:noFill/>
+          </a:ln>
+        </p:spPr>
+      </p:pic>
+    </p:spTree>
+  </p:cSld>
+  <p:clrMapOvr>
+    <a:masterClrMapping/>
+  </p:clrMapOvr>
+</p:sld>
+</file>
+
+<file path=ppt/slides/slide14.xml><?xml version="1.0" encoding="utf-8"?>
+<p:sld xmlns:a="http://schemas.openxmlformats.org/drawingml/2006/main" xmlns:r="http://schemas.openxmlformats.org/officeDocument/2006/relationships" xmlns:mc="http://schemas.openxmlformats.org/markup-compatibility/2006" xmlns:mv="urn:schemas-microsoft-com:mac:vml" xmlns:p="http://schemas.openxmlformats.org/presentationml/2006/main" xmlns:c="http://schemas.openxmlformats.org/drawingml/2006/chart" xmlns:dgm="http://schemas.openxmlformats.org/drawingml/2006/diagram" xmlns:o="urn:schemas-microsoft-com:office:office" xmlns:v="urn:schemas-microsoft-com:vml" xmlns:pvml="urn:schemas-microsoft-com:office:powerpoint" xmlns:com="http://schemas.openxmlformats.org/drawingml/2006/compatibility" xmlns:p14="http://schemas.microsoft.com/office/powerpoint/2010/main" xmlns:p15="http://schemas.microsoft.com/office/powerpoint/2012/main">
+  <p:cSld>
+    <p:spTree>
+      <p:nvGrpSpPr>
+        <p:cNvPr id="361" name="Shape 361"/>
+        <p:cNvGrpSpPr/>
+        <p:nvPr/>
+      </p:nvGrpSpPr>
+      <p:grpSpPr>
+        <a:xfrm>
+          <a:off x="0" y="0"/>
+          <a:ext cx="0" cy="0"/>
+          <a:chOff x="0" y="0"/>
+          <a:chExt cx="0" cy="0"/>
+        </a:xfrm>
+      </p:grpSpPr>
+      <p:sp>
+        <p:nvSpPr>
+          <p:cNvPr id="362" name="Shape 362"/>
+          <p:cNvSpPr txBox="1"/>
+          <p:nvPr>
+            <p:ph type="title"/>
+          </p:nvPr>
+        </p:nvSpPr>
+        <p:spPr>
+          <a:xfrm>
+            <a:off x="1303800" y="598575"/>
+            <a:ext cx="7030500" cy="999300"/>
+          </a:xfrm>
+          <a:prstGeom prst="rect">
+            <a:avLst/>
+          </a:prstGeom>
+        </p:spPr>
+        <p:txBody>
+          <a:bodyPr anchorCtr="0" anchor="t" bIns="91425" lIns="91425" rIns="91425" wrap="square" tIns="91425">
+            <a:noAutofit/>
+          </a:bodyPr>
+          <a:lstStyle/>
+          <a:p>
+            <a:pPr indent="0" lvl="0" marL="0">
+              <a:spcBef>
+                <a:spcPts val="0"/>
+              </a:spcBef>
+              <a:buNone/>
+            </a:pPr>
+            <a:r>
+              <a:rPr lang="en"/>
+              <a:t>Feature Distribution</a:t>
+            </a:r>
+          </a:p>
+        </p:txBody>
+      </p:sp>
+      <p:sp>
+        <p:nvSpPr>
+          <p:cNvPr id="363" name="Shape 363"/>
+          <p:cNvSpPr txBox="1"/>
+          <p:nvPr>
+            <p:ph idx="1" type="body"/>
+          </p:nvPr>
+        </p:nvSpPr>
+        <p:spPr>
+          <a:xfrm>
+            <a:off x="1303800" y="1990050"/>
+            <a:ext cx="7030500" cy="2541600"/>
+          </a:xfrm>
+          <a:prstGeom prst="rect">
+            <a:avLst/>
+          </a:prstGeom>
+        </p:spPr>
+        <p:txBody>
+          <a:bodyPr anchorCtr="0" anchor="t" bIns="91425" lIns="91425" rIns="91425" wrap="square" tIns="91425">
+            <a:noAutofit/>
+          </a:bodyPr>
+          <a:lstStyle/>
+          <a:p>
+            <a:pPr indent="0" lvl="0" marL="0">
+              <a:spcBef>
+                <a:spcPts val="0"/>
+              </a:spcBef>
+              <a:buNone/>
+            </a:pPr>
+            <a:r>
+              <a:t/>
+            </a:r>
+            <a:endParaRPr/>
+          </a:p>
+        </p:txBody>
+      </p:sp>
+      <p:pic>
+        <p:nvPicPr>
+          <p:cNvPr id="364" name="Shape 364"/>
+          <p:cNvPicPr preferRelativeResize="0"/>
+          <p:nvPr/>
+        </p:nvPicPr>
+        <p:blipFill>
+          <a:blip r:embed="rId3">
+            <a:alphaModFix/>
+          </a:blip>
+          <a:stretch>
+            <a:fillRect/>
+          </a:stretch>
+        </p:blipFill>
+        <p:spPr>
+          <a:xfrm>
+            <a:off x="1303800" y="1441275"/>
+            <a:ext cx="5356650" cy="3443550"/>
+          </a:xfrm>
+          <a:prstGeom prst="rect">
+            <a:avLst/>
+          </a:prstGeom>
+          <a:noFill/>
+          <a:ln>
+            <a:noFill/>
+          </a:ln>
+        </p:spPr>
+      </p:pic>
+    </p:spTree>
+  </p:cSld>
+  <p:clrMapOvr>
+    <a:masterClrMapping/>
+  </p:clrMapOvr>
+</p:sld>
+</file>
+
+<file path=ppt/slides/slide15.xml><?xml version="1.0" encoding="utf-8"?>
+<p:sld xmlns:a="http://schemas.openxmlformats.org/drawingml/2006/main" xmlns:r="http://schemas.openxmlformats.org/officeDocument/2006/relationships" xmlns:mc="http://schemas.openxmlformats.org/markup-compatibility/2006" xmlns:mv="urn:schemas-microsoft-com:mac:vml" xmlns:p="http://schemas.openxmlformats.org/presentationml/2006/main" xmlns:c="http://schemas.openxmlformats.org/drawingml/2006/chart" xmlns:dgm="http://schemas.openxmlformats.org/drawingml/2006/diagram" xmlns:o="urn:schemas-microsoft-com:office:office" xmlns:v="urn:schemas-microsoft-com:vml" xmlns:pvml="urn:schemas-microsoft-com:office:powerpoint" xmlns:com="http://schemas.openxmlformats.org/drawingml/2006/compatibility" xmlns:p14="http://schemas.microsoft.com/office/powerpoint/2010/main" xmlns:p15="http://schemas.microsoft.com/office/powerpoint/2012/main">
+  <p:cSld>
+    <p:spTree>
+      <p:nvGrpSpPr>
+        <p:cNvPr id="368" name="Shape 368"/>
+        <p:cNvGrpSpPr/>
+        <p:nvPr/>
+      </p:nvGrpSpPr>
+      <p:grpSpPr>
+        <a:xfrm>
+          <a:off x="0" y="0"/>
+          <a:ext cx="0" cy="0"/>
+          <a:chOff x="0" y="0"/>
+          <a:chExt cx="0" cy="0"/>
+        </a:xfrm>
+      </p:grpSpPr>
+      <p:sp>
+        <p:nvSpPr>
+          <p:cNvPr id="369" name="Shape 369"/>
+          <p:cNvSpPr txBox="1"/>
+          <p:nvPr>
+            <p:ph type="title"/>
+          </p:nvPr>
+        </p:nvSpPr>
+        <p:spPr>
+          <a:xfrm>
+            <a:off x="1303800" y="598575"/>
+            <a:ext cx="7030500" cy="999300"/>
+          </a:xfrm>
+          <a:prstGeom prst="rect">
+            <a:avLst/>
+          </a:prstGeom>
+        </p:spPr>
+        <p:txBody>
+          <a:bodyPr anchorCtr="0" anchor="t" bIns="91425" lIns="91425" rIns="91425" wrap="square" tIns="91425">
+            <a:noAutofit/>
+          </a:bodyPr>
+          <a:lstStyle/>
+          <a:p>
+            <a:pPr indent="0" lvl="0" marL="0">
+              <a:spcBef>
+                <a:spcPts val="0"/>
+              </a:spcBef>
+              <a:buNone/>
+            </a:pPr>
+            <a:r>
+              <a:rPr lang="en"/>
+              <a:t>What We Improved Step-to-Step</a:t>
+            </a:r>
+          </a:p>
+        </p:txBody>
+      </p:sp>
+      <p:sp>
+        <p:nvSpPr>
+          <p:cNvPr id="370" name="Shape 370"/>
+          <p:cNvSpPr txBox="1"/>
+          <p:nvPr>
+            <p:ph idx="1" type="body"/>
+          </p:nvPr>
+        </p:nvSpPr>
+        <p:spPr>
+          <a:xfrm>
+            <a:off x="495975" y="1642375"/>
+            <a:ext cx="7030500" cy="2541600"/>
+          </a:xfrm>
+          <a:prstGeom prst="rect">
+            <a:avLst/>
+          </a:prstGeom>
+        </p:spPr>
+        <p:txBody>
+          <a:bodyPr anchorCtr="0" anchor="t" bIns="91425" lIns="91425" rIns="91425" wrap="square" tIns="91425">
+            <a:noAutofit/>
+          </a:bodyPr>
+          <a:lstStyle/>
+          <a:p>
+            <a:pPr indent="-342900" lvl="0" marL="457200" rtl="0">
+              <a:spcBef>
+                <a:spcPts val="0"/>
+              </a:spcBef>
+              <a:spcAft>
+                <a:spcPts val="1000"/>
+              </a:spcAft>
+              <a:buSzPts val="1800"/>
+              <a:buChar char="●"/>
+            </a:pPr>
+            <a:r>
+              <a:rPr lang="en" sz="1800"/>
+              <a:t>Focused on improving overfitting problems</a:t>
+            </a:r>
+          </a:p>
+          <a:p>
+            <a:pPr indent="-342900" lvl="0" marL="457200" rtl="0">
+              <a:spcBef>
+                <a:spcPts val="0"/>
+              </a:spcBef>
+              <a:spcAft>
+                <a:spcPts val="1000"/>
+              </a:spcAft>
+              <a:buSzPts val="1800"/>
+              <a:buChar char="●"/>
+            </a:pPr>
+            <a:r>
+              <a:rPr lang="en" sz="1800"/>
+              <a:t>Model had too high accuracy, adjusted train/test data allocation to address this</a:t>
+            </a:r>
+          </a:p>
+          <a:p>
             <a:pPr indent="-342900" lvl="0" marL="457200">
               <a:spcBef>
                 <a:spcPts val="0"/>
               </a:spcBef>
               <a:spcAft>
-                <a:spcPts val="0"/>
+                <a:spcPts val="1000"/>
               </a:spcAft>
+              <a:buSzPts val="1800"/>
+              <a:buChar char="●"/>
+            </a:pPr>
+            <a:r>
+              <a:rPr lang="en" sz="1800"/>
+              <a:t>Confusion Matrix Values reflected less overfitted data</a:t>
+            </a:r>
+          </a:p>
+        </p:txBody>
+      </p:sp>
+    </p:spTree>
+  </p:cSld>
+  <p:clrMapOvr>
+    <a:masterClrMapping/>
+  </p:clrMapOvr>
+</p:sld>
+</file>
+
+<file path=ppt/slides/slide16.xml><?xml version="1.0" encoding="utf-8"?>
+<p:sld xmlns:a="http://schemas.openxmlformats.org/drawingml/2006/main" xmlns:r="http://schemas.openxmlformats.org/officeDocument/2006/relationships" xmlns:mc="http://schemas.openxmlformats.org/markup-compatibility/2006" xmlns:mv="urn:schemas-microsoft-com:mac:vml" xmlns:p="http://schemas.openxmlformats.org/presentationml/2006/main" xmlns:c="http://schemas.openxmlformats.org/drawingml/2006/chart" xmlns:dgm="http://schemas.openxmlformats.org/drawingml/2006/diagram" xmlns:o="urn:schemas-microsoft-com:office:office" xmlns:v="urn:schemas-microsoft-com:vml" xmlns:pvml="urn:schemas-microsoft-com:office:powerpoint" xmlns:com="http://schemas.openxmlformats.org/drawingml/2006/compatibility" xmlns:p14="http://schemas.microsoft.com/office/powerpoint/2010/main" xmlns:p15="http://schemas.microsoft.com/office/powerpoint/2012/main">
+  <p:cSld>
+    <p:spTree>
+      <p:nvGrpSpPr>
+        <p:cNvPr id="374" name="Shape 374"/>
+        <p:cNvGrpSpPr/>
+        <p:nvPr/>
+      </p:nvGrpSpPr>
+      <p:grpSpPr>
+        <a:xfrm>
+          <a:off x="0" y="0"/>
+          <a:ext cx="0" cy="0"/>
+          <a:chOff x="0" y="0"/>
+          <a:chExt cx="0" cy="0"/>
+        </a:xfrm>
+      </p:grpSpPr>
+      <p:sp>
+        <p:nvSpPr>
+          <p:cNvPr id="375" name="Shape 375"/>
+          <p:cNvSpPr txBox="1"/>
+          <p:nvPr>
+            <p:ph type="title"/>
+          </p:nvPr>
+        </p:nvSpPr>
+        <p:spPr>
+          <a:xfrm>
+            <a:off x="1303800" y="598575"/>
+            <a:ext cx="7030500" cy="999300"/>
+          </a:xfrm>
+          <a:prstGeom prst="rect">
+            <a:avLst/>
+          </a:prstGeom>
+        </p:spPr>
+        <p:txBody>
+          <a:bodyPr anchorCtr="0" anchor="t" bIns="91425" lIns="91425" rIns="91425" wrap="square" tIns="91425">
+            <a:noAutofit/>
+          </a:bodyPr>
+          <a:lstStyle/>
+          <a:p>
+            <a:pPr indent="0" lvl="0" marL="0">
+              <a:spcBef>
+                <a:spcPts val="0"/>
+              </a:spcBef>
+              <a:buNone/>
+            </a:pPr>
+            <a:r>
+              <a:rPr lang="en"/>
+              <a:t>What We Learned</a:t>
+            </a:r>
+          </a:p>
+        </p:txBody>
+      </p:sp>
+      <p:sp>
+        <p:nvSpPr>
+          <p:cNvPr id="376" name="Shape 376"/>
+          <p:cNvSpPr txBox="1"/>
+          <p:nvPr>
+            <p:ph idx="1" type="body"/>
+          </p:nvPr>
+        </p:nvSpPr>
+        <p:spPr>
+          <a:xfrm>
+            <a:off x="588950" y="1490050"/>
+            <a:ext cx="8049000" cy="3415800"/>
+          </a:xfrm>
+          <a:prstGeom prst="rect">
+            <a:avLst/>
+          </a:prstGeom>
+        </p:spPr>
+        <p:txBody>
+          <a:bodyPr anchorCtr="0" anchor="t" bIns="91425" lIns="91425" rIns="91425" wrap="square" tIns="91425">
+            <a:noAutofit/>
+          </a:bodyPr>
+          <a:lstStyle/>
+          <a:p>
+            <a:pPr indent="-342900" lvl="0" marL="457200" rtl="0">
+              <a:spcBef>
+                <a:spcPts val="0"/>
+              </a:spcBef>
+              <a:spcAft>
+                <a:spcPts val="1000"/>
+              </a:spcAft>
+              <a:buClr>
+                <a:srgbClr val="000000"/>
+              </a:buClr>
+              <a:buSzPts val="1800"/>
+              <a:buChar char="●"/>
+            </a:pPr>
+            <a:r>
+              <a:rPr lang="en" sz="1800">
+                <a:solidFill>
+                  <a:srgbClr val="000000"/>
+                </a:solidFill>
+              </a:rPr>
+              <a:t>We became familiar with the patterns of letters and their features</a:t>
+            </a:r>
+          </a:p>
+          <a:p>
+            <a:pPr indent="0" lvl="0" marL="0" rtl="0">
+              <a:spcBef>
+                <a:spcPts val="0"/>
+              </a:spcBef>
+              <a:spcAft>
+                <a:spcPts val="1000"/>
+              </a:spcAft>
+              <a:buNone/>
+            </a:pPr>
+            <a:r>
+              <a:t/>
+            </a:r>
+            <a:endParaRPr sz="1800">
+              <a:solidFill>
+                <a:srgbClr val="000000"/>
+              </a:solidFill>
+            </a:endParaRPr>
+          </a:p>
+          <a:p>
+            <a:pPr indent="-342900" lvl="0" marL="457200" rtl="0">
+              <a:spcBef>
+                <a:spcPts val="0"/>
+              </a:spcBef>
+              <a:spcAft>
+                <a:spcPts val="1000"/>
+              </a:spcAft>
+              <a:buClr>
+                <a:srgbClr val="000000"/>
+              </a:buClr>
+              <a:buSzPts val="1800"/>
+              <a:buChar char="●"/>
+            </a:pPr>
+            <a:r>
+              <a:rPr lang="en" sz="1800">
+                <a:solidFill>
+                  <a:srgbClr val="000000"/>
+                </a:solidFill>
+              </a:rPr>
+              <a:t>We learned how to implement algorithms that are often used to describe data and extract meaning from large data sets</a:t>
+            </a:r>
+          </a:p>
+          <a:p>
+            <a:pPr indent="0" lvl="0" marL="0" rtl="0">
+              <a:spcBef>
+                <a:spcPts val="0"/>
+              </a:spcBef>
+              <a:spcAft>
+                <a:spcPts val="1000"/>
+              </a:spcAft>
+              <a:buNone/>
+            </a:pPr>
+            <a:r>
+              <a:t/>
+            </a:r>
+            <a:endParaRPr sz="1800">
+              <a:solidFill>
+                <a:srgbClr val="000000"/>
+              </a:solidFill>
+            </a:endParaRPr>
+          </a:p>
+          <a:p>
+            <a:pPr indent="-342900" lvl="0" marL="457200" rtl="0">
+              <a:spcBef>
+                <a:spcPts val="0"/>
+              </a:spcBef>
+              <a:spcAft>
+                <a:spcPts val="1000"/>
+              </a:spcAft>
+              <a:buClr>
+                <a:srgbClr val="000000"/>
+              </a:buClr>
+              <a:buSzPts val="1800"/>
+              <a:buChar char="●"/>
+            </a:pPr>
+            <a:r>
+              <a:rPr lang="en" sz="1800">
+                <a:solidFill>
+                  <a:srgbClr val="000000"/>
+                </a:solidFill>
+              </a:rPr>
+              <a:t>We learned how to best structure our data to be used for classification</a:t>
+            </a:r>
+          </a:p>
+          <a:p>
+            <a:pPr indent="0" lvl="0" marL="0" rtl="0">
+              <a:spcBef>
+                <a:spcPts val="0"/>
+              </a:spcBef>
+              <a:spcAft>
+                <a:spcPts val="1000"/>
+              </a:spcAft>
+              <a:buNone/>
+            </a:pPr>
+            <a:r>
+              <a:t/>
+            </a:r>
+            <a:endParaRPr sz="1800">
+              <a:solidFill>
+                <a:srgbClr val="000000"/>
+              </a:solidFill>
+            </a:endParaRPr>
+          </a:p>
+          <a:p>
+            <a:pPr indent="-342900" lvl="0" marL="457200">
+              <a:spcBef>
+                <a:spcPts val="0"/>
+              </a:spcBef>
+              <a:spcAft>
+                <a:spcPts val="1000"/>
+              </a:spcAft>
+              <a:buClr>
+                <a:srgbClr val="000000"/>
+              </a:buClr>
+              <a:buSzPts val="1800"/>
+              <a:buChar char="●"/>
+            </a:pPr>
+            <a:r>
+              <a:rPr lang="en" sz="1800">
+                <a:solidFill>
+                  <a:srgbClr val="000000"/>
+                </a:solidFill>
+              </a:rPr>
+              <a:t>We gained skills in utilizing various visualization libraries and discovered new methods of visualizing classification data</a:t>
+            </a:r>
+          </a:p>
+        </p:txBody>
+      </p:sp>
+    </p:spTree>
+  </p:cSld>
+  <p:clrMapOvr>
+    <a:masterClrMapping/>
+  </p:clrMapOvr>
+</p:sld>
+</file>
+
+<file path=ppt/slides/slide17.xml><?xml version="1.0" encoding="utf-8"?>
+<p:sld xmlns:a="http://schemas.openxmlformats.org/drawingml/2006/main" xmlns:r="http://schemas.openxmlformats.org/officeDocument/2006/relationships" xmlns:mc="http://schemas.openxmlformats.org/markup-compatibility/2006" xmlns:mv="urn:schemas-microsoft-com:mac:vml" xmlns:p="http://schemas.openxmlformats.org/presentationml/2006/main" xmlns:c="http://schemas.openxmlformats.org/drawingml/2006/chart" xmlns:dgm="http://schemas.openxmlformats.org/drawingml/2006/diagram" xmlns:o="urn:schemas-microsoft-com:office:office" xmlns:v="urn:schemas-microsoft-com:vml" xmlns:pvml="urn:schemas-microsoft-com:office:powerpoint" xmlns:com="http://schemas.openxmlformats.org/drawingml/2006/compatibility" xmlns:p14="http://schemas.microsoft.com/office/powerpoint/2010/main" xmlns:p15="http://schemas.microsoft.com/office/powerpoint/2012/main">
+  <p:cSld>
+    <p:spTree>
+      <p:nvGrpSpPr>
+        <p:cNvPr id="380" name="Shape 380"/>
+        <p:cNvGrpSpPr/>
+        <p:nvPr/>
+      </p:nvGrpSpPr>
+      <p:grpSpPr>
+        <a:xfrm>
+          <a:off x="0" y="0"/>
+          <a:ext cx="0" cy="0"/>
+          <a:chOff x="0" y="0"/>
+          <a:chExt cx="0" cy="0"/>
+        </a:xfrm>
+      </p:grpSpPr>
+      <p:sp>
+        <p:nvSpPr>
+          <p:cNvPr id="381" name="Shape 381"/>
+          <p:cNvSpPr txBox="1"/>
+          <p:nvPr>
+            <p:ph type="title"/>
+          </p:nvPr>
+        </p:nvSpPr>
+        <p:spPr>
+          <a:xfrm>
+            <a:off x="1303800" y="598575"/>
+            <a:ext cx="7030500" cy="999300"/>
+          </a:xfrm>
+          <a:prstGeom prst="rect">
+            <a:avLst/>
+          </a:prstGeom>
+        </p:spPr>
+        <p:txBody>
+          <a:bodyPr anchorCtr="0" anchor="t" bIns="91425" lIns="91425" rIns="91425" wrap="square" tIns="91425">
+            <a:noAutofit/>
+          </a:bodyPr>
+          <a:lstStyle/>
+          <a:p>
+            <a:pPr indent="0" lvl="0" marL="0">
+              <a:spcBef>
+                <a:spcPts val="0"/>
+              </a:spcBef>
+              <a:buNone/>
+            </a:pPr>
+            <a:r>
+              <a:rPr lang="en"/>
+              <a:t>Conclusion</a:t>
+            </a:r>
+          </a:p>
+        </p:txBody>
+      </p:sp>
+      <p:sp>
+        <p:nvSpPr>
+          <p:cNvPr id="382" name="Shape 382"/>
+          <p:cNvSpPr txBox="1"/>
+          <p:nvPr>
+            <p:ph idx="1" type="body"/>
+          </p:nvPr>
+        </p:nvSpPr>
+        <p:spPr>
+          <a:xfrm>
+            <a:off x="667475" y="1794325"/>
+            <a:ext cx="7666800" cy="3052500"/>
+          </a:xfrm>
+          <a:prstGeom prst="rect">
+            <a:avLst/>
+          </a:prstGeom>
+        </p:spPr>
+        <p:txBody>
+          <a:bodyPr anchorCtr="0" anchor="t" bIns="91425" lIns="91425" rIns="91425" wrap="square" tIns="91425">
+            <a:noAutofit/>
+          </a:bodyPr>
+          <a:lstStyle/>
+          <a:p>
+            <a:pPr indent="-342900" lvl="0" marL="457200" rtl="0">
+              <a:spcBef>
+                <a:spcPts val="0"/>
+              </a:spcBef>
+              <a:spcAft>
+                <a:spcPts val="1000"/>
+              </a:spcAft>
+              <a:buSzPts val="1800"/>
+              <a:buChar char="●"/>
+            </a:pPr>
+            <a:r>
+              <a:rPr lang="en" sz="1800"/>
+              <a:t>Number of training and testing points is critical to finding balance and accuracy to avoid overfitting, we learned to solve overfitting</a:t>
+            </a:r>
+          </a:p>
+          <a:p>
+            <a:pPr indent="-342900" lvl="0" marL="457200" rtl="0">
+              <a:spcBef>
+                <a:spcPts val="0"/>
+              </a:spcBef>
+              <a:spcAft>
+                <a:spcPts val="1000"/>
+              </a:spcAft>
+              <a:buSzPts val="1800"/>
+              <a:buChar char="●"/>
+            </a:pPr>
+            <a:r>
+              <a:rPr lang="en" sz="1800"/>
+              <a:t>Letters have many more features than we had considered which each contribute to one letter’s distinction from another</a:t>
+            </a:r>
+          </a:p>
+          <a:p>
+            <a:pPr indent="-342900" lvl="0" marL="457200" rtl="0">
+              <a:spcBef>
+                <a:spcPts val="0"/>
+              </a:spcBef>
+              <a:spcAft>
+                <a:spcPts val="1000"/>
+              </a:spcAft>
+              <a:buSzPts val="1800"/>
+              <a:buChar char="●"/>
+            </a:pPr>
+            <a:r>
+              <a:rPr lang="en" sz="1800"/>
+              <a:t>Learned to train a random forest classifier on data representing handwritten letters to deliver a high-accuracy, effective model</a:t>
+            </a:r>
+          </a:p>
+          <a:p>
+            <a:pPr indent="-342900" lvl="0" marL="457200" rtl="0">
+              <a:spcBef>
+                <a:spcPts val="0"/>
+              </a:spcBef>
+              <a:spcAft>
+                <a:spcPts val="1000"/>
+              </a:spcAft>
+              <a:buSzPts val="1800"/>
+              <a:buChar char="●"/>
+            </a:pPr>
+            <a:r>
+              <a:rPr lang="en" sz="1800"/>
+              <a:t>Learned to implement many visualization to best describe our classification data, models, and the effect of our algorithms</a:t>
+            </a:r>
+          </a:p>
+          <a:p>
+            <a:pPr indent="0" lvl="0" marL="0" rtl="0">
+              <a:spcBef>
+                <a:spcPts val="0"/>
+              </a:spcBef>
+              <a:spcAft>
+                <a:spcPts val="1000"/>
+              </a:spcAft>
+              <a:buNone/>
+            </a:pPr>
+            <a:r>
+              <a:t/>
+            </a:r>
+            <a:endParaRPr sz="1800"/>
+          </a:p>
+        </p:txBody>
+      </p:sp>
+    </p:spTree>
+  </p:cSld>
+  <p:clrMapOvr>
+    <a:masterClrMapping/>
+  </p:clrMapOvr>
+</p:sld>
+</file>
+
+<file path=ppt/slides/slide18.xml><?xml version="1.0" encoding="utf-8"?>
+<p:sld xmlns:a="http://schemas.openxmlformats.org/drawingml/2006/main" xmlns:r="http://schemas.openxmlformats.org/officeDocument/2006/relationships" xmlns:mc="http://schemas.openxmlformats.org/markup-compatibility/2006" xmlns:mv="urn:schemas-microsoft-com:mac:vml" xmlns:p="http://schemas.openxmlformats.org/presentationml/2006/main" xmlns:c="http://schemas.openxmlformats.org/drawingml/2006/chart" xmlns:dgm="http://schemas.openxmlformats.org/drawingml/2006/diagram" xmlns:o="urn:schemas-microsoft-com:office:office" xmlns:v="urn:schemas-microsoft-com:vml" xmlns:pvml="urn:schemas-microsoft-com:office:powerpoint" xmlns:com="http://schemas.openxmlformats.org/drawingml/2006/compatibility" xmlns:p14="http://schemas.microsoft.com/office/powerpoint/2010/main" xmlns:p15="http://schemas.microsoft.com/office/powerpoint/2012/main">
+  <p:cSld>
+    <p:spTree>
+      <p:nvGrpSpPr>
+        <p:cNvPr id="386" name="Shape 386"/>
+        <p:cNvGrpSpPr/>
+        <p:nvPr/>
+      </p:nvGrpSpPr>
+      <p:grpSpPr>
+        <a:xfrm>
+          <a:off x="0" y="0"/>
+          <a:ext cx="0" cy="0"/>
+          <a:chOff x="0" y="0"/>
+          <a:chExt cx="0" cy="0"/>
+        </a:xfrm>
+      </p:grpSpPr>
+      <p:sp>
+        <p:nvSpPr>
+          <p:cNvPr id="387" name="Shape 387"/>
+          <p:cNvSpPr txBox="1"/>
+          <p:nvPr>
+            <p:ph type="title"/>
+          </p:nvPr>
+        </p:nvSpPr>
+        <p:spPr>
+          <a:xfrm>
+            <a:off x="1303800" y="598575"/>
+            <a:ext cx="7030500" cy="999300"/>
+          </a:xfrm>
+          <a:prstGeom prst="rect">
+            <a:avLst/>
+          </a:prstGeom>
+        </p:spPr>
+        <p:txBody>
+          <a:bodyPr anchorCtr="0" anchor="t" bIns="91425" lIns="91425" rIns="91425" wrap="square" tIns="91425">
+            <a:noAutofit/>
+          </a:bodyPr>
+          <a:lstStyle/>
+          <a:p>
+            <a:pPr indent="0" lvl="0" marL="0">
+              <a:spcBef>
+                <a:spcPts val="0"/>
+              </a:spcBef>
+              <a:buNone/>
+            </a:pPr>
+            <a:r>
+              <a:rPr lang="en"/>
+              <a:t>Future Applications of Our Data</a:t>
+            </a:r>
+          </a:p>
+        </p:txBody>
+      </p:sp>
+      <p:sp>
+        <p:nvSpPr>
+          <p:cNvPr id="388" name="Shape 388"/>
+          <p:cNvSpPr txBox="1"/>
+          <p:nvPr>
+            <p:ph idx="1" type="body"/>
+          </p:nvPr>
+        </p:nvSpPr>
+        <p:spPr>
+          <a:xfrm>
+            <a:off x="1303800" y="1990050"/>
+            <a:ext cx="7030500" cy="2541600"/>
+          </a:xfrm>
+          <a:prstGeom prst="rect">
+            <a:avLst/>
+          </a:prstGeom>
+        </p:spPr>
+        <p:txBody>
+          <a:bodyPr anchorCtr="0" anchor="t" bIns="91425" lIns="91425" rIns="91425" wrap="square" tIns="91425">
+            <a:noAutofit/>
+          </a:bodyPr>
+          <a:lstStyle/>
+          <a:p>
+            <a:pPr indent="-342900" lvl="0" marL="457200" rtl="0">
+              <a:spcBef>
+                <a:spcPts val="0"/>
+              </a:spcBef>
+              <a:spcAft>
+                <a:spcPts val="1000"/>
+              </a:spcAft>
+              <a:buClr>
+                <a:srgbClr val="000000"/>
+              </a:buClr>
+              <a:buSzPts val="1800"/>
+              <a:buChar char="●"/>
+            </a:pPr>
+            <a:r>
+              <a:rPr lang="en" sz="1800">
+                <a:solidFill>
+                  <a:srgbClr val="000000"/>
+                </a:solidFill>
+              </a:rPr>
+              <a:t>Our data could be used to develop handwriting recognition software which is commonly used in the tech and automotive industries</a:t>
+            </a:r>
+          </a:p>
+          <a:p>
+            <a:pPr indent="0" lvl="0" marL="0" rtl="0">
+              <a:spcBef>
+                <a:spcPts val="0"/>
+              </a:spcBef>
+              <a:spcAft>
+                <a:spcPts val="1000"/>
+              </a:spcAft>
+              <a:buNone/>
+            </a:pPr>
+            <a:r>
+              <a:t/>
+            </a:r>
+            <a:endParaRPr sz="1800">
+              <a:solidFill>
+                <a:srgbClr val="000000"/>
+              </a:solidFill>
+            </a:endParaRPr>
+          </a:p>
+          <a:p>
+            <a:pPr indent="-342900" lvl="0" marL="457200">
+              <a:spcBef>
+                <a:spcPts val="0"/>
+              </a:spcBef>
+              <a:spcAft>
+                <a:spcPts val="1000"/>
+              </a:spcAft>
+              <a:buClr>
+                <a:srgbClr val="000000"/>
+              </a:buClr>
+              <a:buSzPts val="1800"/>
+              <a:buChar char="●"/>
+            </a:pPr>
+            <a:r>
+              <a:rPr lang="en" sz="1800">
+                <a:solidFill>
+                  <a:srgbClr val="000000"/>
+                </a:solidFill>
+              </a:rPr>
+              <a:t>Using our research, report, and presentation companies could assess the applicability of our data to their needs</a:t>
+            </a:r>
+          </a:p>
+        </p:txBody>
+      </p:sp>
+    </p:spTree>
+  </p:cSld>
+  <p:clrMapOvr>
+    <a:masterClrMapping/>
+  </p:clrMapOvr>
+</p:sld>
+</file>
+
+<file path=ppt/slides/slide2.xml><?xml version="1.0" encoding="utf-8"?>
+<p:sld xmlns:a="http://schemas.openxmlformats.org/drawingml/2006/main" xmlns:r="http://schemas.openxmlformats.org/officeDocument/2006/relationships" xmlns:mc="http://schemas.openxmlformats.org/markup-compatibility/2006" xmlns:mv="urn:schemas-microsoft-com:mac:vml" xmlns:p="http://schemas.openxmlformats.org/presentationml/2006/main" xmlns:c="http://schemas.openxmlformats.org/drawingml/2006/chart" xmlns:dgm="http://schemas.openxmlformats.org/drawingml/2006/diagram" xmlns:o="urn:schemas-microsoft-com:office:office" xmlns:v="urn:schemas-microsoft-com:vml" xmlns:pvml="urn:schemas-microsoft-com:office:powerpoint" xmlns:com="http://schemas.openxmlformats.org/drawingml/2006/compatibility" xmlns:p14="http://schemas.microsoft.com/office/powerpoint/2010/main" xmlns:p15="http://schemas.microsoft.com/office/powerpoint/2012/main">
+  <p:cSld>
+    <p:spTree>
+      <p:nvGrpSpPr>
+        <p:cNvPr id="283" name="Shape 283"/>
+        <p:cNvGrpSpPr/>
+        <p:nvPr/>
+      </p:nvGrpSpPr>
+      <p:grpSpPr>
+        <a:xfrm>
+          <a:off x="0" y="0"/>
+          <a:ext cx="0" cy="0"/>
+          <a:chOff x="0" y="0"/>
+          <a:chExt cx="0" cy="0"/>
+        </a:xfrm>
+      </p:grpSpPr>
+      <p:sp>
+        <p:nvSpPr>
+          <p:cNvPr id="284" name="Shape 284"/>
+          <p:cNvSpPr txBox="1"/>
+          <p:nvPr>
+            <p:ph type="title"/>
+          </p:nvPr>
+        </p:nvSpPr>
+        <p:spPr>
+          <a:xfrm>
+            <a:off x="1303800" y="598575"/>
+            <a:ext cx="7030500" cy="999300"/>
+          </a:xfrm>
+          <a:prstGeom prst="rect">
+            <a:avLst/>
+          </a:prstGeom>
+        </p:spPr>
+        <p:txBody>
+          <a:bodyPr anchorCtr="0" anchor="t" bIns="91425" lIns="91425" rIns="91425" wrap="square" tIns="91425">
+            <a:noAutofit/>
+          </a:bodyPr>
+          <a:lstStyle/>
+          <a:p>
+            <a:pPr indent="0" lvl="0" marL="0" rtl="0">
+              <a:lnSpc>
+                <a:spcPct val="115000"/>
+              </a:lnSpc>
+              <a:spcBef>
+                <a:spcPts val="0"/>
+              </a:spcBef>
+              <a:buNone/>
+            </a:pPr>
+            <a:r>
+              <a:rPr lang="en">
+                <a:solidFill>
+                  <a:srgbClr val="000000"/>
+                </a:solidFill>
+              </a:rPr>
+              <a:t>Problem Description</a:t>
+            </a:r>
+          </a:p>
+        </p:txBody>
+      </p:sp>
+      <p:sp>
+        <p:nvSpPr>
+          <p:cNvPr id="285" name="Shape 285"/>
+          <p:cNvSpPr txBox="1"/>
+          <p:nvPr>
+            <p:ph idx="1" type="body"/>
+          </p:nvPr>
+        </p:nvSpPr>
+        <p:spPr>
+          <a:xfrm>
+            <a:off x="1303800" y="1793750"/>
+            <a:ext cx="7030500" cy="2541600"/>
+          </a:xfrm>
+          <a:prstGeom prst="rect">
+            <a:avLst/>
+          </a:prstGeom>
+        </p:spPr>
+        <p:txBody>
+          <a:bodyPr anchorCtr="0" anchor="t" bIns="91425" lIns="91425" rIns="91425" wrap="square" tIns="91425">
+            <a:noAutofit/>
+          </a:bodyPr>
+          <a:lstStyle/>
+          <a:p>
+            <a:pPr indent="-342900" lvl="0" marL="457200" rtl="0">
+              <a:lnSpc>
+                <a:spcPct val="200000"/>
+              </a:lnSpc>
+              <a:spcBef>
+                <a:spcPts val="0"/>
+              </a:spcBef>
+              <a:spcAft>
+                <a:spcPts val="0"/>
+              </a:spcAft>
+              <a:buSzPts val="1800"/>
+              <a:buFont typeface="Maven Pro"/>
+              <a:buChar char="●"/>
+            </a:pPr>
+            <a:r>
+              <a:rPr lang="en" sz="1800">
+                <a:latin typeface="Maven Pro"/>
+                <a:ea typeface="Maven Pro"/>
+                <a:cs typeface="Maven Pro"/>
+                <a:sym typeface="Maven Pro"/>
+              </a:rPr>
+              <a:t>Image Classification</a:t>
+            </a:r>
+          </a:p>
+          <a:p>
+            <a:pPr indent="-342900" lvl="0" marL="457200" rtl="0">
+              <a:lnSpc>
+                <a:spcPct val="200000"/>
+              </a:lnSpc>
+              <a:spcBef>
+                <a:spcPts val="0"/>
+              </a:spcBef>
+              <a:spcAft>
+                <a:spcPts val="0"/>
+              </a:spcAft>
+              <a:buSzPts val="1800"/>
+              <a:buFont typeface="Maven Pro"/>
+              <a:buChar char="●"/>
+            </a:pPr>
+            <a:r>
+              <a:rPr lang="en" sz="1800">
+                <a:latin typeface="Maven Pro"/>
+                <a:ea typeface="Maven Pro"/>
+                <a:cs typeface="Maven Pro"/>
+                <a:sym typeface="Maven Pro"/>
+              </a:rPr>
+              <a:t>Dataset contains 16 unique features and 26 unique classes</a:t>
+            </a:r>
+          </a:p>
+          <a:p>
+            <a:pPr indent="-342900" lvl="0" marL="457200" rtl="0">
+              <a:lnSpc>
+                <a:spcPct val="200000"/>
+              </a:lnSpc>
+              <a:spcBef>
+                <a:spcPts val="0"/>
+              </a:spcBef>
+              <a:spcAft>
+                <a:spcPts val="0"/>
+              </a:spcAft>
+              <a:buSzPts val="1800"/>
+              <a:buFont typeface="Maven Pro"/>
+              <a:buChar char="●"/>
+            </a:pPr>
+            <a:r>
+              <a:rPr lang="en" sz="1800">
+                <a:latin typeface="Maven Pro"/>
+                <a:ea typeface="Maven Pro"/>
+                <a:cs typeface="Maven Pro"/>
+                <a:sym typeface="Maven Pro"/>
+              </a:rPr>
+              <a:t>Data fit using Random Forest Classification</a:t>
+            </a:r>
+          </a:p>
+          <a:p>
+            <a:pPr indent="-342900" lvl="0" marL="457200" rtl="0">
+              <a:lnSpc>
+                <a:spcPct val="200000"/>
+              </a:lnSpc>
+              <a:spcBef>
+                <a:spcPts val="0"/>
+              </a:spcBef>
+              <a:buSzPts val="1800"/>
+              <a:buFont typeface="Maven Pro"/>
+              <a:buChar char="●"/>
+            </a:pPr>
+            <a:r>
+              <a:rPr lang="en" sz="1800">
+                <a:latin typeface="Maven Pro"/>
+                <a:ea typeface="Maven Pro"/>
+                <a:cs typeface="Maven Pro"/>
+                <a:sym typeface="Maven Pro"/>
+              </a:rPr>
+              <a:t>Test new data against model and classified into what </a:t>
+            </a:r>
+            <a:r>
+              <a:rPr lang="en" sz="1800">
+                <a:latin typeface="Maven Pro"/>
+                <a:ea typeface="Maven Pro"/>
+                <a:cs typeface="Maven Pro"/>
+                <a:sym typeface="Maven Pro"/>
+              </a:rPr>
+              <a:t>letter</a:t>
+            </a:r>
+            <a:r>
+              <a:rPr lang="en" sz="1800">
+                <a:latin typeface="Maven Pro"/>
+                <a:ea typeface="Maven Pro"/>
+                <a:cs typeface="Maven Pro"/>
+                <a:sym typeface="Maven Pro"/>
+              </a:rPr>
+              <a:t> it most closely represents.</a:t>
+            </a:r>
+          </a:p>
+        </p:txBody>
+      </p:sp>
+    </p:spTree>
+  </p:cSld>
+  <p:clrMapOvr>
+    <a:masterClrMapping/>
+  </p:clrMapOvr>
+</p:sld>
+</file>
+
+<file path=ppt/slides/slide3.xml><?xml version="1.0" encoding="utf-8"?>
+<p:sld xmlns:a="http://schemas.openxmlformats.org/drawingml/2006/main" xmlns:r="http://schemas.openxmlformats.org/officeDocument/2006/relationships" xmlns:mc="http://schemas.openxmlformats.org/markup-compatibility/2006" xmlns:mv="urn:schemas-microsoft-com:mac:vml" xmlns:p="http://schemas.openxmlformats.org/presentationml/2006/main" xmlns:c="http://schemas.openxmlformats.org/drawingml/2006/chart" xmlns:dgm="http://schemas.openxmlformats.org/drawingml/2006/diagram" xmlns:o="urn:schemas-microsoft-com:office:office" xmlns:v="urn:schemas-microsoft-com:vml" xmlns:pvml="urn:schemas-microsoft-com:office:powerpoint" xmlns:com="http://schemas.openxmlformats.org/drawingml/2006/compatibility" xmlns:p14="http://schemas.microsoft.com/office/powerpoint/2010/main" xmlns:p15="http://schemas.microsoft.com/office/powerpoint/2012/main">
+  <p:cSld>
+    <p:spTree>
+      <p:nvGrpSpPr>
+        <p:cNvPr id="289" name="Shape 289"/>
+        <p:cNvGrpSpPr/>
+        <p:nvPr/>
+      </p:nvGrpSpPr>
+      <p:grpSpPr>
+        <a:xfrm>
+          <a:off x="0" y="0"/>
+          <a:ext cx="0" cy="0"/>
+          <a:chOff x="0" y="0"/>
+          <a:chExt cx="0" cy="0"/>
+        </a:xfrm>
+      </p:grpSpPr>
+      <p:sp>
+        <p:nvSpPr>
+          <p:cNvPr id="290" name="Shape 290"/>
+          <p:cNvSpPr txBox="1"/>
+          <p:nvPr>
+            <p:ph type="title"/>
+          </p:nvPr>
+        </p:nvSpPr>
+        <p:spPr>
+          <a:xfrm>
+            <a:off x="1303800" y="598575"/>
+            <a:ext cx="7030500" cy="999300"/>
+          </a:xfrm>
+          <a:prstGeom prst="rect">
+            <a:avLst/>
+          </a:prstGeom>
+        </p:spPr>
+        <p:txBody>
+          <a:bodyPr anchorCtr="0" anchor="t" bIns="91425" lIns="91425" rIns="91425" wrap="square" tIns="91425">
+            <a:noAutofit/>
+          </a:bodyPr>
+          <a:lstStyle/>
+          <a:p>
+            <a:pPr indent="0" lvl="0" marL="0" rtl="0">
+              <a:lnSpc>
+                <a:spcPct val="115000"/>
+              </a:lnSpc>
+              <a:spcBef>
+                <a:spcPts val="0"/>
+              </a:spcBef>
+              <a:buNone/>
+            </a:pPr>
+            <a:r>
+              <a:rPr lang="en">
+                <a:solidFill>
+                  <a:srgbClr val="000000"/>
+                </a:solidFill>
+              </a:rPr>
+              <a:t>Formulate the task into a data mining problem</a:t>
+            </a:r>
+          </a:p>
+        </p:txBody>
+      </p:sp>
+      <p:sp>
+        <p:nvSpPr>
+          <p:cNvPr id="291" name="Shape 291"/>
+          <p:cNvSpPr txBox="1"/>
+          <p:nvPr>
+            <p:ph idx="1" type="body"/>
+          </p:nvPr>
+        </p:nvSpPr>
+        <p:spPr>
+          <a:xfrm>
+            <a:off x="1303800" y="1823175"/>
+            <a:ext cx="7030500" cy="2541600"/>
+          </a:xfrm>
+          <a:prstGeom prst="rect">
+            <a:avLst/>
+          </a:prstGeom>
+        </p:spPr>
+        <p:txBody>
+          <a:bodyPr anchorCtr="0" anchor="t" bIns="91425" lIns="91425" rIns="91425" wrap="square" tIns="91425">
+            <a:noAutofit/>
+          </a:bodyPr>
+          <a:lstStyle/>
+          <a:p>
+            <a:pPr indent="-342900" lvl="0" marL="457200" rtl="0">
+              <a:spcBef>
+                <a:spcPts val="0"/>
+              </a:spcBef>
+              <a:buSzPts val="1800"/>
+              <a:buChar char="●"/>
+            </a:pPr>
+            <a:r>
+              <a:rPr lang="en" sz="1800"/>
+              <a:t>Classifying black and white images of letters using the most important features determined by Random Forest Classifier:</a:t>
+            </a:r>
+          </a:p>
+          <a:p>
+            <a:pPr indent="0" lvl="0" marL="457200" rtl="0">
+              <a:spcBef>
+                <a:spcPts val="0"/>
+              </a:spcBef>
+              <a:spcAft>
+                <a:spcPts val="1000"/>
+              </a:spcAft>
+              <a:buNone/>
+            </a:pPr>
+            <a:r>
+              <a:t/>
+            </a:r>
+            <a:endParaRPr sz="1800"/>
+          </a:p>
+          <a:p>
+            <a:pPr indent="-342900" lvl="1" marL="914400" rtl="0">
+              <a:spcBef>
+                <a:spcPts val="0"/>
+              </a:spcBef>
+              <a:spcAft>
+                <a:spcPts val="1000"/>
+              </a:spcAft>
+              <a:buSzPts val="1800"/>
+              <a:buChar char="○"/>
+            </a:pPr>
+            <a:r>
+              <a:rPr lang="en" sz="1800"/>
+              <a:t>Xedge - The Mean edge count from left to right</a:t>
+            </a:r>
+          </a:p>
+          <a:p>
+            <a:pPr indent="-342900" lvl="1" marL="914400" rtl="0">
+              <a:spcBef>
+                <a:spcPts val="0"/>
+              </a:spcBef>
+              <a:spcAft>
+                <a:spcPts val="1000"/>
+              </a:spcAft>
+              <a:buSzPts val="1800"/>
+              <a:buChar char="○"/>
+            </a:pPr>
+            <a:r>
+              <a:rPr lang="en" sz="1800"/>
+              <a:t>Yedge - The Mean edge count from bottom to top</a:t>
+            </a:r>
+          </a:p>
+          <a:p>
+            <a:pPr indent="-342900" lvl="1" marL="914400" rtl="0">
+              <a:spcBef>
+                <a:spcPts val="0"/>
+              </a:spcBef>
+              <a:spcAft>
+                <a:spcPts val="1000"/>
+              </a:spcAft>
+              <a:buSzPts val="1800"/>
+              <a:buChar char="○"/>
+            </a:pPr>
+            <a:r>
+              <a:rPr lang="en" sz="1800"/>
+              <a:t>Y2bar - The mean y variance</a:t>
+            </a:r>
+          </a:p>
+          <a:p>
+            <a:pPr indent="-342900" lvl="1" marL="914400" rtl="0">
+              <a:spcBef>
+                <a:spcPts val="0"/>
+              </a:spcBef>
+              <a:spcAft>
+                <a:spcPts val="1000"/>
+              </a:spcAft>
+              <a:buSzPts val="1800"/>
+              <a:buChar char="○"/>
+            </a:pPr>
+            <a:r>
+              <a:rPr lang="en" sz="1800"/>
+              <a:t>X2bar - The mean x variance</a:t>
+            </a:r>
+          </a:p>
+          <a:p>
+            <a:pPr indent="0" lvl="0" marL="0" rtl="0">
+              <a:spcBef>
+                <a:spcPts val="0"/>
+              </a:spcBef>
+              <a:buNone/>
+            </a:pPr>
+            <a:r>
+              <a:t/>
+            </a:r>
+            <a:endParaRPr/>
+          </a:p>
+          <a:p>
+            <a:pPr indent="0" lvl="0" marL="0">
+              <a:spcBef>
+                <a:spcPts val="0"/>
+              </a:spcBef>
+              <a:buNone/>
+            </a:pPr>
+            <a:r>
+              <a:t/>
+            </a:r>
+            <a:endParaRPr/>
+          </a:p>
+          <a:p>
+            <a:pPr indent="0" lvl="0" marL="0">
+              <a:spcBef>
+                <a:spcPts val="0"/>
+              </a:spcBef>
+              <a:buNone/>
+            </a:pPr>
+            <a:r>
+              <a:t/>
+            </a:r>
+            <a:endParaRPr/>
+          </a:p>
+        </p:txBody>
+      </p:sp>
+    </p:spTree>
+  </p:cSld>
+  <p:clrMapOvr>
+    <a:masterClrMapping/>
+  </p:clrMapOvr>
+</p:sld>
+</file>
+
+<file path=ppt/slides/slide4.xml><?xml version="1.0" encoding="utf-8"?>
+<p:sld xmlns:a="http://schemas.openxmlformats.org/drawingml/2006/main" xmlns:r="http://schemas.openxmlformats.org/officeDocument/2006/relationships" xmlns:mc="http://schemas.openxmlformats.org/markup-compatibility/2006" xmlns:mv="urn:schemas-microsoft-com:mac:vml" xmlns:p="http://schemas.openxmlformats.org/presentationml/2006/main" xmlns:c="http://schemas.openxmlformats.org/drawingml/2006/chart" xmlns:dgm="http://schemas.openxmlformats.org/drawingml/2006/diagram" xmlns:o="urn:schemas-microsoft-com:office:office" xmlns:v="urn:schemas-microsoft-com:vml" xmlns:pvml="urn:schemas-microsoft-com:office:powerpoint" xmlns:com="http://schemas.openxmlformats.org/drawingml/2006/compatibility" xmlns:p14="http://schemas.microsoft.com/office/powerpoint/2010/main" xmlns:p15="http://schemas.microsoft.com/office/powerpoint/2012/main">
+  <p:cSld>
+    <p:spTree>
+      <p:nvGrpSpPr>
+        <p:cNvPr id="295" name="Shape 295"/>
+        <p:cNvGrpSpPr/>
+        <p:nvPr/>
+      </p:nvGrpSpPr>
+      <p:grpSpPr>
+        <a:xfrm>
+          <a:off x="0" y="0"/>
+          <a:ext cx="0" cy="0"/>
+          <a:chOff x="0" y="0"/>
+          <a:chExt cx="0" cy="0"/>
+        </a:xfrm>
+      </p:grpSpPr>
+      <p:sp>
+        <p:nvSpPr>
+          <p:cNvPr id="296" name="Shape 296"/>
+          <p:cNvSpPr txBox="1"/>
+          <p:nvPr>
+            <p:ph type="title"/>
+          </p:nvPr>
+        </p:nvSpPr>
+        <p:spPr>
+          <a:xfrm>
+            <a:off x="1303800" y="598575"/>
+            <a:ext cx="7030500" cy="999300"/>
+          </a:xfrm>
+          <a:prstGeom prst="rect">
+            <a:avLst/>
+          </a:prstGeom>
+        </p:spPr>
+        <p:txBody>
+          <a:bodyPr anchorCtr="0" anchor="t" bIns="91425" lIns="91425" rIns="91425" wrap="square" tIns="91425">
+            <a:noAutofit/>
+          </a:bodyPr>
+          <a:lstStyle/>
+          <a:p>
+            <a:pPr indent="0" lvl="0" marL="0">
+              <a:spcBef>
+                <a:spcPts val="0"/>
+              </a:spcBef>
+              <a:buNone/>
+            </a:pPr>
+            <a:r>
+              <a:rPr lang="en"/>
+              <a:t>Pre Processing Data</a:t>
+            </a:r>
+          </a:p>
+        </p:txBody>
+      </p:sp>
+      <p:sp>
+        <p:nvSpPr>
+          <p:cNvPr id="297" name="Shape 297"/>
+          <p:cNvSpPr txBox="1"/>
+          <p:nvPr>
+            <p:ph idx="1" type="body"/>
+          </p:nvPr>
+        </p:nvSpPr>
+        <p:spPr>
+          <a:xfrm>
+            <a:off x="1303800" y="1754475"/>
+            <a:ext cx="7030500" cy="2541600"/>
+          </a:xfrm>
+          <a:prstGeom prst="rect">
+            <a:avLst/>
+          </a:prstGeom>
+        </p:spPr>
+        <p:txBody>
+          <a:bodyPr anchorCtr="0" anchor="t" bIns="91425" lIns="91425" rIns="91425" wrap="square" tIns="91425">
+            <a:noAutofit/>
+          </a:bodyPr>
+          <a:lstStyle/>
+          <a:p>
+            <a:pPr indent="-342900" lvl="0" marL="457200" rtl="0">
+              <a:spcBef>
+                <a:spcPts val="0"/>
+              </a:spcBef>
               <a:buClr>
                 <a:srgbClr val="000000"/>
               </a:buClr>
@@ -13630,13 +16725,26 @@
             </a:r>
           </a:p>
           <a:p>
-            <a:pPr indent="-342900" lvl="0" marL="457200">
-              <a:spcBef>
-                <a:spcPts val="0"/>
-              </a:spcBef>
-              <a:spcAft>
-                <a:spcPts val="0"/>
-              </a:spcAft>
+            <a:pPr indent="0" lvl="0" marL="0">
+              <a:spcBef>
+                <a:spcPts val="0"/>
+              </a:spcBef>
+              <a:buNone/>
+            </a:pPr>
+            <a:r>
+              <a:t/>
+            </a:r>
+            <a:endParaRPr sz="1800">
+              <a:solidFill>
+                <a:srgbClr val="000000"/>
+              </a:solidFill>
+            </a:endParaRPr>
+          </a:p>
+          <a:p>
+            <a:pPr indent="-342900" lvl="0" marL="457200" rtl="0">
+              <a:spcBef>
+                <a:spcPts val="0"/>
+              </a:spcBef>
               <a:buClr>
                 <a:srgbClr val="000000"/>
               </a:buClr>
@@ -13651,6 +16759,22 @@
               </a:rPr>
               <a:t>We used Boxplots to verify that Outliers are removed</a:t>
             </a:r>
+          </a:p>
+          <a:p>
+            <a:pPr indent="0" lvl="0" marL="0">
+              <a:spcBef>
+                <a:spcPts val="0"/>
+              </a:spcBef>
+              <a:buNone/>
+            </a:pPr>
+            <a:r>
+              <a:t/>
+            </a:r>
+            <a:endParaRPr sz="1800">
+              <a:solidFill>
+                <a:srgbClr val="000000"/>
+              </a:solidFill>
+            </a:endParaRPr>
           </a:p>
           <a:p>
             <a:pPr indent="-342900" lvl="0" marL="457200" rtl="0">
@@ -13682,12 +16806,205 @@
 </p:sld>
 </file>
 
-<file path=ppt/slides/slide3.xml><?xml version="1.0" encoding="utf-8"?>
+<file path=ppt/slides/slide5.xml><?xml version="1.0" encoding="utf-8"?>
 <p:sld xmlns:a="http://schemas.openxmlformats.org/drawingml/2006/main" xmlns:r="http://schemas.openxmlformats.org/officeDocument/2006/relationships" xmlns:mc="http://schemas.openxmlformats.org/markup-compatibility/2006" xmlns:mv="urn:schemas-microsoft-com:mac:vml" xmlns:p="http://schemas.openxmlformats.org/presentationml/2006/main" xmlns:c="http://schemas.openxmlformats.org/drawingml/2006/chart" xmlns:dgm="http://schemas.openxmlformats.org/drawingml/2006/diagram" xmlns:o="urn:schemas-microsoft-com:office:office" xmlns:v="urn:schemas-microsoft-com:vml" xmlns:pvml="urn:schemas-microsoft-com:office:powerpoint" xmlns:com="http://schemas.openxmlformats.org/drawingml/2006/compatibility" xmlns:p14="http://schemas.microsoft.com/office/powerpoint/2010/main" xmlns:p15="http://schemas.microsoft.com/office/powerpoint/2012/main">
   <p:cSld>
     <p:spTree>
       <p:nvGrpSpPr>
-        <p:cNvPr id="288" name="Shape 288"/>
+        <p:cNvPr id="301" name="Shape 301"/>
+        <p:cNvGrpSpPr/>
+        <p:nvPr/>
+      </p:nvGrpSpPr>
+      <p:grpSpPr>
+        <a:xfrm>
+          <a:off x="0" y="0"/>
+          <a:ext cx="0" cy="0"/>
+          <a:chOff x="0" y="0"/>
+          <a:chExt cx="0" cy="0"/>
+        </a:xfrm>
+      </p:grpSpPr>
+      <p:pic>
+        <p:nvPicPr>
+          <p:cNvPr id="302" name="Shape 302"/>
+          <p:cNvPicPr preferRelativeResize="0"/>
+          <p:nvPr/>
+        </p:nvPicPr>
+        <p:blipFill>
+          <a:blip r:embed="rId3">
+            <a:alphaModFix/>
+          </a:blip>
+          <a:stretch>
+            <a:fillRect/>
+          </a:stretch>
+        </p:blipFill>
+        <p:spPr>
+          <a:xfrm>
+            <a:off x="385575" y="0"/>
+            <a:ext cx="4186425" cy="2601902"/>
+          </a:xfrm>
+          <a:prstGeom prst="rect">
+            <a:avLst/>
+          </a:prstGeom>
+          <a:noFill/>
+          <a:ln>
+            <a:noFill/>
+          </a:ln>
+        </p:spPr>
+      </p:pic>
+      <p:pic>
+        <p:nvPicPr>
+          <p:cNvPr id="303" name="Shape 303"/>
+          <p:cNvPicPr preferRelativeResize="0"/>
+          <p:nvPr/>
+        </p:nvPicPr>
+        <p:blipFill>
+          <a:blip r:embed="rId4">
+            <a:alphaModFix/>
+          </a:blip>
+          <a:stretch>
+            <a:fillRect/>
+          </a:stretch>
+        </p:blipFill>
+        <p:spPr>
+          <a:xfrm>
+            <a:off x="385563" y="2541600"/>
+            <a:ext cx="4186432" cy="2601900"/>
+          </a:xfrm>
+          <a:prstGeom prst="rect">
+            <a:avLst/>
+          </a:prstGeom>
+          <a:noFill/>
+          <a:ln>
+            <a:noFill/>
+          </a:ln>
+        </p:spPr>
+      </p:pic>
+      <p:sp>
+        <p:nvSpPr>
+          <p:cNvPr id="304" name="Shape 304"/>
+          <p:cNvSpPr txBox="1"/>
+          <p:nvPr>
+            <p:ph idx="1" type="body"/>
+          </p:nvPr>
+        </p:nvSpPr>
+        <p:spPr>
+          <a:xfrm>
+            <a:off x="4858825" y="213975"/>
+            <a:ext cx="3995100" cy="4200000"/>
+          </a:xfrm>
+          <a:prstGeom prst="rect">
+            <a:avLst/>
+          </a:prstGeom>
+        </p:spPr>
+        <p:txBody>
+          <a:bodyPr anchorCtr="0" anchor="t" bIns="91425" lIns="91425" rIns="91425" wrap="square" tIns="91425">
+            <a:noAutofit/>
+          </a:bodyPr>
+          <a:lstStyle/>
+          <a:p>
+            <a:pPr indent="-342900" lvl="0" marL="457200" rtl="0">
+              <a:spcBef>
+                <a:spcPts val="0"/>
+              </a:spcBef>
+              <a:buSzPts val="1800"/>
+              <a:buChar char="●"/>
+            </a:pPr>
+            <a:r>
+              <a:rPr lang="en" sz="1800"/>
+              <a:t>Boxplots shows the effect of our preprocessing</a:t>
+            </a:r>
+          </a:p>
+          <a:p>
+            <a:pPr indent="0" lvl="0" marL="0" rtl="0">
+              <a:spcBef>
+                <a:spcPts val="0"/>
+              </a:spcBef>
+              <a:buNone/>
+            </a:pPr>
+            <a:r>
+              <a:t/>
+            </a:r>
+            <a:endParaRPr sz="1800"/>
+          </a:p>
+          <a:p>
+            <a:pPr indent="-342900" lvl="0" marL="457200" rtl="0">
+              <a:spcBef>
+                <a:spcPts val="0"/>
+              </a:spcBef>
+              <a:buSzPts val="1800"/>
+              <a:buChar char="●"/>
+            </a:pPr>
+            <a:r>
+              <a:rPr lang="en" sz="1800"/>
+              <a:t>First plot is before we preprocess, second plot is after preprocessing</a:t>
+            </a:r>
+          </a:p>
+          <a:p>
+            <a:pPr indent="0" lvl="0" marL="0" rtl="0">
+              <a:spcBef>
+                <a:spcPts val="0"/>
+              </a:spcBef>
+              <a:buNone/>
+            </a:pPr>
+            <a:r>
+              <a:t/>
+            </a:r>
+            <a:endParaRPr sz="1800"/>
+          </a:p>
+          <a:p>
+            <a:pPr indent="-342900" lvl="0" marL="457200" rtl="0">
+              <a:spcBef>
+                <a:spcPts val="0"/>
+              </a:spcBef>
+              <a:buSzPts val="1800"/>
+              <a:buChar char="●"/>
+            </a:pPr>
+            <a:r>
+              <a:rPr lang="en" sz="1800"/>
+              <a:t>Remaining points are relevant data points</a:t>
+            </a:r>
+          </a:p>
+          <a:p>
+            <a:pPr indent="0" lvl="0" marL="0" rtl="0">
+              <a:spcBef>
+                <a:spcPts val="0"/>
+              </a:spcBef>
+              <a:buNone/>
+            </a:pPr>
+            <a:r>
+              <a:t/>
+            </a:r>
+            <a:endParaRPr sz="1800"/>
+          </a:p>
+          <a:p>
+            <a:pPr indent="-342900" lvl="0" marL="457200" rtl="0">
+              <a:spcBef>
+                <a:spcPts val="0"/>
+              </a:spcBef>
+              <a:buSzPts val="1800"/>
+              <a:buChar char="●"/>
+            </a:pPr>
+            <a:r>
+              <a:rPr lang="en" sz="1800"/>
+              <a:t>Outliers are removed</a:t>
+            </a:r>
+          </a:p>
+        </p:txBody>
+      </p:sp>
+    </p:spTree>
+  </p:cSld>
+  <p:clrMapOvr>
+    <a:masterClrMapping/>
+  </p:clrMapOvr>
+</p:sld>
+</file>
+
+<file path=ppt/slides/slide6.xml><?xml version="1.0" encoding="utf-8"?>
+<p:sld xmlns:a="http://schemas.openxmlformats.org/drawingml/2006/main" xmlns:r="http://schemas.openxmlformats.org/officeDocument/2006/relationships" xmlns:mc="http://schemas.openxmlformats.org/markup-compatibility/2006" xmlns:mv="urn:schemas-microsoft-com:mac:vml" xmlns:p="http://schemas.openxmlformats.org/presentationml/2006/main" xmlns:c="http://schemas.openxmlformats.org/drawingml/2006/chart" xmlns:dgm="http://schemas.openxmlformats.org/drawingml/2006/diagram" xmlns:o="urn:schemas-microsoft-com:office:office" xmlns:v="urn:schemas-microsoft-com:vml" xmlns:pvml="urn:schemas-microsoft-com:office:powerpoint" xmlns:com="http://schemas.openxmlformats.org/drawingml/2006/compatibility" xmlns:p14="http://schemas.microsoft.com/office/powerpoint/2010/main" xmlns:p15="http://schemas.microsoft.com/office/powerpoint/2012/main">
+  <p:cSld>
+    <p:spTree>
+      <p:nvGrpSpPr>
+        <p:cNvPr id="308" name="Shape 308"/>
         <p:cNvGrpSpPr/>
         <p:nvPr/>
       </p:nvGrpSpPr>
@@ -13701,7 +17018,7 @@
       </p:grpSpPr>
       <p:sp>
         <p:nvSpPr>
-          <p:cNvPr id="289" name="Shape 289"/>
+          <p:cNvPr id="309" name="Shape 309"/>
           <p:cNvSpPr txBox="1"/>
           <p:nvPr>
             <p:ph type="title"/>
@@ -13730,14 +17047,26 @@
             </a:pPr>
             <a:r>
               <a:rPr lang="en"/>
-              <a:t>Data Models Used to Build Tree</a:t>
+              <a:t>Algorithm Evaluation</a:t>
             </a:r>
+          </a:p>
+          <a:p>
+            <a:pPr indent="0" lvl="0" marL="0">
+              <a:spcBef>
+                <a:spcPts val="0"/>
+              </a:spcBef>
+              <a:buNone/>
+            </a:pPr>
+            <a:r>
+              <a:t/>
+            </a:r>
+            <a:endParaRPr/>
           </a:p>
         </p:txBody>
       </p:sp>
       <p:sp>
         <p:nvSpPr>
-          <p:cNvPr id="290" name="Shape 290"/>
+          <p:cNvPr id="310" name="Shape 310"/>
           <p:cNvSpPr txBox="1"/>
           <p:nvPr>
             <p:ph idx="1" type="body"/>
@@ -13745,8 +17074,8 @@
         </p:nvSpPr>
         <p:spPr>
           <a:xfrm>
-            <a:off x="895350" y="1990050"/>
-            <a:ext cx="7791600" cy="2541600"/>
+            <a:off x="895350" y="1548950"/>
+            <a:ext cx="7791600" cy="2982600"/>
           </a:xfrm>
           <a:prstGeom prst="rect">
             <a:avLst/>
@@ -13760,10 +17089,10 @@
           <a:p>
             <a:pPr indent="-342900" lvl="0" marL="457200" rtl="0">
               <a:spcBef>
-                <a:spcPts val="0"/>
+                <a:spcPts val="1000"/>
               </a:spcBef>
               <a:spcAft>
-                <a:spcPts val="0"/>
+                <a:spcPts val="1000"/>
               </a:spcAft>
               <a:buClr>
                 <a:srgbClr val="000000"/>
@@ -13782,16 +17111,44 @@
                 <a:cs typeface="Arial"/>
                 <a:sym typeface="Arial"/>
               </a:rPr>
-              <a:t>Decision Tree model, the Gradient Boosting Classifier, Random Forest, Logistic Regression, and K-Neighbors</a:t>
+              <a:t>Decision Tree model, Gradient Boosting Classifier, Random Forest, Logistic Regression, and K-Neighbors all evaluated</a:t>
             </a:r>
           </a:p>
           <a:p>
             <a:pPr indent="-342900" lvl="0" marL="457200" rtl="0">
               <a:spcBef>
-                <a:spcPts val="0"/>
+                <a:spcPts val="1000"/>
               </a:spcBef>
               <a:spcAft>
-                <a:spcPts val="0"/>
+                <a:spcPts val="1000"/>
+              </a:spcAft>
+              <a:buClr>
+                <a:srgbClr val="000000"/>
+              </a:buClr>
+              <a:buSzPts val="1800"/>
+              <a:buFont typeface="Arial"/>
+              <a:buChar char="●"/>
+            </a:pPr>
+            <a:r>
+              <a:rPr lang="en" sz="1800">
+                <a:solidFill>
+                  <a:srgbClr val="000000"/>
+                </a:solidFill>
+                <a:latin typeface="Arial"/>
+                <a:ea typeface="Arial"/>
+                <a:cs typeface="Arial"/>
+                <a:sym typeface="Arial"/>
+              </a:rPr>
+              <a:t>Analyzed all models using Grid-Search and Cross Validation</a:t>
+            </a:r>
+          </a:p>
+          <a:p>
+            <a:pPr indent="-342900" lvl="0" marL="457200" rtl="0">
+              <a:spcBef>
+                <a:spcPts val="1000"/>
+              </a:spcBef>
+              <a:spcAft>
+                <a:spcPts val="1000"/>
               </a:spcAft>
               <a:buClr>
                 <a:srgbClr val="000000"/>
@@ -13816,10 +17173,10 @@
           <a:p>
             <a:pPr indent="-342900" lvl="0" marL="457200" rtl="0">
               <a:spcBef>
-                <a:spcPts val="0"/>
+                <a:spcPts val="1000"/>
               </a:spcBef>
               <a:spcAft>
-                <a:spcPts val="0"/>
+                <a:spcPts val="1000"/>
               </a:spcAft>
               <a:buClr>
                 <a:srgbClr val="000000"/>
@@ -13838,35 +17195,7 @@
                 <a:cs typeface="Arial"/>
                 <a:sym typeface="Arial"/>
               </a:rPr>
-              <a:t>Analyzed Random Forest using Grid-Search and Cross Validation</a:t>
-            </a:r>
-          </a:p>
-          <a:p>
-            <a:pPr indent="-342900" lvl="0" marL="457200" rtl="0">
-              <a:spcBef>
-                <a:spcPts val="0"/>
-              </a:spcBef>
-              <a:spcAft>
-                <a:spcPts val="0"/>
-              </a:spcAft>
-              <a:buClr>
-                <a:srgbClr val="000000"/>
-              </a:buClr>
-              <a:buSzPts val="1800"/>
-              <a:buFont typeface="Arial"/>
-              <a:buChar char="●"/>
-            </a:pPr>
-            <a:r>
-              <a:rPr lang="en" sz="1800">
-                <a:solidFill>
-                  <a:srgbClr val="000000"/>
-                </a:solidFill>
-                <a:latin typeface="Arial"/>
-                <a:ea typeface="Arial"/>
-                <a:cs typeface="Arial"/>
-                <a:sym typeface="Arial"/>
-              </a:rPr>
-              <a:t>We evaluate the best model, Random Forest, using a Confusion Matrix.</a:t>
+              <a:t>We evaluate the best model, Random Forest, using a Confusion Matrix</a:t>
             </a:r>
           </a:p>
         </p:txBody>
@@ -13879,12 +17208,12 @@
 </p:sld>
 </file>
 
-<file path=ppt/slides/slide4.xml><?xml version="1.0" encoding="utf-8"?>
+<file path=ppt/slides/slide7.xml><?xml version="1.0" encoding="utf-8"?>
 <p:sld xmlns:a="http://schemas.openxmlformats.org/drawingml/2006/main" xmlns:r="http://schemas.openxmlformats.org/officeDocument/2006/relationships" xmlns:mc="http://schemas.openxmlformats.org/markup-compatibility/2006" xmlns:mv="urn:schemas-microsoft-com:mac:vml" xmlns:p="http://schemas.openxmlformats.org/presentationml/2006/main" xmlns:c="http://schemas.openxmlformats.org/drawingml/2006/chart" xmlns:dgm="http://schemas.openxmlformats.org/drawingml/2006/diagram" xmlns:o="urn:schemas-microsoft-com:office:office" xmlns:v="urn:schemas-microsoft-com:vml" xmlns:pvml="urn:schemas-microsoft-com:office:powerpoint" xmlns:com="http://schemas.openxmlformats.org/drawingml/2006/compatibility" xmlns:p14="http://schemas.microsoft.com/office/powerpoint/2010/main" xmlns:p15="http://schemas.microsoft.com/office/powerpoint/2012/main">
   <p:cSld>
     <p:spTree>
       <p:nvGrpSpPr>
-        <p:cNvPr id="294" name="Shape 294"/>
+        <p:cNvPr id="314" name="Shape 314"/>
         <p:cNvGrpSpPr/>
         <p:nvPr/>
       </p:nvGrpSpPr>
@@ -13898,7 +17227,135 @@
       </p:grpSpPr>
       <p:sp>
         <p:nvSpPr>
-          <p:cNvPr id="295" name="Shape 295"/>
+          <p:cNvPr id="315" name="Shape 315"/>
+          <p:cNvSpPr txBox="1"/>
+          <p:nvPr>
+            <p:ph type="title"/>
+          </p:nvPr>
+        </p:nvSpPr>
+        <p:spPr>
+          <a:xfrm>
+            <a:off x="1303800" y="598575"/>
+            <a:ext cx="7030500" cy="999300"/>
+          </a:xfrm>
+          <a:prstGeom prst="rect">
+            <a:avLst/>
+          </a:prstGeom>
+        </p:spPr>
+        <p:txBody>
+          <a:bodyPr anchorCtr="0" anchor="t" bIns="91425" lIns="91425" rIns="91425" wrap="square" tIns="91425">
+            <a:noAutofit/>
+          </a:bodyPr>
+          <a:lstStyle/>
+          <a:p>
+            <a:pPr indent="0" lvl="0" marL="0" rtl="0">
+              <a:spcBef>
+                <a:spcPts val="0"/>
+              </a:spcBef>
+              <a:buNone/>
+            </a:pPr>
+            <a:r>
+              <a:rPr lang="en"/>
+              <a:t>B</a:t>
+            </a:r>
+            <a:r>
+              <a:rPr lang="en"/>
+              <a:t>est Model Based on Data</a:t>
+            </a:r>
+          </a:p>
+        </p:txBody>
+      </p:sp>
+      <p:sp>
+        <p:nvSpPr>
+          <p:cNvPr id="316" name="Shape 316"/>
+          <p:cNvSpPr txBox="1"/>
+          <p:nvPr>
+            <p:ph idx="1" type="body"/>
+          </p:nvPr>
+        </p:nvSpPr>
+        <p:spPr>
+          <a:xfrm>
+            <a:off x="1303800" y="1842825"/>
+            <a:ext cx="7030500" cy="2541600"/>
+          </a:xfrm>
+          <a:prstGeom prst="rect">
+            <a:avLst/>
+          </a:prstGeom>
+        </p:spPr>
+        <p:txBody>
+          <a:bodyPr anchorCtr="0" anchor="t" bIns="91425" lIns="91425" rIns="91425" wrap="square" tIns="91425">
+            <a:noAutofit/>
+          </a:bodyPr>
+          <a:lstStyle/>
+          <a:p>
+            <a:pPr indent="-342900" lvl="0" marL="457200" rtl="0">
+              <a:spcBef>
+                <a:spcPts val="0"/>
+              </a:spcBef>
+              <a:buSzPts val="1800"/>
+              <a:buChar char="●"/>
+            </a:pPr>
+            <a:r>
+              <a:rPr lang="en" sz="1800"/>
+              <a:t> After running Grid-search and cross validation on each model, we found that a Random Forest Classifier was our best model, narrowly beating out the K-nearest neighbors classifier</a:t>
+            </a:r>
+          </a:p>
+          <a:p>
+            <a:pPr indent="-342900" lvl="0" marL="457200" rtl="0">
+              <a:spcBef>
+                <a:spcPts val="0"/>
+              </a:spcBef>
+              <a:buSzPts val="1800"/>
+              <a:buChar char="●"/>
+            </a:pPr>
+            <a:r>
+              <a:rPr lang="en" sz="1800"/>
+              <a:t>Random forests perform better than binary trees since we have so many classes</a:t>
+            </a:r>
+          </a:p>
+          <a:p>
+            <a:pPr indent="-342900" lvl="0" marL="457200" rtl="0">
+              <a:spcBef>
+                <a:spcPts val="0"/>
+              </a:spcBef>
+              <a:buSzPts val="1800"/>
+              <a:buChar char="●"/>
+            </a:pPr>
+            <a:r>
+              <a:rPr lang="en" sz="1800"/>
+              <a:t>Having many different trees allows us to calculate a better answer</a:t>
+            </a:r>
+          </a:p>
+        </p:txBody>
+      </p:sp>
+    </p:spTree>
+  </p:cSld>
+  <p:clrMapOvr>
+    <a:masterClrMapping/>
+  </p:clrMapOvr>
+</p:sld>
+</file>
+
+<file path=ppt/slides/slide8.xml><?xml version="1.0" encoding="utf-8"?>
+<p:sld xmlns:a="http://schemas.openxmlformats.org/drawingml/2006/main" xmlns:r="http://schemas.openxmlformats.org/officeDocument/2006/relationships" xmlns:mc="http://schemas.openxmlformats.org/markup-compatibility/2006" xmlns:mv="urn:schemas-microsoft-com:mac:vml" xmlns:p="http://schemas.openxmlformats.org/presentationml/2006/main" xmlns:c="http://schemas.openxmlformats.org/drawingml/2006/chart" xmlns:dgm="http://schemas.openxmlformats.org/drawingml/2006/diagram" xmlns:o="urn:schemas-microsoft-com:office:office" xmlns:v="urn:schemas-microsoft-com:vml" xmlns:pvml="urn:schemas-microsoft-com:office:powerpoint" xmlns:com="http://schemas.openxmlformats.org/drawingml/2006/compatibility" xmlns:p14="http://schemas.microsoft.com/office/powerpoint/2010/main" xmlns:p15="http://schemas.microsoft.com/office/powerpoint/2012/main">
+  <p:cSld>
+    <p:spTree>
+      <p:nvGrpSpPr>
+        <p:cNvPr id="320" name="Shape 320"/>
+        <p:cNvGrpSpPr/>
+        <p:nvPr/>
+      </p:nvGrpSpPr>
+      <p:grpSpPr>
+        <a:xfrm>
+          <a:off x="0" y="0"/>
+          <a:ext cx="0" cy="0"/>
+          <a:chOff x="0" y="0"/>
+          <a:chExt cx="0" cy="0"/>
+        </a:xfrm>
+      </p:grpSpPr>
+      <p:sp>
+        <p:nvSpPr>
+          <p:cNvPr id="321" name="Shape 321"/>
           <p:cNvSpPr txBox="1"/>
           <p:nvPr>
             <p:ph type="title"/>
@@ -13927,14 +17384,14 @@
             </a:pPr>
             <a:r>
               <a:rPr lang="en"/>
-              <a:t>Feature Characteristics</a:t>
+              <a:t>Visualization Methods</a:t>
             </a:r>
           </a:p>
         </p:txBody>
       </p:sp>
       <p:sp>
         <p:nvSpPr>
-          <p:cNvPr id="296" name="Shape 296"/>
+          <p:cNvPr id="322" name="Shape 322"/>
           <p:cNvSpPr txBox="1"/>
           <p:nvPr>
             <p:ph idx="1" type="body"/>
@@ -13942,8 +17399,8 @@
         </p:nvSpPr>
         <p:spPr>
           <a:xfrm>
-            <a:off x="1303800" y="1990050"/>
-            <a:ext cx="7030500" cy="2541600"/>
+            <a:off x="243675" y="1597875"/>
+            <a:ext cx="4674000" cy="3288300"/>
           </a:xfrm>
           <a:prstGeom prst="rect">
             <a:avLst/>
@@ -13960,174 +17417,7 @@
                 <a:spcPts val="0"/>
               </a:spcBef>
               <a:spcAft>
-                <a:spcPts val="0"/>
-              </a:spcAft>
-              <a:buClr>
-                <a:srgbClr val="000000"/>
-              </a:buClr>
-              <a:buSzPts val="1800"/>
-              <a:buChar char="●"/>
-            </a:pPr>
-            <a:r>
-              <a:rPr lang="en" sz="1800">
-                <a:solidFill>
-                  <a:srgbClr val="000000"/>
-                </a:solidFill>
-              </a:rPr>
-              <a:t>The most important feature is xedge which tells the user the </a:t>
-            </a:r>
-            <a:r>
-              <a:rPr lang="en" sz="1800">
-                <a:solidFill>
-                  <a:srgbClr val="000000"/>
-                </a:solidFill>
-              </a:rPr>
-              <a:t>horizontal</a:t>
-            </a:r>
-            <a:r>
-              <a:rPr lang="en" sz="1800">
-                <a:solidFill>
-                  <a:srgbClr val="000000"/>
-                </a:solidFill>
-              </a:rPr>
-              <a:t> length in pixels.  </a:t>
-            </a:r>
-          </a:p>
-          <a:p>
-            <a:pPr indent="-342900" lvl="0" marL="457200">
-              <a:spcBef>
-                <a:spcPts val="0"/>
-              </a:spcBef>
-              <a:spcAft>
-                <a:spcPts val="0"/>
-              </a:spcAft>
-              <a:buClr>
-                <a:srgbClr val="000000"/>
-              </a:buClr>
-              <a:buSzPts val="1800"/>
-              <a:buChar char="●"/>
-            </a:pPr>
-            <a:r>
-              <a:rPr lang="en" sz="1800">
-                <a:solidFill>
-                  <a:srgbClr val="000000"/>
-                </a:solidFill>
-              </a:rPr>
-              <a:t>Very similar to the yedge that tells the user the vertical length in pixels. </a:t>
-            </a:r>
-          </a:p>
-          <a:p>
-            <a:pPr indent="-342900" lvl="0" marL="457200">
-              <a:spcBef>
-                <a:spcPts val="0"/>
-              </a:spcBef>
-              <a:buClr>
-                <a:srgbClr val="000000"/>
-              </a:buClr>
-              <a:buSzPts val="1800"/>
-              <a:buChar char="●"/>
-            </a:pPr>
-            <a:r>
-              <a:rPr lang="en" sz="1800">
-                <a:solidFill>
-                  <a:srgbClr val="000000"/>
-                </a:solidFill>
-              </a:rPr>
-              <a:t>These are the most important features as they are the most defining characteristics of a letter. </a:t>
-            </a:r>
-          </a:p>
-        </p:txBody>
-      </p:sp>
-    </p:spTree>
-  </p:cSld>
-  <p:clrMapOvr>
-    <a:masterClrMapping/>
-  </p:clrMapOvr>
-</p:sld>
-</file>
-
-<file path=ppt/slides/slide5.xml><?xml version="1.0" encoding="utf-8"?>
-<p:sld xmlns:a="http://schemas.openxmlformats.org/drawingml/2006/main" xmlns:r="http://schemas.openxmlformats.org/officeDocument/2006/relationships" xmlns:mc="http://schemas.openxmlformats.org/markup-compatibility/2006" xmlns:mv="urn:schemas-microsoft-com:mac:vml" xmlns:p="http://schemas.openxmlformats.org/presentationml/2006/main" xmlns:c="http://schemas.openxmlformats.org/drawingml/2006/chart" xmlns:dgm="http://schemas.openxmlformats.org/drawingml/2006/diagram" xmlns:o="urn:schemas-microsoft-com:office:office" xmlns:v="urn:schemas-microsoft-com:vml" xmlns:pvml="urn:schemas-microsoft-com:office:powerpoint" xmlns:com="http://schemas.openxmlformats.org/drawingml/2006/compatibility" xmlns:p14="http://schemas.microsoft.com/office/powerpoint/2010/main" xmlns:p15="http://schemas.microsoft.com/office/powerpoint/2012/main">
-  <p:cSld>
-    <p:spTree>
-      <p:nvGrpSpPr>
-        <p:cNvPr id="300" name="Shape 300"/>
-        <p:cNvGrpSpPr/>
-        <p:nvPr/>
-      </p:nvGrpSpPr>
-      <p:grpSpPr>
-        <a:xfrm>
-          <a:off x="0" y="0"/>
-          <a:ext cx="0" cy="0"/>
-          <a:chOff x="0" y="0"/>
-          <a:chExt cx="0" cy="0"/>
-        </a:xfrm>
-      </p:grpSpPr>
-      <p:sp>
-        <p:nvSpPr>
-          <p:cNvPr id="301" name="Shape 301"/>
-          <p:cNvSpPr txBox="1"/>
-          <p:nvPr>
-            <p:ph type="title"/>
-          </p:nvPr>
-        </p:nvSpPr>
-        <p:spPr>
-          <a:xfrm>
-            <a:off x="1303800" y="598575"/>
-            <a:ext cx="7030500" cy="999300"/>
-          </a:xfrm>
-          <a:prstGeom prst="rect">
-            <a:avLst/>
-          </a:prstGeom>
-        </p:spPr>
-        <p:txBody>
-          <a:bodyPr anchorCtr="0" anchor="t" bIns="91425" lIns="91425" rIns="91425" wrap="square" tIns="91425">
-            <a:noAutofit/>
-          </a:bodyPr>
-          <a:lstStyle/>
-          <a:p>
-            <a:pPr indent="0" lvl="0" marL="0">
-              <a:spcBef>
-                <a:spcPts val="0"/>
-              </a:spcBef>
-              <a:buNone/>
-            </a:pPr>
-            <a:r>
-              <a:rPr lang="en"/>
-              <a:t>Visualization Methods</a:t>
-            </a:r>
-          </a:p>
-        </p:txBody>
-      </p:sp>
-      <p:sp>
-        <p:nvSpPr>
-          <p:cNvPr id="302" name="Shape 302"/>
-          <p:cNvSpPr txBox="1"/>
-          <p:nvPr>
-            <p:ph idx="1" type="body"/>
-          </p:nvPr>
-        </p:nvSpPr>
-        <p:spPr>
-          <a:xfrm>
-            <a:off x="1303800" y="1990050"/>
-            <a:ext cx="7030500" cy="2541600"/>
-          </a:xfrm>
-          <a:prstGeom prst="rect">
-            <a:avLst/>
-          </a:prstGeom>
-        </p:spPr>
-        <p:txBody>
-          <a:bodyPr anchorCtr="0" anchor="t" bIns="91425" lIns="91425" rIns="91425" wrap="square" tIns="91425">
-            <a:noAutofit/>
-          </a:bodyPr>
-          <a:lstStyle/>
-          <a:p>
-            <a:pPr indent="-342900" lvl="0" marL="457200" rtl="0">
-              <a:spcBef>
-                <a:spcPts val="0"/>
-              </a:spcBef>
-              <a:spcAft>
-                <a:spcPts val="0"/>
+                <a:spcPts val="1000"/>
               </a:spcAft>
               <a:buClr>
                 <a:srgbClr val="000000"/>
@@ -14150,7 +17440,7 @@
                 <a:spcPts val="0"/>
               </a:spcBef>
               <a:spcAft>
-                <a:spcPts val="0"/>
+                <a:spcPts val="1000"/>
               </a:spcAft>
               <a:buClr>
                 <a:srgbClr val="000000"/>
@@ -14168,26 +17458,6 @@
             </a:r>
           </a:p>
           <a:p>
-            <a:pPr indent="-342900" lvl="0" marL="457200" rtl="0">
-              <a:spcBef>
-                <a:spcPts val="0"/>
-              </a:spcBef>
-              <a:buClr>
-                <a:srgbClr val="000000"/>
-              </a:buClr>
-              <a:buSzPts val="1800"/>
-              <a:buChar char="●"/>
-            </a:pPr>
-            <a:r>
-              <a:rPr lang="en" sz="1800">
-                <a:solidFill>
-                  <a:srgbClr val="000000"/>
-                </a:solidFill>
-              </a:rPr>
-              <a:t>The data is best described by the Bokeh plot because it is the most concise and meaningful</a:t>
-            </a:r>
-          </a:p>
-          <a:p>
             <a:pPr indent="0" lvl="0" marL="0">
               <a:spcBef>
                 <a:spcPts val="0"/>
@@ -14205,6 +17475,80 @@
           </a:p>
         </p:txBody>
       </p:sp>
+      <p:pic>
+        <p:nvPicPr>
+          <p:cNvPr id="323" name="Shape 323"/>
+          <p:cNvPicPr preferRelativeResize="0"/>
+          <p:nvPr/>
+        </p:nvPicPr>
+        <p:blipFill>
+          <a:blip r:embed="rId3">
+            <a:alphaModFix/>
+          </a:blip>
+          <a:stretch>
+            <a:fillRect/>
+          </a:stretch>
+        </p:blipFill>
+        <p:spPr>
+          <a:xfrm>
+            <a:off x="5104225" y="840450"/>
+            <a:ext cx="3995699" cy="4303050"/>
+          </a:xfrm>
+          <a:prstGeom prst="rect">
+            <a:avLst/>
+          </a:prstGeom>
+          <a:noFill/>
+          <a:ln>
+            <a:noFill/>
+          </a:ln>
+        </p:spPr>
+      </p:pic>
+      <p:sp>
+        <p:nvSpPr>
+          <p:cNvPr id="324" name="Shape 324"/>
+          <p:cNvSpPr/>
+          <p:nvPr/>
+        </p:nvSpPr>
+        <p:spPr>
+          <a:xfrm>
+            <a:off x="5241650" y="4817700"/>
+            <a:ext cx="3425700" cy="325800"/>
+          </a:xfrm>
+          <a:prstGeom prst="rect">
+            <a:avLst/>
+          </a:prstGeom>
+          <a:solidFill>
+            <a:schemeClr val="lt2"/>
+          </a:solidFill>
+          <a:ln cap="flat" cmpd="sng" w="9525">
+            <a:solidFill>
+              <a:schemeClr val="dk2"/>
+            </a:solidFill>
+            <a:prstDash val="solid"/>
+            <a:round/>
+            <a:headEnd len="med" w="med" type="none"/>
+            <a:tailEnd len="med" w="med" type="none"/>
+          </a:ln>
+        </p:spPr>
+        <p:txBody>
+          <a:bodyPr anchorCtr="0" anchor="ctr" bIns="91425" lIns="91425" rIns="91425" wrap="square" tIns="91425">
+            <a:noAutofit/>
+          </a:bodyPr>
+          <a:lstStyle/>
+          <a:p>
+            <a:pPr indent="0" lvl="0" marL="0">
+              <a:spcBef>
+                <a:spcPts val="0"/>
+              </a:spcBef>
+              <a:buNone/>
+            </a:pPr>
+            <a:r>
+              <a:rPr lang="en"/>
+              <a:t>Confusion Matrix of Classification Error</a:t>
+            </a:r>
+          </a:p>
+        </p:txBody>
+      </p:sp>
     </p:spTree>
   </p:cSld>
   <p:clrMapOvr>
@@ -14213,12 +17557,12 @@
 </p:sld>
 </file>
 
-<file path=ppt/slides/slide6.xml><?xml version="1.0" encoding="utf-8"?>
+<file path=ppt/slides/slide9.xml><?xml version="1.0" encoding="utf-8"?>
 <p:sld xmlns:a="http://schemas.openxmlformats.org/drawingml/2006/main" xmlns:r="http://schemas.openxmlformats.org/officeDocument/2006/relationships" xmlns:mc="http://schemas.openxmlformats.org/markup-compatibility/2006" xmlns:mv="urn:schemas-microsoft-com:mac:vml" xmlns:p="http://schemas.openxmlformats.org/presentationml/2006/main" xmlns:c="http://schemas.openxmlformats.org/drawingml/2006/chart" xmlns:dgm="http://schemas.openxmlformats.org/drawingml/2006/diagram" xmlns:o="urn:schemas-microsoft-com:office:office" xmlns:v="urn:schemas-microsoft-com:vml" xmlns:pvml="urn:schemas-microsoft-com:office:powerpoint" xmlns:com="http://schemas.openxmlformats.org/drawingml/2006/compatibility" xmlns:p14="http://schemas.microsoft.com/office/powerpoint/2010/main" xmlns:p15="http://schemas.microsoft.com/office/powerpoint/2012/main">
   <p:cSld>
     <p:spTree>
       <p:nvGrpSpPr>
-        <p:cNvPr id="306" name="Shape 306"/>
+        <p:cNvPr id="328" name="Shape 328"/>
         <p:cNvGrpSpPr/>
         <p:nvPr/>
       </p:nvGrpSpPr>
@@ -14232,7 +17576,7 @@
       </p:grpSpPr>
       <p:sp>
         <p:nvSpPr>
-          <p:cNvPr id="307" name="Shape 307"/>
+          <p:cNvPr id="329" name="Shape 329"/>
           <p:cNvSpPr txBox="1"/>
           <p:nvPr>
             <p:ph type="title"/>
@@ -14240,44 +17584,8 @@
         </p:nvSpPr>
         <p:spPr>
           <a:xfrm>
-            <a:off x="1303800" y="598575"/>
-            <a:ext cx="7030500" cy="999300"/>
-          </a:xfrm>
-          <a:prstGeom prst="rect">
-            <a:avLst/>
-          </a:prstGeom>
-        </p:spPr>
-        <p:txBody>
-          <a:bodyPr anchorCtr="0" anchor="t" bIns="91425" lIns="91425" rIns="91425" wrap="square" tIns="91425">
-            <a:noAutofit/>
-          </a:bodyPr>
-          <a:lstStyle/>
-          <a:p>
-            <a:pPr indent="0" lvl="0" marL="0">
-              <a:spcBef>
-                <a:spcPts val="0"/>
-              </a:spcBef>
-              <a:buNone/>
-            </a:pPr>
-            <a:r>
-              <a:rPr lang="en"/>
-              <a:t>What We Learned</a:t>
-            </a:r>
-          </a:p>
-        </p:txBody>
-      </p:sp>
-      <p:sp>
-        <p:nvSpPr>
-          <p:cNvPr id="308" name="Shape 308"/>
-          <p:cNvSpPr txBox="1"/>
-          <p:nvPr>
-            <p:ph idx="1" type="body"/>
-          </p:nvPr>
-        </p:nvSpPr>
-        <p:spPr>
-          <a:xfrm>
-            <a:off x="1303800" y="1990050"/>
-            <a:ext cx="7030500" cy="2541600"/>
+            <a:off x="6301775" y="184550"/>
+            <a:ext cx="2689500" cy="4858800"/>
           </a:xfrm>
           <a:prstGeom prst="rect">
             <a:avLst/>
@@ -14293,141 +17601,156 @@
               <a:spcBef>
                 <a:spcPts val="0"/>
               </a:spcBef>
-              <a:spcAft>
-                <a:spcPts val="0"/>
-              </a:spcAft>
-              <a:buClr>
-                <a:srgbClr val="000000"/>
-              </a:buClr>
               <a:buSzPts val="1800"/>
+              <a:buFont typeface="Roboto"/>
               <a:buChar char="●"/>
             </a:pPr>
             <a:r>
-              <a:rPr lang="en" sz="1800">
-                <a:solidFill>
-                  <a:srgbClr val="000000"/>
-                </a:solidFill>
+              <a:rPr b="0" lang="en" sz="1800">
+                <a:latin typeface="Roboto"/>
+                <a:ea typeface="Roboto"/>
+                <a:cs typeface="Roboto"/>
+                <a:sym typeface="Roboto"/>
               </a:rPr>
-              <a:t>We became familiar with the patterns of letters</a:t>
+              <a:t>Measures misclassification rate</a:t>
             </a:r>
           </a:p>
           <a:p>
+            <a:pPr indent="0" lvl="0" marL="0" rtl="0">
+              <a:spcBef>
+                <a:spcPts val="0"/>
+              </a:spcBef>
+              <a:buNone/>
+            </a:pPr>
+            <a:r>
+              <a:t/>
+            </a:r>
+            <a:endParaRPr b="0" sz="1800">
+              <a:latin typeface="Roboto"/>
+              <a:ea typeface="Roboto"/>
+              <a:cs typeface="Roboto"/>
+              <a:sym typeface="Roboto"/>
+            </a:endParaRPr>
+          </a:p>
+          <a:p>
             <a:pPr indent="-342900" lvl="0" marL="457200" rtl="0">
               <a:spcBef>
                 <a:spcPts val="0"/>
               </a:spcBef>
-              <a:spcAft>
-                <a:spcPts val="0"/>
-              </a:spcAft>
-              <a:buClr>
-                <a:srgbClr val="000000"/>
-              </a:buClr>
               <a:buSzPts val="1800"/>
+              <a:buFont typeface="Roboto"/>
               <a:buChar char="●"/>
             </a:pPr>
             <a:r>
-              <a:rPr lang="en" sz="1800">
-                <a:solidFill>
-                  <a:srgbClr val="000000"/>
-                </a:solidFill>
+              <a:rPr b="0" lang="en" sz="1800">
+                <a:latin typeface="Roboto"/>
+                <a:ea typeface="Roboto"/>
+                <a:cs typeface="Roboto"/>
+                <a:sym typeface="Roboto"/>
               </a:rPr>
-              <a:t>We learned how to implement algorithms that are often used to describe data and extract meaning from large data sets</a:t>
+              <a:t>We changed the color to improve contrast and readability</a:t>
             </a:r>
           </a:p>
           <a:p>
+            <a:pPr indent="0" lvl="0" marL="0" rtl="0">
+              <a:spcBef>
+                <a:spcPts val="0"/>
+              </a:spcBef>
+              <a:buNone/>
+            </a:pPr>
+            <a:r>
+              <a:t/>
+            </a:r>
+            <a:endParaRPr b="0" sz="1800">
+              <a:latin typeface="Roboto"/>
+              <a:ea typeface="Roboto"/>
+              <a:cs typeface="Roboto"/>
+              <a:sym typeface="Roboto"/>
+            </a:endParaRPr>
+          </a:p>
+          <a:p>
             <a:pPr indent="-342900" lvl="0" marL="457200" rtl="0">
               <a:spcBef>
                 <a:spcPts val="0"/>
               </a:spcBef>
-              <a:spcAft>
-                <a:spcPts val="0"/>
-              </a:spcAft>
-              <a:buClr>
-                <a:srgbClr val="000000"/>
-              </a:buClr>
               <a:buSzPts val="1800"/>
+              <a:buFont typeface="Roboto"/>
               <a:buChar char="●"/>
             </a:pPr>
             <a:r>
-              <a:rPr lang="en" sz="1800">
-                <a:solidFill>
-                  <a:srgbClr val="000000"/>
-                </a:solidFill>
+              <a:rPr b="0" lang="en" sz="1800">
+                <a:latin typeface="Roboto"/>
+                <a:ea typeface="Roboto"/>
+                <a:cs typeface="Roboto"/>
+                <a:sym typeface="Roboto"/>
               </a:rPr>
-              <a:t>We learned how to best structure our data to be used </a:t>
-            </a:r>
-          </a:p>
-          <a:p>
-            <a:pPr indent="-342900" lvl="0" marL="457200">
-              <a:spcBef>
-                <a:spcPts val="0"/>
-              </a:spcBef>
-              <a:buClr>
-                <a:srgbClr val="000000"/>
-              </a:buClr>
-              <a:buSzPts val="1800"/>
-              <a:buChar char="●"/>
-            </a:pPr>
-            <a:r>
-              <a:rPr lang="en" sz="1800">
-                <a:solidFill>
-                  <a:srgbClr val="000000"/>
-                </a:solidFill>
-              </a:rPr>
-              <a:t>We gained skills in utilizing various visualization libraries and discovered new methods of visualizing classification data</a:t>
+              <a:t>10 Most frequent letters (more than 780 instances)       A D M N P Q T U X Y</a:t>
             </a:r>
           </a:p>
         </p:txBody>
       </p:sp>
-    </p:spTree>
-  </p:cSld>
-  <p:clrMapOvr>
-    <a:masterClrMapping/>
-  </p:clrMapOvr>
-</p:sld>
-</file>
-
-<file path=ppt/slides/slide7.xml><?xml version="1.0" encoding="utf-8"?>
-<p:sld xmlns:a="http://schemas.openxmlformats.org/drawingml/2006/main" xmlns:r="http://schemas.openxmlformats.org/officeDocument/2006/relationships" xmlns:mc="http://schemas.openxmlformats.org/markup-compatibility/2006" xmlns:mv="urn:schemas-microsoft-com:mac:vml" xmlns:p="http://schemas.openxmlformats.org/presentationml/2006/main" xmlns:c="http://schemas.openxmlformats.org/drawingml/2006/chart" xmlns:dgm="http://schemas.openxmlformats.org/drawingml/2006/diagram" xmlns:o="urn:schemas-microsoft-com:office:office" xmlns:v="urn:schemas-microsoft-com:vml" xmlns:pvml="urn:schemas-microsoft-com:office:powerpoint" xmlns:com="http://schemas.openxmlformats.org/drawingml/2006/compatibility" xmlns:p14="http://schemas.microsoft.com/office/powerpoint/2010/main" xmlns:p15="http://schemas.microsoft.com/office/powerpoint/2012/main">
-  <p:cSld>
-    <p:spTree>
-      <p:nvGrpSpPr>
-        <p:cNvPr id="312" name="Shape 312"/>
-        <p:cNvGrpSpPr/>
-        <p:nvPr/>
-      </p:nvGrpSpPr>
-      <p:grpSpPr>
-        <a:xfrm>
-          <a:off x="0" y="0"/>
-          <a:ext cx="0" cy="0"/>
-          <a:chOff x="0" y="0"/>
-          <a:chExt cx="0" cy="0"/>
-        </a:xfrm>
-      </p:grpSpPr>
-      <p:sp>
-        <p:nvSpPr>
-          <p:cNvPr id="313" name="Shape 313"/>
-          <p:cNvSpPr txBox="1"/>
-          <p:nvPr>
-            <p:ph type="title"/>
-          </p:nvPr>
-        </p:nvSpPr>
+      <p:pic>
+        <p:nvPicPr>
+          <p:cNvPr id="330" name="Shape 330"/>
+          <p:cNvPicPr preferRelativeResize="0"/>
+          <p:nvPr/>
+        </p:nvPicPr>
+        <p:blipFill>
+          <a:blip r:embed="rId3">
+            <a:alphaModFix/>
+          </a:blip>
+          <a:stretch>
+            <a:fillRect/>
+          </a:stretch>
+        </p:blipFill>
         <p:spPr>
           <a:xfrm>
-            <a:off x="1303800" y="598575"/>
-            <a:ext cx="7030500" cy="999300"/>
+            <a:off x="0" y="0"/>
+            <a:ext cx="6301775" cy="5143499"/>
           </a:xfrm>
           <a:prstGeom prst="rect">
             <a:avLst/>
           </a:prstGeom>
+          <a:noFill/>
+          <a:ln>
+            <a:noFill/>
+          </a:ln>
+        </p:spPr>
+      </p:pic>
+      <p:sp>
+        <p:nvSpPr>
+          <p:cNvPr id="331" name="Shape 331"/>
+          <p:cNvSpPr/>
+          <p:nvPr/>
+        </p:nvSpPr>
+        <p:spPr>
+          <a:xfrm>
+            <a:off x="1198320" y="4754100"/>
+            <a:ext cx="3258000" cy="389400"/>
+          </a:xfrm>
+          <a:prstGeom prst="rect">
+            <a:avLst/>
+          </a:prstGeom>
+          <a:solidFill>
+            <a:schemeClr val="lt2"/>
+          </a:solidFill>
+          <a:ln cap="flat" cmpd="sng" w="9525">
+            <a:solidFill>
+              <a:schemeClr val="dk2"/>
+            </a:solidFill>
+            <a:prstDash val="solid"/>
+            <a:round/>
+            <a:headEnd len="med" w="med" type="none"/>
+            <a:tailEnd len="med" w="med" type="none"/>
+          </a:ln>
         </p:spPr>
         <p:txBody>
-          <a:bodyPr anchorCtr="0" anchor="t" bIns="91425" lIns="91425" rIns="91425" wrap="square" tIns="91425">
+          <a:bodyPr anchorCtr="0" anchor="ctr" bIns="91425" lIns="91425" rIns="91425" wrap="square" tIns="91425">
             <a:noAutofit/>
           </a:bodyPr>
           <a:lstStyle/>
           <a:p>
-            <a:pPr indent="0" lvl="0" marL="0">
+            <a:pPr indent="0" lvl="0" marL="0" rtl="0">
               <a:spcBef>
                 <a:spcPts val="0"/>
               </a:spcBef>
@@ -14435,74 +17758,7 @@
             </a:pPr>
             <a:r>
               <a:rPr lang="en"/>
-              <a:t>Future Applications of Our Data</a:t>
-            </a:r>
-          </a:p>
-        </p:txBody>
-      </p:sp>
-      <p:sp>
-        <p:nvSpPr>
-          <p:cNvPr id="314" name="Shape 314"/>
-          <p:cNvSpPr txBox="1"/>
-          <p:nvPr>
-            <p:ph idx="1" type="body"/>
-          </p:nvPr>
-        </p:nvSpPr>
-        <p:spPr>
-          <a:xfrm>
-            <a:off x="1303800" y="1990050"/>
-            <a:ext cx="7030500" cy="2541600"/>
-          </a:xfrm>
-          <a:prstGeom prst="rect">
-            <a:avLst/>
-          </a:prstGeom>
-        </p:spPr>
-        <p:txBody>
-          <a:bodyPr anchorCtr="0" anchor="t" bIns="91425" lIns="91425" rIns="91425" wrap="square" tIns="91425">
-            <a:noAutofit/>
-          </a:bodyPr>
-          <a:lstStyle/>
-          <a:p>
-            <a:pPr indent="-342900" lvl="0" marL="457200" rtl="0">
-              <a:spcBef>
-                <a:spcPts val="0"/>
-              </a:spcBef>
-              <a:spcAft>
-                <a:spcPts val="0"/>
-              </a:spcAft>
-              <a:buClr>
-                <a:srgbClr val="000000"/>
-              </a:buClr>
-              <a:buSzPts val="1800"/>
-              <a:buChar char="●"/>
-            </a:pPr>
-            <a:r>
-              <a:rPr lang="en" sz="1800">
-                <a:solidFill>
-                  <a:srgbClr val="000000"/>
-                </a:solidFill>
-              </a:rPr>
-              <a:t>Our data could be used to develop handwriting recognition software which is commonly used in the tech and automotive industries</a:t>
-            </a:r>
-          </a:p>
-          <a:p>
-            <a:pPr indent="-342900" lvl="0" marL="457200">
-              <a:spcBef>
-                <a:spcPts val="0"/>
-              </a:spcBef>
-              <a:buClr>
-                <a:srgbClr val="000000"/>
-              </a:buClr>
-              <a:buSzPts val="1800"/>
-              <a:buChar char="●"/>
-            </a:pPr>
-            <a:r>
-              <a:rPr lang="en" sz="1800">
-                <a:solidFill>
-                  <a:srgbClr val="000000"/>
-                </a:solidFill>
-              </a:rPr>
-              <a:t>Using our research, report, and presentation companies could assess the applicability of our data to their needs</a:t>
+              <a:t>Confusion Matrix of Classification Error</a:t>
             </a:r>
           </a:p>
         </p:txBody>
